--- a/Python课设答辩.pptx
+++ b/Python课设答辩.pptx
@@ -8,20 +8,19 @@
     <p:sldId id="256" r:id="rId2"/>
     <p:sldId id="257" r:id="rId3"/>
     <p:sldId id="258" r:id="rId4"/>
-    <p:sldId id="272" r:id="rId5"/>
-    <p:sldId id="259" r:id="rId6"/>
-    <p:sldId id="263" r:id="rId7"/>
+    <p:sldId id="259" r:id="rId5"/>
+    <p:sldId id="263" r:id="rId6"/>
+    <p:sldId id="262" r:id="rId7"/>
     <p:sldId id="266" r:id="rId8"/>
     <p:sldId id="270" r:id="rId9"/>
     <p:sldId id="271" r:id="rId10"/>
     <p:sldId id="269" r:id="rId11"/>
     <p:sldId id="260" r:id="rId12"/>
     <p:sldId id="261" r:id="rId13"/>
-    <p:sldId id="262" r:id="rId14"/>
-    <p:sldId id="264" r:id="rId15"/>
-    <p:sldId id="265" r:id="rId16"/>
-    <p:sldId id="267" r:id="rId17"/>
-    <p:sldId id="268" r:id="rId18"/>
+    <p:sldId id="264" r:id="rId14"/>
+    <p:sldId id="265" r:id="rId15"/>
+    <p:sldId id="267" r:id="rId16"/>
+    <p:sldId id="268" r:id="rId17"/>
   </p:sldIdLst>
   <p:sldSz cx="12192000" cy="6858000"/>
   <p:notesSz cx="6858000" cy="9144000"/>
@@ -275,7 +274,7 @@
           <a:p>
             <a:fld id="{7DC4F905-025A-4227-BF6B-80A708676AF4}" type="datetimeFigureOut">
               <a:rPr lang="zh-CN" altLang="en-US" smtClean="0"/>
-              <a:t>2020-11-03</a:t>
+              <a:t>2020-11-05</a:t>
             </a:fld>
             <a:endParaRPr lang="zh-CN" altLang="en-US"/>
           </a:p>
@@ -473,7 +472,7 @@
           <a:p>
             <a:fld id="{7DC4F905-025A-4227-BF6B-80A708676AF4}" type="datetimeFigureOut">
               <a:rPr lang="zh-CN" altLang="en-US" smtClean="0"/>
-              <a:t>2020-11-03</a:t>
+              <a:t>2020-11-05</a:t>
             </a:fld>
             <a:endParaRPr lang="zh-CN" altLang="en-US"/>
           </a:p>
@@ -681,7 +680,7 @@
           <a:p>
             <a:fld id="{7DC4F905-025A-4227-BF6B-80A708676AF4}" type="datetimeFigureOut">
               <a:rPr lang="zh-CN" altLang="en-US" smtClean="0"/>
-              <a:t>2020-11-03</a:t>
+              <a:t>2020-11-05</a:t>
             </a:fld>
             <a:endParaRPr lang="zh-CN" altLang="en-US"/>
           </a:p>
@@ -879,7 +878,7 @@
           <a:p>
             <a:fld id="{7DC4F905-025A-4227-BF6B-80A708676AF4}" type="datetimeFigureOut">
               <a:rPr lang="zh-CN" altLang="en-US" smtClean="0"/>
-              <a:t>2020-11-03</a:t>
+              <a:t>2020-11-05</a:t>
             </a:fld>
             <a:endParaRPr lang="zh-CN" altLang="en-US"/>
           </a:p>
@@ -1154,7 +1153,7 @@
           <a:p>
             <a:fld id="{7DC4F905-025A-4227-BF6B-80A708676AF4}" type="datetimeFigureOut">
               <a:rPr lang="zh-CN" altLang="en-US" smtClean="0"/>
-              <a:t>2020-11-03</a:t>
+              <a:t>2020-11-05</a:t>
             </a:fld>
             <a:endParaRPr lang="zh-CN" altLang="en-US"/>
           </a:p>
@@ -1419,7 +1418,7 @@
           <a:p>
             <a:fld id="{7DC4F905-025A-4227-BF6B-80A708676AF4}" type="datetimeFigureOut">
               <a:rPr lang="zh-CN" altLang="en-US" smtClean="0"/>
-              <a:t>2020-11-03</a:t>
+              <a:t>2020-11-05</a:t>
             </a:fld>
             <a:endParaRPr lang="zh-CN" altLang="en-US"/>
           </a:p>
@@ -1831,7 +1830,7 @@
           <a:p>
             <a:fld id="{7DC4F905-025A-4227-BF6B-80A708676AF4}" type="datetimeFigureOut">
               <a:rPr lang="zh-CN" altLang="en-US" smtClean="0"/>
-              <a:t>2020-11-03</a:t>
+              <a:t>2020-11-05</a:t>
             </a:fld>
             <a:endParaRPr lang="zh-CN" altLang="en-US"/>
           </a:p>
@@ -1972,7 +1971,7 @@
           <a:p>
             <a:fld id="{7DC4F905-025A-4227-BF6B-80A708676AF4}" type="datetimeFigureOut">
               <a:rPr lang="zh-CN" altLang="en-US" smtClean="0"/>
-              <a:t>2020-11-03</a:t>
+              <a:t>2020-11-05</a:t>
             </a:fld>
             <a:endParaRPr lang="zh-CN" altLang="en-US"/>
           </a:p>
@@ -2085,7 +2084,7 @@
           <a:p>
             <a:fld id="{7DC4F905-025A-4227-BF6B-80A708676AF4}" type="datetimeFigureOut">
               <a:rPr lang="zh-CN" altLang="en-US" smtClean="0"/>
-              <a:t>2020-11-03</a:t>
+              <a:t>2020-11-05</a:t>
             </a:fld>
             <a:endParaRPr lang="zh-CN" altLang="en-US"/>
           </a:p>
@@ -2396,7 +2395,7 @@
           <a:p>
             <a:fld id="{7DC4F905-025A-4227-BF6B-80A708676AF4}" type="datetimeFigureOut">
               <a:rPr lang="zh-CN" altLang="en-US" smtClean="0"/>
-              <a:t>2020-11-03</a:t>
+              <a:t>2020-11-05</a:t>
             </a:fld>
             <a:endParaRPr lang="zh-CN" altLang="en-US"/>
           </a:p>
@@ -2684,7 +2683,7 @@
           <a:p>
             <a:fld id="{7DC4F905-025A-4227-BF6B-80A708676AF4}" type="datetimeFigureOut">
               <a:rPr lang="zh-CN" altLang="en-US" smtClean="0"/>
-              <a:t>2020-11-03</a:t>
+              <a:t>2020-11-05</a:t>
             </a:fld>
             <a:endParaRPr lang="zh-CN" altLang="en-US"/>
           </a:p>
@@ -2925,7 +2924,7 @@
           <a:p>
             <a:fld id="{7DC4F905-025A-4227-BF6B-80A708676AF4}" type="datetimeFigureOut">
               <a:rPr lang="zh-CN" altLang="en-US" smtClean="0"/>
-              <a:t>2020-11-03</a:t>
+              <a:t>2020-11-05</a:t>
             </a:fld>
             <a:endParaRPr lang="zh-CN" altLang="en-US"/>
           </a:p>
@@ -10627,2311 +10626,6 @@
           <a:chExt cx="0" cy="0"/>
         </a:xfrm>
       </p:grpSpPr>
-      <p:graphicFrame>
-        <p:nvGraphicFramePr>
-          <p:cNvPr id="83" name="Table 1"/>
-          <p:cNvGraphicFramePr>
-            <a:graphicFrameLocks noGrp="1"/>
-          </p:cNvGraphicFramePr>
-          <p:nvPr/>
-        </p:nvGraphicFramePr>
-        <p:xfrm>
-          <a:off x="2559844" y="1165324"/>
-          <a:ext cx="7072314" cy="4641836"/>
-        </p:xfrm>
-        <a:graphic>
-          <a:graphicData uri="http://schemas.openxmlformats.org/drawingml/2006/table">
-            <a:tbl>
-              <a:tblPr/>
-              <a:tblGrid>
-                <a:gridCol w="2357438">
-                  <a:extLst>
-                    <a:ext uri="{9D8B030D-6E8A-4147-A177-3AD203B41FA5}">
-                      <a16:colId xmlns:a16="http://schemas.microsoft.com/office/drawing/2014/main" val="20000"/>
-                    </a:ext>
-                  </a:extLst>
-                </a:gridCol>
-                <a:gridCol w="2357438">
-                  <a:extLst>
-                    <a:ext uri="{9D8B030D-6E8A-4147-A177-3AD203B41FA5}">
-                      <a16:colId xmlns:a16="http://schemas.microsoft.com/office/drawing/2014/main" val="20001"/>
-                    </a:ext>
-                  </a:extLst>
-                </a:gridCol>
-                <a:gridCol w="2357438">
-                  <a:extLst>
-                    <a:ext uri="{9D8B030D-6E8A-4147-A177-3AD203B41FA5}">
-                      <a16:colId xmlns:a16="http://schemas.microsoft.com/office/drawing/2014/main" val="20002"/>
-                    </a:ext>
-                  </a:extLst>
-                </a:gridCol>
-              </a:tblGrid>
-              <a:tr h="435322">
-                <a:tc>
-                  <a:txBody>
-                    <a:bodyPr/>
-                    <a:lstStyle/>
-                    <a:p>
-                      <a:pPr algn="ctr" latinLnBrk="1">
-                        <a:lnSpc>
-                          <a:spcPct val="116199"/>
-                        </a:lnSpc>
-                      </a:pPr>
-                      <a:r>
-                        <a:rPr lang="en-US" sz="1900">
-                          <a:solidFill>
-                            <a:srgbClr val="A3ADD2"/>
-                          </a:solidFill>
-                          <a:latin typeface="Microsoft YaHei"/>
-                          <a:ea typeface="Microsoft YaHei"/>
-                        </a:rPr>
-                        <a:t>课程</a:t>
-                      </a:r>
-                      <a:endParaRPr lang="en-US" sz="1200"/>
-                    </a:p>
-                  </a:txBody>
-                  <a:tcPr marL="66973" marR="66973" marT="48220" marB="48220" anchor="ctr">
-                    <a:lnL cap="flat" cmpd="sng" algn="ctr">
-                      <a:solidFill>
-                        <a:srgbClr val="FFFFFF"/>
-                      </a:solidFill>
-                      <a:prstDash val="dash"/>
-                      <a:round/>
-                      <a:headEnd type="none" w="med" len="med"/>
-                      <a:tailEnd type="none" w="med" len="med"/>
-                    </a:lnL>
-                    <a:lnR cap="flat" cmpd="sng" algn="ctr">
-                      <a:solidFill>
-                        <a:srgbClr val="FFFFFF"/>
-                      </a:solidFill>
-                      <a:prstDash val="dash"/>
-                      <a:round/>
-                      <a:headEnd type="none" w="med" len="med"/>
-                      <a:tailEnd type="none" w="med" len="med"/>
-                    </a:lnR>
-                    <a:lnT cap="flat" cmpd="sng" algn="ctr">
-                      <a:solidFill>
-                        <a:srgbClr val="FFFFFF"/>
-                      </a:solidFill>
-                      <a:prstDash val="dash"/>
-                      <a:round/>
-                      <a:headEnd type="none" w="med" len="med"/>
-                      <a:tailEnd type="none" w="med" len="med"/>
-                    </a:lnT>
-                    <a:lnB cap="flat" cmpd="sng" algn="ctr">
-                      <a:solidFill>
-                        <a:srgbClr val="FFFFFF"/>
-                      </a:solidFill>
-                      <a:prstDash val="dash"/>
-                      <a:round/>
-                      <a:headEnd type="none" w="med" len="med"/>
-                      <a:tailEnd type="none" w="med" len="med"/>
-                    </a:lnB>
-                    <a:solidFill>
-                      <a:srgbClr val="EDD1D6"/>
-                    </a:solidFill>
-                  </a:tcPr>
-                </a:tc>
-                <a:tc>
-                  <a:txBody>
-                    <a:bodyPr/>
-                    <a:lstStyle/>
-                    <a:p>
-                      <a:pPr algn="ctr" latinLnBrk="1">
-                        <a:lnSpc>
-                          <a:spcPct val="116199"/>
-                        </a:lnSpc>
-                      </a:pPr>
-                      <a:r>
-                        <a:rPr lang="en-US" sz="1900">
-                          <a:solidFill>
-                            <a:srgbClr val="A3ADD2"/>
-                          </a:solidFill>
-                          <a:latin typeface="Microsoft YaHei"/>
-                          <a:ea typeface="Microsoft YaHei"/>
-                        </a:rPr>
-                        <a:t>师资</a:t>
-                      </a:r>
-                      <a:endParaRPr lang="en-US" sz="1200"/>
-                    </a:p>
-                  </a:txBody>
-                  <a:tcPr marL="66973" marR="66973" marT="48220" marB="48220" anchor="ctr">
-                    <a:lnL cap="flat" cmpd="sng" algn="ctr">
-                      <a:solidFill>
-                        <a:srgbClr val="FFFFFF"/>
-                      </a:solidFill>
-                      <a:prstDash val="dash"/>
-                      <a:round/>
-                      <a:headEnd type="none" w="med" len="med"/>
-                      <a:tailEnd type="none" w="med" len="med"/>
-                    </a:lnL>
-                    <a:lnR cap="flat" cmpd="sng" algn="ctr">
-                      <a:solidFill>
-                        <a:srgbClr val="FFFFFF"/>
-                      </a:solidFill>
-                      <a:prstDash val="dash"/>
-                      <a:round/>
-                      <a:headEnd type="none" w="med" len="med"/>
-                      <a:tailEnd type="none" w="med" len="med"/>
-                    </a:lnR>
-                    <a:lnT cap="flat" cmpd="sng" algn="ctr">
-                      <a:solidFill>
-                        <a:srgbClr val="FFFFFF"/>
-                      </a:solidFill>
-                      <a:prstDash val="dash"/>
-                      <a:round/>
-                      <a:headEnd type="none" w="med" len="med"/>
-                      <a:tailEnd type="none" w="med" len="med"/>
-                    </a:lnT>
-                    <a:lnB cap="flat" cmpd="sng" algn="ctr">
-                      <a:solidFill>
-                        <a:srgbClr val="FFFFFF"/>
-                      </a:solidFill>
-                      <a:prstDash val="dash"/>
-                      <a:round/>
-                      <a:headEnd type="none" w="med" len="med"/>
-                      <a:tailEnd type="none" w="med" len="med"/>
-                    </a:lnB>
-                    <a:solidFill>
-                      <a:srgbClr val="EDD1D6"/>
-                    </a:solidFill>
-                  </a:tcPr>
-                </a:tc>
-                <a:tc>
-                  <a:txBody>
-                    <a:bodyPr/>
-                    <a:lstStyle/>
-                    <a:p>
-                      <a:pPr algn="ctr" latinLnBrk="1">
-                        <a:lnSpc>
-                          <a:spcPct val="116199"/>
-                        </a:lnSpc>
-                      </a:pPr>
-                      <a:r>
-                        <a:rPr lang="en-US" sz="1900">
-                          <a:solidFill>
-                            <a:srgbClr val="A3ADD2"/>
-                          </a:solidFill>
-                          <a:latin typeface="Microsoft YaHei"/>
-                          <a:ea typeface="Microsoft YaHei"/>
-                        </a:rPr>
-                        <a:t>来源</a:t>
-                      </a:r>
-                      <a:endParaRPr lang="en-US" sz="1200"/>
-                    </a:p>
-                  </a:txBody>
-                  <a:tcPr marL="66973" marR="66973" marT="48220" marB="48220" anchor="ctr">
-                    <a:lnL cap="flat" cmpd="sng" algn="ctr">
-                      <a:solidFill>
-                        <a:srgbClr val="FFFFFF"/>
-                      </a:solidFill>
-                      <a:prstDash val="dash"/>
-                      <a:round/>
-                      <a:headEnd type="none" w="med" len="med"/>
-                      <a:tailEnd type="none" w="med" len="med"/>
-                    </a:lnL>
-                    <a:lnR cap="flat" cmpd="sng" algn="ctr">
-                      <a:solidFill>
-                        <a:srgbClr val="FFFFFF"/>
-                      </a:solidFill>
-                      <a:prstDash val="dash"/>
-                      <a:round/>
-                      <a:headEnd type="none" w="med" len="med"/>
-                      <a:tailEnd type="none" w="med" len="med"/>
-                    </a:lnR>
-                    <a:lnT cap="flat" cmpd="sng" algn="ctr">
-                      <a:solidFill>
-                        <a:srgbClr val="FFFFFF"/>
-                      </a:solidFill>
-                      <a:prstDash val="dash"/>
-                      <a:round/>
-                      <a:headEnd type="none" w="med" len="med"/>
-                      <a:tailEnd type="none" w="med" len="med"/>
-                    </a:lnT>
-                    <a:lnB cap="flat" cmpd="sng" algn="ctr">
-                      <a:solidFill>
-                        <a:srgbClr val="FFFFFF"/>
-                      </a:solidFill>
-                      <a:prstDash val="dash"/>
-                      <a:round/>
-                      <a:headEnd type="none" w="med" len="med"/>
-                      <a:tailEnd type="none" w="med" len="med"/>
-                    </a:lnB>
-                    <a:solidFill>
-                      <a:srgbClr val="EDD1D6"/>
-                    </a:solidFill>
-                  </a:tcPr>
-                </a:tc>
-                <a:extLst>
-                  <a:ext uri="{0D108BD9-81ED-4DB2-BD59-A6C34878D82A}">
-                    <a16:rowId xmlns:a16="http://schemas.microsoft.com/office/drawing/2014/main" val="10000"/>
-                  </a:ext>
-                </a:extLst>
-              </a:tr>
-              <a:tr h="435322">
-                <a:tc>
-                  <a:txBody>
-                    <a:bodyPr/>
-                    <a:lstStyle/>
-                    <a:p>
-                      <a:pPr algn="ctr" latinLnBrk="1">
-                        <a:lnSpc>
-                          <a:spcPct val="116199"/>
-                        </a:lnSpc>
-                      </a:pPr>
-                      <a:r>
-                        <a:rPr lang="en-US" sz="1200">
-                          <a:solidFill>
-                            <a:srgbClr val="42464B"/>
-                          </a:solidFill>
-                          <a:latin typeface="Microsoft YaHei"/>
-                          <a:ea typeface="Microsoft YaHei"/>
-                        </a:rPr>
-                        <a:t>创业板上市的投行券商业务</a:t>
-                      </a:r>
-                      <a:endParaRPr lang="en-US" sz="1200"/>
-                    </a:p>
-                  </a:txBody>
-                  <a:tcPr marL="66973" marR="66973" marT="48220" marB="48220" anchor="ctr">
-                    <a:lnL cap="flat" cmpd="sng" algn="ctr">
-                      <a:solidFill>
-                        <a:srgbClr val="FFFFFF"/>
-                      </a:solidFill>
-                      <a:prstDash val="dash"/>
-                      <a:round/>
-                      <a:headEnd type="none" w="med" len="med"/>
-                      <a:tailEnd type="none" w="med" len="med"/>
-                    </a:lnL>
-                    <a:lnR cap="flat" cmpd="sng" algn="ctr">
-                      <a:solidFill>
-                        <a:srgbClr val="FFFFFF"/>
-                      </a:solidFill>
-                      <a:prstDash val="dash"/>
-                      <a:round/>
-                      <a:headEnd type="none" w="med" len="med"/>
-                      <a:tailEnd type="none" w="med" len="med"/>
-                    </a:lnR>
-                    <a:lnT cap="flat" cmpd="sng" algn="ctr">
-                      <a:solidFill>
-                        <a:srgbClr val="FFFFFF"/>
-                      </a:solidFill>
-                      <a:prstDash val="dash"/>
-                      <a:round/>
-                      <a:headEnd type="none" w="med" len="med"/>
-                      <a:tailEnd type="none" w="med" len="med"/>
-                    </a:lnT>
-                    <a:lnB cap="flat" cmpd="sng" algn="ctr">
-                      <a:solidFill>
-                        <a:srgbClr val="FFFFFF"/>
-                      </a:solidFill>
-                      <a:prstDash val="dash"/>
-                      <a:round/>
-                      <a:headEnd type="none" w="med" len="med"/>
-                      <a:tailEnd type="none" w="med" len="med"/>
-                    </a:lnB>
-                    <a:solidFill>
-                      <a:srgbClr val="EEEEEE"/>
-                    </a:solidFill>
-                  </a:tcPr>
-                </a:tc>
-                <a:tc>
-                  <a:txBody>
-                    <a:bodyPr/>
-                    <a:lstStyle/>
-                    <a:p>
-                      <a:pPr algn="ctr" latinLnBrk="1">
-                        <a:lnSpc>
-                          <a:spcPct val="116199"/>
-                        </a:lnSpc>
-                      </a:pPr>
-                      <a:r>
-                        <a:rPr lang="en-US" sz="1200">
-                          <a:solidFill>
-                            <a:srgbClr val="42464B"/>
-                          </a:solidFill>
-                          <a:latin typeface="Microsoft YaHei"/>
-                          <a:ea typeface="Microsoft YaHei"/>
-                        </a:rPr>
-                        <a:t>梁化军</a:t>
-                      </a:r>
-                      <a:endParaRPr lang="en-US" sz="1200"/>
-                    </a:p>
-                  </a:txBody>
-                  <a:tcPr marL="66973" marR="66973" marT="48220" marB="48220" anchor="ctr">
-                    <a:lnL cap="flat" cmpd="sng" algn="ctr">
-                      <a:solidFill>
-                        <a:srgbClr val="FFFFFF"/>
-                      </a:solidFill>
-                      <a:prstDash val="dash"/>
-                      <a:round/>
-                      <a:headEnd type="none" w="med" len="med"/>
-                      <a:tailEnd type="none" w="med" len="med"/>
-                    </a:lnL>
-                    <a:lnR cap="flat" cmpd="sng" algn="ctr">
-                      <a:solidFill>
-                        <a:srgbClr val="FFFFFF"/>
-                      </a:solidFill>
-                      <a:prstDash val="dash"/>
-                      <a:round/>
-                      <a:headEnd type="none" w="med" len="med"/>
-                      <a:tailEnd type="none" w="med" len="med"/>
-                    </a:lnR>
-                    <a:lnT cap="flat" cmpd="sng" algn="ctr">
-                      <a:solidFill>
-                        <a:srgbClr val="FFFFFF"/>
-                      </a:solidFill>
-                      <a:prstDash val="dash"/>
-                      <a:round/>
-                      <a:headEnd type="none" w="med" len="med"/>
-                      <a:tailEnd type="none" w="med" len="med"/>
-                    </a:lnT>
-                    <a:lnB cap="flat" cmpd="sng" algn="ctr">
-                      <a:solidFill>
-                        <a:srgbClr val="FFFFFF"/>
-                      </a:solidFill>
-                      <a:prstDash val="dash"/>
-                      <a:round/>
-                      <a:headEnd type="none" w="med" len="med"/>
-                      <a:tailEnd type="none" w="med" len="med"/>
-                    </a:lnB>
-                    <a:solidFill>
-                      <a:srgbClr val="EEEEEE"/>
-                    </a:solidFill>
-                  </a:tcPr>
-                </a:tc>
-                <a:tc>
-                  <a:txBody>
-                    <a:bodyPr/>
-                    <a:lstStyle/>
-                    <a:p>
-                      <a:pPr algn="ctr" latinLnBrk="1">
-                        <a:lnSpc>
-                          <a:spcPct val="116199"/>
-                        </a:lnSpc>
-                      </a:pPr>
-                      <a:r>
-                        <a:rPr lang="en-US" sz="1200">
-                          <a:solidFill>
-                            <a:srgbClr val="42464B"/>
-                          </a:solidFill>
-                          <a:latin typeface="Microsoft YaHei"/>
-                          <a:ea typeface="Microsoft YaHei"/>
-                        </a:rPr>
-                        <a:t>东北证券投行部总经理</a:t>
-                      </a:r>
-                      <a:endParaRPr lang="en-US" sz="1200"/>
-                    </a:p>
-                  </a:txBody>
-                  <a:tcPr marL="66973" marR="66973" marT="48220" marB="48220" anchor="ctr">
-                    <a:lnL cap="flat" cmpd="sng" algn="ctr">
-                      <a:solidFill>
-                        <a:srgbClr val="FFFFFF"/>
-                      </a:solidFill>
-                      <a:prstDash val="dash"/>
-                      <a:round/>
-                      <a:headEnd type="none" w="med" len="med"/>
-                      <a:tailEnd type="none" w="med" len="med"/>
-                    </a:lnL>
-                    <a:lnR cap="flat" cmpd="sng" algn="ctr">
-                      <a:solidFill>
-                        <a:srgbClr val="FFFFFF"/>
-                      </a:solidFill>
-                      <a:prstDash val="dash"/>
-                      <a:round/>
-                      <a:headEnd type="none" w="med" len="med"/>
-                      <a:tailEnd type="none" w="med" len="med"/>
-                    </a:lnR>
-                    <a:lnT cap="flat" cmpd="sng" algn="ctr">
-                      <a:solidFill>
-                        <a:srgbClr val="FFFFFF"/>
-                      </a:solidFill>
-                      <a:prstDash val="dash"/>
-                      <a:round/>
-                      <a:headEnd type="none" w="med" len="med"/>
-                      <a:tailEnd type="none" w="med" len="med"/>
-                    </a:lnT>
-                    <a:lnB cap="flat" cmpd="sng" algn="ctr">
-                      <a:solidFill>
-                        <a:srgbClr val="FFFFFF"/>
-                      </a:solidFill>
-                      <a:prstDash val="dash"/>
-                      <a:round/>
-                      <a:headEnd type="none" w="med" len="med"/>
-                      <a:tailEnd type="none" w="med" len="med"/>
-                    </a:lnB>
-                    <a:solidFill>
-                      <a:srgbClr val="EEEEEE"/>
-                    </a:solidFill>
-                  </a:tcPr>
-                </a:tc>
-                <a:extLst>
-                  <a:ext uri="{0D108BD9-81ED-4DB2-BD59-A6C34878D82A}">
-                    <a16:rowId xmlns:a16="http://schemas.microsoft.com/office/drawing/2014/main" val="10001"/>
-                  </a:ext>
-                </a:extLst>
-              </a:tr>
-              <a:tr h="435322">
-                <a:tc>
-                  <a:txBody>
-                    <a:bodyPr/>
-                    <a:lstStyle/>
-                    <a:p>
-                      <a:pPr algn="ctr" latinLnBrk="1">
-                        <a:lnSpc>
-                          <a:spcPct val="116199"/>
-                        </a:lnSpc>
-                      </a:pPr>
-                      <a:r>
-                        <a:rPr lang="en-US" sz="1200">
-                          <a:solidFill>
-                            <a:srgbClr val="42464B"/>
-                          </a:solidFill>
-                          <a:latin typeface="Microsoft YaHei"/>
-                          <a:ea typeface="Microsoft YaHei"/>
-                        </a:rPr>
-                        <a:t>中小企业的公司治理与反收购设置</a:t>
-                      </a:r>
-                      <a:endParaRPr lang="en-US" sz="1200"/>
-                    </a:p>
-                  </a:txBody>
-                  <a:tcPr marL="66973" marR="66973" marT="48220" marB="48220" anchor="ctr">
-                    <a:lnL cap="flat" cmpd="sng" algn="ctr">
-                      <a:solidFill>
-                        <a:srgbClr val="FFFFFF"/>
-                      </a:solidFill>
-                      <a:prstDash val="dash"/>
-                      <a:round/>
-                      <a:headEnd type="none" w="med" len="med"/>
-                      <a:tailEnd type="none" w="med" len="med"/>
-                    </a:lnL>
-                    <a:lnR cap="flat" cmpd="sng" algn="ctr">
-                      <a:solidFill>
-                        <a:srgbClr val="FFFFFF"/>
-                      </a:solidFill>
-                      <a:prstDash val="dash"/>
-                      <a:round/>
-                      <a:headEnd type="none" w="med" len="med"/>
-                      <a:tailEnd type="none" w="med" len="med"/>
-                    </a:lnR>
-                    <a:lnT cap="flat" cmpd="sng" algn="ctr">
-                      <a:solidFill>
-                        <a:srgbClr val="FFFFFF"/>
-                      </a:solidFill>
-                      <a:prstDash val="dash"/>
-                      <a:round/>
-                      <a:headEnd type="none" w="med" len="med"/>
-                      <a:tailEnd type="none" w="med" len="med"/>
-                    </a:lnT>
-                    <a:lnB cap="flat" cmpd="sng" algn="ctr">
-                      <a:solidFill>
-                        <a:srgbClr val="FFFFFF"/>
-                      </a:solidFill>
-                      <a:prstDash val="dash"/>
-                      <a:round/>
-                      <a:headEnd type="none" w="med" len="med"/>
-                      <a:tailEnd type="none" w="med" len="med"/>
-                    </a:lnB>
-                    <a:solidFill>
-                      <a:srgbClr val="EEEEEE"/>
-                    </a:solidFill>
-                  </a:tcPr>
-                </a:tc>
-                <a:tc>
-                  <a:txBody>
-                    <a:bodyPr/>
-                    <a:lstStyle/>
-                    <a:p>
-                      <a:pPr algn="ctr" latinLnBrk="1">
-                        <a:lnSpc>
-                          <a:spcPct val="116199"/>
-                        </a:lnSpc>
-                      </a:pPr>
-                      <a:r>
-                        <a:rPr lang="en-US" sz="1200">
-                          <a:solidFill>
-                            <a:srgbClr val="42464B"/>
-                          </a:solidFill>
-                          <a:latin typeface="Microsoft YaHei"/>
-                          <a:ea typeface="Microsoft YaHei"/>
-                        </a:rPr>
-                        <a:t>卢力平</a:t>
-                      </a:r>
-                      <a:endParaRPr lang="en-US" sz="1200"/>
-                    </a:p>
-                  </a:txBody>
-                  <a:tcPr marL="66973" marR="66973" marT="48220" marB="48220" anchor="ctr">
-                    <a:lnL cap="flat" cmpd="sng" algn="ctr">
-                      <a:solidFill>
-                        <a:srgbClr val="FFFFFF"/>
-                      </a:solidFill>
-                      <a:prstDash val="dash"/>
-                      <a:round/>
-                      <a:headEnd type="none" w="med" len="med"/>
-                      <a:tailEnd type="none" w="med" len="med"/>
-                    </a:lnL>
-                    <a:lnR cap="flat" cmpd="sng" algn="ctr">
-                      <a:solidFill>
-                        <a:srgbClr val="FFFFFF"/>
-                      </a:solidFill>
-                      <a:prstDash val="dash"/>
-                      <a:round/>
-                      <a:headEnd type="none" w="med" len="med"/>
-                      <a:tailEnd type="none" w="med" len="med"/>
-                    </a:lnR>
-                    <a:lnT cap="flat" cmpd="sng" algn="ctr">
-                      <a:solidFill>
-                        <a:srgbClr val="FFFFFF"/>
-                      </a:solidFill>
-                      <a:prstDash val="dash"/>
-                      <a:round/>
-                      <a:headEnd type="none" w="med" len="med"/>
-                      <a:tailEnd type="none" w="med" len="med"/>
-                    </a:lnT>
-                    <a:lnB cap="flat" cmpd="sng" algn="ctr">
-                      <a:solidFill>
-                        <a:srgbClr val="FFFFFF"/>
-                      </a:solidFill>
-                      <a:prstDash val="dash"/>
-                      <a:round/>
-                      <a:headEnd type="none" w="med" len="med"/>
-                      <a:tailEnd type="none" w="med" len="med"/>
-                    </a:lnB>
-                    <a:solidFill>
-                      <a:srgbClr val="EEEEEE"/>
-                    </a:solidFill>
-                  </a:tcPr>
-                </a:tc>
-                <a:tc>
-                  <a:txBody>
-                    <a:bodyPr/>
-                    <a:lstStyle/>
-                    <a:p>
-                      <a:pPr algn="ctr" latinLnBrk="1">
-                        <a:lnSpc>
-                          <a:spcPct val="116199"/>
-                        </a:lnSpc>
-                      </a:pPr>
-                      <a:r>
-                        <a:rPr lang="en-US" sz="1200">
-                          <a:solidFill>
-                            <a:srgbClr val="42464B"/>
-                          </a:solidFill>
-                          <a:latin typeface="Microsoft YaHei"/>
-                          <a:ea typeface="Microsoft YaHei"/>
-                        </a:rPr>
-                        <a:t>国家会计学院博士后、教授</a:t>
-                      </a:r>
-                      <a:endParaRPr lang="en-US" sz="1200"/>
-                    </a:p>
-                  </a:txBody>
-                  <a:tcPr marL="66973" marR="66973" marT="48220" marB="48220" anchor="ctr">
-                    <a:lnL cap="flat" cmpd="sng" algn="ctr">
-                      <a:solidFill>
-                        <a:srgbClr val="FFFFFF"/>
-                      </a:solidFill>
-                      <a:prstDash val="dash"/>
-                      <a:round/>
-                      <a:headEnd type="none" w="med" len="med"/>
-                      <a:tailEnd type="none" w="med" len="med"/>
-                    </a:lnL>
-                    <a:lnR cap="flat" cmpd="sng" algn="ctr">
-                      <a:solidFill>
-                        <a:srgbClr val="FFFFFF"/>
-                      </a:solidFill>
-                      <a:prstDash val="dash"/>
-                      <a:round/>
-                      <a:headEnd type="none" w="med" len="med"/>
-                      <a:tailEnd type="none" w="med" len="med"/>
-                    </a:lnR>
-                    <a:lnT cap="flat" cmpd="sng" algn="ctr">
-                      <a:solidFill>
-                        <a:srgbClr val="FFFFFF"/>
-                      </a:solidFill>
-                      <a:prstDash val="dash"/>
-                      <a:round/>
-                      <a:headEnd type="none" w="med" len="med"/>
-                      <a:tailEnd type="none" w="med" len="med"/>
-                    </a:lnT>
-                    <a:lnB cap="flat" cmpd="sng" algn="ctr">
-                      <a:solidFill>
-                        <a:srgbClr val="FFFFFF"/>
-                      </a:solidFill>
-                      <a:prstDash val="dash"/>
-                      <a:round/>
-                      <a:headEnd type="none" w="med" len="med"/>
-                      <a:tailEnd type="none" w="med" len="med"/>
-                    </a:lnB>
-                    <a:solidFill>
-                      <a:srgbClr val="EEEEEE"/>
-                    </a:solidFill>
-                  </a:tcPr>
-                </a:tc>
-                <a:extLst>
-                  <a:ext uri="{0D108BD9-81ED-4DB2-BD59-A6C34878D82A}">
-                    <a16:rowId xmlns:a16="http://schemas.microsoft.com/office/drawing/2014/main" val="10002"/>
-                  </a:ext>
-                </a:extLst>
-              </a:tr>
-              <a:tr h="435322">
-                <a:tc>
-                  <a:txBody>
-                    <a:bodyPr/>
-                    <a:lstStyle/>
-                    <a:p>
-                      <a:pPr algn="ctr" latinLnBrk="1">
-                        <a:lnSpc>
-                          <a:spcPct val="116199"/>
-                        </a:lnSpc>
-                      </a:pPr>
-                      <a:r>
-                        <a:rPr lang="en-US" sz="1200">
-                          <a:solidFill>
-                            <a:srgbClr val="42464B"/>
-                          </a:solidFill>
-                          <a:latin typeface="Microsoft YaHei"/>
-                          <a:ea typeface="Microsoft YaHei"/>
-                        </a:rPr>
-                        <a:t>上市前财务会计问题</a:t>
-                      </a:r>
-                      <a:endParaRPr lang="en-US" sz="1200"/>
-                    </a:p>
-                  </a:txBody>
-                  <a:tcPr marL="66973" marR="66973" marT="48220" marB="48220" anchor="ctr">
-                    <a:lnL cap="flat" cmpd="sng" algn="ctr">
-                      <a:solidFill>
-                        <a:srgbClr val="FFFFFF"/>
-                      </a:solidFill>
-                      <a:prstDash val="dash"/>
-                      <a:round/>
-                      <a:headEnd type="none" w="med" len="med"/>
-                      <a:tailEnd type="none" w="med" len="med"/>
-                    </a:lnL>
-                    <a:lnR cap="flat" cmpd="sng" algn="ctr">
-                      <a:solidFill>
-                        <a:srgbClr val="FFFFFF"/>
-                      </a:solidFill>
-                      <a:prstDash val="dash"/>
-                      <a:round/>
-                      <a:headEnd type="none" w="med" len="med"/>
-                      <a:tailEnd type="none" w="med" len="med"/>
-                    </a:lnR>
-                    <a:lnT cap="flat" cmpd="sng" algn="ctr">
-                      <a:solidFill>
-                        <a:srgbClr val="FFFFFF"/>
-                      </a:solidFill>
-                      <a:prstDash val="dash"/>
-                      <a:round/>
-                      <a:headEnd type="none" w="med" len="med"/>
-                      <a:tailEnd type="none" w="med" len="med"/>
-                    </a:lnT>
-                    <a:lnB cap="flat" cmpd="sng" algn="ctr">
-                      <a:solidFill>
-                        <a:srgbClr val="FFFFFF"/>
-                      </a:solidFill>
-                      <a:prstDash val="dash"/>
-                      <a:round/>
-                      <a:headEnd type="none" w="med" len="med"/>
-                      <a:tailEnd type="none" w="med" len="med"/>
-                    </a:lnB>
-                    <a:solidFill>
-                      <a:srgbClr val="EEEEEE"/>
-                    </a:solidFill>
-                  </a:tcPr>
-                </a:tc>
-                <a:tc rowSpan="2">
-                  <a:txBody>
-                    <a:bodyPr/>
-                    <a:lstStyle/>
-                    <a:p>
-                      <a:pPr algn="ctr" latinLnBrk="1">
-                        <a:lnSpc>
-                          <a:spcPct val="116199"/>
-                        </a:lnSpc>
-                      </a:pPr>
-                      <a:r>
-                        <a:rPr lang="en-US" sz="1200">
-                          <a:solidFill>
-                            <a:srgbClr val="42464B"/>
-                          </a:solidFill>
-                          <a:latin typeface="Microsoft YaHei"/>
-                          <a:ea typeface="Microsoft YaHei"/>
-                        </a:rPr>
-                        <a:t>苏洋与徐继凯互为替补</a:t>
-                      </a:r>
-                      <a:endParaRPr lang="en-US" sz="1200"/>
-                    </a:p>
-                  </a:txBody>
-                  <a:tcPr marL="66973" marR="66973" marT="48220" marB="48220" anchor="ctr">
-                    <a:lnL cap="flat" cmpd="sng" algn="ctr">
-                      <a:solidFill>
-                        <a:srgbClr val="FFFFFF"/>
-                      </a:solidFill>
-                      <a:prstDash val="dash"/>
-                      <a:round/>
-                      <a:headEnd type="none" w="med" len="med"/>
-                      <a:tailEnd type="none" w="med" len="med"/>
-                    </a:lnL>
-                    <a:lnR cap="flat" cmpd="sng" algn="ctr">
-                      <a:solidFill>
-                        <a:srgbClr val="FFFFFF"/>
-                      </a:solidFill>
-                      <a:prstDash val="dash"/>
-                      <a:round/>
-                      <a:headEnd type="none" w="med" len="med"/>
-                      <a:tailEnd type="none" w="med" len="med"/>
-                    </a:lnR>
-                    <a:lnT cap="flat" cmpd="sng" algn="ctr">
-                      <a:solidFill>
-                        <a:srgbClr val="FFFFFF"/>
-                      </a:solidFill>
-                      <a:prstDash val="dash"/>
-                      <a:round/>
-                      <a:headEnd type="none" w="med" len="med"/>
-                      <a:tailEnd type="none" w="med" len="med"/>
-                    </a:lnT>
-                    <a:lnB cap="flat" cmpd="sng" algn="ctr">
-                      <a:solidFill>
-                        <a:srgbClr val="FFFFFF"/>
-                      </a:solidFill>
-                      <a:prstDash val="dash"/>
-                      <a:round/>
-                      <a:headEnd type="none" w="med" len="med"/>
-                      <a:tailEnd type="none" w="med" len="med"/>
-                    </a:lnB>
-                    <a:solidFill>
-                      <a:srgbClr val="EEEEEE"/>
-                    </a:solidFill>
-                  </a:tcPr>
-                </a:tc>
-                <a:tc rowSpan="2">
-                  <a:txBody>
-                    <a:bodyPr/>
-                    <a:lstStyle/>
-                    <a:p>
-                      <a:pPr algn="ctr" latinLnBrk="1">
-                        <a:lnSpc>
-                          <a:spcPct val="116199"/>
-                        </a:lnSpc>
-                      </a:pPr>
-                      <a:r>
-                        <a:rPr lang="en-US" sz="1200">
-                          <a:solidFill>
-                            <a:srgbClr val="42464B"/>
-                          </a:solidFill>
-                          <a:latin typeface="Microsoft YaHei"/>
-                          <a:ea typeface="Microsoft YaHei"/>
-                        </a:rPr>
-                        <a:t>五洲会计师事务所首席合伙人</a:t>
-                      </a:r>
-                      <a:endParaRPr lang="en-US" sz="1200"/>
-                    </a:p>
-                  </a:txBody>
-                  <a:tcPr marL="66973" marR="66973" marT="48220" marB="48220" anchor="ctr">
-                    <a:lnL cap="flat" cmpd="sng" algn="ctr">
-                      <a:solidFill>
-                        <a:srgbClr val="FFFFFF"/>
-                      </a:solidFill>
-                      <a:prstDash val="dash"/>
-                      <a:round/>
-                      <a:headEnd type="none" w="med" len="med"/>
-                      <a:tailEnd type="none" w="med" len="med"/>
-                    </a:lnL>
-                    <a:lnR cap="flat" cmpd="sng" algn="ctr">
-                      <a:solidFill>
-                        <a:srgbClr val="FFFFFF"/>
-                      </a:solidFill>
-                      <a:prstDash val="dash"/>
-                      <a:round/>
-                      <a:headEnd type="none" w="med" len="med"/>
-                      <a:tailEnd type="none" w="med" len="med"/>
-                    </a:lnR>
-                    <a:lnT cap="flat" cmpd="sng" algn="ctr">
-                      <a:solidFill>
-                        <a:srgbClr val="FFFFFF"/>
-                      </a:solidFill>
-                      <a:prstDash val="dash"/>
-                      <a:round/>
-                      <a:headEnd type="none" w="med" len="med"/>
-                      <a:tailEnd type="none" w="med" len="med"/>
-                    </a:lnT>
-                    <a:lnB cap="flat" cmpd="sng" algn="ctr">
-                      <a:solidFill>
-                        <a:srgbClr val="FFFFFF"/>
-                      </a:solidFill>
-                      <a:prstDash val="dash"/>
-                      <a:round/>
-                      <a:headEnd type="none" w="med" len="med"/>
-                      <a:tailEnd type="none" w="med" len="med"/>
-                    </a:lnB>
-                    <a:solidFill>
-                      <a:srgbClr val="EEEEEE"/>
-                    </a:solidFill>
-                  </a:tcPr>
-                </a:tc>
-                <a:extLst>
-                  <a:ext uri="{0D108BD9-81ED-4DB2-BD59-A6C34878D82A}">
-                    <a16:rowId xmlns:a16="http://schemas.microsoft.com/office/drawing/2014/main" val="10003"/>
-                  </a:ext>
-                </a:extLst>
-              </a:tr>
-              <a:tr h="435322">
-                <a:tc>
-                  <a:txBody>
-                    <a:bodyPr/>
-                    <a:lstStyle/>
-                    <a:p>
-                      <a:pPr algn="ctr" latinLnBrk="1">
-                        <a:lnSpc>
-                          <a:spcPct val="116199"/>
-                        </a:lnSpc>
-                      </a:pPr>
-                      <a:r>
-                        <a:rPr lang="en-US" sz="1200">
-                          <a:solidFill>
-                            <a:srgbClr val="42464B"/>
-                          </a:solidFill>
-                          <a:latin typeface="Microsoft YaHei"/>
-                          <a:ea typeface="Microsoft YaHei"/>
-                        </a:rPr>
-                        <a:t>上市前审计税务问题</a:t>
-                      </a:r>
-                      <a:endParaRPr lang="en-US" sz="1200"/>
-                    </a:p>
-                  </a:txBody>
-                  <a:tcPr marL="66973" marR="66973" marT="48220" marB="48220" anchor="ctr">
-                    <a:lnL cap="flat" cmpd="sng" algn="ctr">
-                      <a:solidFill>
-                        <a:srgbClr val="FFFFFF"/>
-                      </a:solidFill>
-                      <a:prstDash val="dash"/>
-                      <a:round/>
-                      <a:headEnd type="none" w="med" len="med"/>
-                      <a:tailEnd type="none" w="med" len="med"/>
-                    </a:lnL>
-                    <a:lnR cap="flat" cmpd="sng" algn="ctr">
-                      <a:solidFill>
-                        <a:srgbClr val="FFFFFF"/>
-                      </a:solidFill>
-                      <a:prstDash val="dash"/>
-                      <a:round/>
-                      <a:headEnd type="none" w="med" len="med"/>
-                      <a:tailEnd type="none" w="med" len="med"/>
-                    </a:lnR>
-                    <a:lnT cap="flat" cmpd="sng" algn="ctr">
-                      <a:solidFill>
-                        <a:srgbClr val="FFFFFF"/>
-                      </a:solidFill>
-                      <a:prstDash val="dash"/>
-                      <a:round/>
-                      <a:headEnd type="none" w="med" len="med"/>
-                      <a:tailEnd type="none" w="med" len="med"/>
-                    </a:lnT>
-                    <a:lnB cap="flat" cmpd="sng" algn="ctr">
-                      <a:solidFill>
-                        <a:srgbClr val="FFFFFF"/>
-                      </a:solidFill>
-                      <a:prstDash val="dash"/>
-                      <a:round/>
-                      <a:headEnd type="none" w="med" len="med"/>
-                      <a:tailEnd type="none" w="med" len="med"/>
-                    </a:lnB>
-                    <a:solidFill>
-                      <a:srgbClr val="EEEEEE"/>
-                    </a:solidFill>
-                  </a:tcPr>
-                </a:tc>
-                <a:tc vMerge="1">
-                  <a:txBody>
-                    <a:bodyPr/>
-                    <a:lstStyle/>
-                    <a:p>
-                      <a:pPr algn="ctr" latinLnBrk="1">
-                        <a:lnSpc>
-                          <a:spcPct val="116199"/>
-                        </a:lnSpc>
-                      </a:pPr>
-                      <a:endParaRPr lang="en-US" sz="1100"/>
-                    </a:p>
-                  </a:txBody>
-                  <a:tcPr marL="63500" marR="63500" anchor="ctr">
-                    <a:lnL cap="flat" cmpd="sng" algn="ctr">
-                      <a:solidFill>
-                        <a:srgbClr val="FFFFFF"/>
-                      </a:solidFill>
-                      <a:prstDash val="dash"/>
-                      <a:round/>
-                      <a:headEnd type="none" w="med" len="med"/>
-                      <a:tailEnd type="none" w="med" len="med"/>
-                    </a:lnL>
-                    <a:lnR cap="flat" cmpd="sng" algn="ctr">
-                      <a:solidFill>
-                        <a:srgbClr val="FFFFFF"/>
-                      </a:solidFill>
-                      <a:prstDash val="dash"/>
-                      <a:round/>
-                      <a:headEnd type="none" w="med" len="med"/>
-                      <a:tailEnd type="none" w="med" len="med"/>
-                    </a:lnR>
-                    <a:lnT cap="flat" cmpd="sng" algn="ctr">
-                      <a:solidFill>
-                        <a:srgbClr val="FFFFFF"/>
-                      </a:solidFill>
-                      <a:prstDash val="dash"/>
-                      <a:round/>
-                      <a:headEnd type="none" w="med" len="med"/>
-                      <a:tailEnd type="none" w="med" len="med"/>
-                    </a:lnT>
-                    <a:lnB cap="flat" cmpd="sng" algn="ctr">
-                      <a:solidFill>
-                        <a:srgbClr val="FFFFFF"/>
-                      </a:solidFill>
-                      <a:prstDash val="dash"/>
-                      <a:round/>
-                      <a:headEnd type="none" w="med" len="med"/>
-                      <a:tailEnd type="none" w="med" len="med"/>
-                    </a:lnB>
-                    <a:solidFill>
-                      <a:srgbClr val="EEEEEE"/>
-                    </a:solidFill>
-                  </a:tcPr>
-                </a:tc>
-                <a:tc vMerge="1">
-                  <a:txBody>
-                    <a:bodyPr/>
-                    <a:lstStyle/>
-                    <a:p>
-                      <a:pPr algn="ctr" latinLnBrk="1">
-                        <a:lnSpc>
-                          <a:spcPct val="116199"/>
-                        </a:lnSpc>
-                      </a:pPr>
-                      <a:endParaRPr lang="en-US" sz="1100"/>
-                    </a:p>
-                  </a:txBody>
-                  <a:tcPr marL="63500" marR="63500" anchor="ctr">
-                    <a:lnL cap="flat" cmpd="sng" algn="ctr">
-                      <a:solidFill>
-                        <a:srgbClr val="FFFFFF"/>
-                      </a:solidFill>
-                      <a:prstDash val="dash"/>
-                      <a:round/>
-                      <a:headEnd type="none" w="med" len="med"/>
-                      <a:tailEnd type="none" w="med" len="med"/>
-                    </a:lnL>
-                    <a:lnR cap="flat" cmpd="sng" algn="ctr">
-                      <a:solidFill>
-                        <a:srgbClr val="FFFFFF"/>
-                      </a:solidFill>
-                      <a:prstDash val="dash"/>
-                      <a:round/>
-                      <a:headEnd type="none" w="med" len="med"/>
-                      <a:tailEnd type="none" w="med" len="med"/>
-                    </a:lnR>
-                    <a:lnT cap="flat" cmpd="sng" algn="ctr">
-                      <a:solidFill>
-                        <a:srgbClr val="FFFFFF"/>
-                      </a:solidFill>
-                      <a:prstDash val="dash"/>
-                      <a:round/>
-                      <a:headEnd type="none" w="med" len="med"/>
-                      <a:tailEnd type="none" w="med" len="med"/>
-                    </a:lnT>
-                    <a:lnB cap="flat" cmpd="sng" algn="ctr">
-                      <a:solidFill>
-                        <a:srgbClr val="FFFFFF"/>
-                      </a:solidFill>
-                      <a:prstDash val="dash"/>
-                      <a:round/>
-                      <a:headEnd type="none" w="med" len="med"/>
-                      <a:tailEnd type="none" w="med" len="med"/>
-                    </a:lnB>
-                    <a:solidFill>
-                      <a:srgbClr val="EEEEEE"/>
-                    </a:solidFill>
-                  </a:tcPr>
-                </a:tc>
-                <a:extLst>
-                  <a:ext uri="{0D108BD9-81ED-4DB2-BD59-A6C34878D82A}">
-                    <a16:rowId xmlns:a16="http://schemas.microsoft.com/office/drawing/2014/main" val="10004"/>
-                  </a:ext>
-                </a:extLst>
-              </a:tr>
-              <a:tr h="493722">
-                <a:tc>
-                  <a:txBody>
-                    <a:bodyPr/>
-                    <a:lstStyle/>
-                    <a:p>
-                      <a:pPr algn="ctr" latinLnBrk="1">
-                        <a:lnSpc>
-                          <a:spcPct val="116199"/>
-                        </a:lnSpc>
-                      </a:pPr>
-                      <a:r>
-                        <a:rPr lang="en-US" sz="1200">
-                          <a:solidFill>
-                            <a:srgbClr val="42464B"/>
-                          </a:solidFill>
-                          <a:latin typeface="Microsoft YaHei"/>
-                          <a:ea typeface="Microsoft YaHei"/>
-                        </a:rPr>
-                        <a:t>创业板融资与中小企业发展实务（研讨会）</a:t>
-                      </a:r>
-                      <a:endParaRPr lang="en-US" sz="1200"/>
-                    </a:p>
-                  </a:txBody>
-                  <a:tcPr marL="66973" marR="66973" marT="48220" marB="48220" anchor="ctr">
-                    <a:lnL cap="flat" cmpd="sng" algn="ctr">
-                      <a:solidFill>
-                        <a:srgbClr val="FFFFFF"/>
-                      </a:solidFill>
-                      <a:prstDash val="dash"/>
-                      <a:round/>
-                      <a:headEnd type="none" w="med" len="med"/>
-                      <a:tailEnd type="none" w="med" len="med"/>
-                    </a:lnL>
-                    <a:lnR cap="flat" cmpd="sng" algn="ctr">
-                      <a:solidFill>
-                        <a:srgbClr val="FFFFFF"/>
-                      </a:solidFill>
-                      <a:prstDash val="dash"/>
-                      <a:round/>
-                      <a:headEnd type="none" w="med" len="med"/>
-                      <a:tailEnd type="none" w="med" len="med"/>
-                    </a:lnR>
-                    <a:lnT cap="flat" cmpd="sng" algn="ctr">
-                      <a:solidFill>
-                        <a:srgbClr val="FFFFFF"/>
-                      </a:solidFill>
-                      <a:prstDash val="dash"/>
-                      <a:round/>
-                      <a:headEnd type="none" w="med" len="med"/>
-                      <a:tailEnd type="none" w="med" len="med"/>
-                    </a:lnT>
-                    <a:lnB cap="flat" cmpd="sng" algn="ctr">
-                      <a:solidFill>
-                        <a:srgbClr val="FFFFFF"/>
-                      </a:solidFill>
-                      <a:prstDash val="dash"/>
-                      <a:round/>
-                      <a:headEnd type="none" w="med" len="med"/>
-                      <a:tailEnd type="none" w="med" len="med"/>
-                    </a:lnB>
-                    <a:solidFill>
-                      <a:srgbClr val="EEEEEE"/>
-                    </a:solidFill>
-                  </a:tcPr>
-                </a:tc>
-                <a:tc>
-                  <a:txBody>
-                    <a:bodyPr/>
-                    <a:lstStyle/>
-                    <a:p>
-                      <a:pPr algn="ctr" latinLnBrk="1">
-                        <a:lnSpc>
-                          <a:spcPct val="116199"/>
-                        </a:lnSpc>
-                      </a:pPr>
-                      <a:r>
-                        <a:rPr lang="en-US" sz="1200">
-                          <a:solidFill>
-                            <a:srgbClr val="42464B"/>
-                          </a:solidFill>
-                          <a:latin typeface="Microsoft YaHei"/>
-                          <a:ea typeface="Microsoft YaHei"/>
-                        </a:rPr>
-                        <a:t>苏洋、何君光 （日信证券投行部总经理）、卢力平、姜军</a:t>
-                      </a:r>
-                      <a:endParaRPr lang="en-US" sz="1200"/>
-                    </a:p>
-                  </a:txBody>
-                  <a:tcPr marL="66973" marR="66973" marT="48220" marB="48220" anchor="ctr">
-                    <a:lnL cap="flat" cmpd="sng" algn="ctr">
-                      <a:solidFill>
-                        <a:srgbClr val="FFFFFF"/>
-                      </a:solidFill>
-                      <a:prstDash val="dash"/>
-                      <a:round/>
-                      <a:headEnd type="none" w="med" len="med"/>
-                      <a:tailEnd type="none" w="med" len="med"/>
-                    </a:lnL>
-                    <a:lnR cap="flat" cmpd="sng" algn="ctr">
-                      <a:solidFill>
-                        <a:srgbClr val="FFFFFF"/>
-                      </a:solidFill>
-                      <a:prstDash val="dash"/>
-                      <a:round/>
-                      <a:headEnd type="none" w="med" len="med"/>
-                      <a:tailEnd type="none" w="med" len="med"/>
-                    </a:lnR>
-                    <a:lnT cap="flat" cmpd="sng" algn="ctr">
-                      <a:solidFill>
-                        <a:srgbClr val="FFFFFF"/>
-                      </a:solidFill>
-                      <a:prstDash val="dash"/>
-                      <a:round/>
-                      <a:headEnd type="none" w="med" len="med"/>
-                      <a:tailEnd type="none" w="med" len="med"/>
-                    </a:lnT>
-                    <a:lnB cap="flat" cmpd="sng" algn="ctr">
-                      <a:solidFill>
-                        <a:srgbClr val="FFFFFF"/>
-                      </a:solidFill>
-                      <a:prstDash val="dash"/>
-                      <a:round/>
-                      <a:headEnd type="none" w="med" len="med"/>
-                      <a:tailEnd type="none" w="med" len="med"/>
-                    </a:lnB>
-                    <a:solidFill>
-                      <a:srgbClr val="EEEEEE"/>
-                    </a:solidFill>
-                  </a:tcPr>
-                </a:tc>
-                <a:tc>
-                  <a:txBody>
-                    <a:bodyPr/>
-                    <a:lstStyle/>
-                    <a:p>
-                      <a:pPr algn="ctr" latinLnBrk="1">
-                        <a:lnSpc>
-                          <a:spcPct val="116199"/>
-                        </a:lnSpc>
-                      </a:pPr>
-                      <a:r>
-                        <a:rPr lang="en-US" sz="1200">
-                          <a:solidFill>
-                            <a:srgbClr val="42464B"/>
-                          </a:solidFill>
-                          <a:latin typeface="Microsoft YaHei"/>
-                          <a:ea typeface="Microsoft YaHei"/>
-                        </a:rPr>
-                        <a:t>由师资+学员组成</a:t>
-                      </a:r>
-                      <a:endParaRPr lang="en-US" sz="1200"/>
-                    </a:p>
-                  </a:txBody>
-                  <a:tcPr marL="66973" marR="66973" marT="48220" marB="48220" anchor="ctr">
-                    <a:lnL cap="flat" cmpd="sng" algn="ctr">
-                      <a:solidFill>
-                        <a:srgbClr val="FFFFFF"/>
-                      </a:solidFill>
-                      <a:prstDash val="dash"/>
-                      <a:round/>
-                      <a:headEnd type="none" w="med" len="med"/>
-                      <a:tailEnd type="none" w="med" len="med"/>
-                    </a:lnL>
-                    <a:lnR cap="flat" cmpd="sng" algn="ctr">
-                      <a:solidFill>
-                        <a:srgbClr val="FFFFFF"/>
-                      </a:solidFill>
-                      <a:prstDash val="dash"/>
-                      <a:round/>
-                      <a:headEnd type="none" w="med" len="med"/>
-                      <a:tailEnd type="none" w="med" len="med"/>
-                    </a:lnR>
-                    <a:lnT cap="flat" cmpd="sng" algn="ctr">
-                      <a:solidFill>
-                        <a:srgbClr val="FFFFFF"/>
-                      </a:solidFill>
-                      <a:prstDash val="dash"/>
-                      <a:round/>
-                      <a:headEnd type="none" w="med" len="med"/>
-                      <a:tailEnd type="none" w="med" len="med"/>
-                    </a:lnT>
-                    <a:lnB cap="flat" cmpd="sng" algn="ctr">
-                      <a:solidFill>
-                        <a:srgbClr val="FFFFFF"/>
-                      </a:solidFill>
-                      <a:prstDash val="dash"/>
-                      <a:round/>
-                      <a:headEnd type="none" w="med" len="med"/>
-                      <a:tailEnd type="none" w="med" len="med"/>
-                    </a:lnB>
-                    <a:solidFill>
-                      <a:srgbClr val="EEEEEE"/>
-                    </a:solidFill>
-                  </a:tcPr>
-                </a:tc>
-                <a:extLst>
-                  <a:ext uri="{0D108BD9-81ED-4DB2-BD59-A6C34878D82A}">
-                    <a16:rowId xmlns:a16="http://schemas.microsoft.com/office/drawing/2014/main" val="10005"/>
-                  </a:ext>
-                </a:extLst>
-              </a:tr>
-              <a:tr h="435322">
-                <a:tc>
-                  <a:txBody>
-                    <a:bodyPr/>
-                    <a:lstStyle/>
-                    <a:p>
-                      <a:pPr algn="ctr" latinLnBrk="1">
-                        <a:lnSpc>
-                          <a:spcPct val="116199"/>
-                        </a:lnSpc>
-                      </a:pPr>
-                      <a:r>
-                        <a:rPr lang="en-US" sz="1200">
-                          <a:solidFill>
-                            <a:srgbClr val="42464B"/>
-                          </a:solidFill>
-                          <a:latin typeface="Microsoft YaHei"/>
-                          <a:ea typeface="Microsoft YaHei"/>
-                        </a:rPr>
-                        <a:t>资本运营与企业融资案例</a:t>
-                      </a:r>
-                      <a:endParaRPr lang="en-US" sz="1200"/>
-                    </a:p>
-                  </a:txBody>
-                  <a:tcPr marL="66973" marR="66973" marT="48220" marB="48220" anchor="ctr">
-                    <a:lnL cap="flat" cmpd="sng" algn="ctr">
-                      <a:solidFill>
-                        <a:srgbClr val="FFFFFF"/>
-                      </a:solidFill>
-                      <a:prstDash val="dash"/>
-                      <a:round/>
-                      <a:headEnd type="none" w="med" len="med"/>
-                      <a:tailEnd type="none" w="med" len="med"/>
-                    </a:lnL>
-                    <a:lnR cap="flat" cmpd="sng" algn="ctr">
-                      <a:solidFill>
-                        <a:srgbClr val="FFFFFF"/>
-                      </a:solidFill>
-                      <a:prstDash val="dash"/>
-                      <a:round/>
-                      <a:headEnd type="none" w="med" len="med"/>
-                      <a:tailEnd type="none" w="med" len="med"/>
-                    </a:lnR>
-                    <a:lnT cap="flat" cmpd="sng" algn="ctr">
-                      <a:solidFill>
-                        <a:srgbClr val="FFFFFF"/>
-                      </a:solidFill>
-                      <a:prstDash val="dash"/>
-                      <a:round/>
-                      <a:headEnd type="none" w="med" len="med"/>
-                      <a:tailEnd type="none" w="med" len="med"/>
-                    </a:lnT>
-                    <a:lnB cap="flat" cmpd="sng" algn="ctr">
-                      <a:solidFill>
-                        <a:srgbClr val="FFFFFF"/>
-                      </a:solidFill>
-                      <a:prstDash val="dash"/>
-                      <a:round/>
-                      <a:headEnd type="none" w="med" len="med"/>
-                      <a:tailEnd type="none" w="med" len="med"/>
-                    </a:lnB>
-                    <a:solidFill>
-                      <a:srgbClr val="EEEEEE"/>
-                    </a:solidFill>
-                  </a:tcPr>
-                </a:tc>
-                <a:tc rowSpan="2">
-                  <a:txBody>
-                    <a:bodyPr/>
-                    <a:lstStyle/>
-                    <a:p>
-                      <a:pPr algn="ctr" latinLnBrk="1">
-                        <a:lnSpc>
-                          <a:spcPct val="116199"/>
-                        </a:lnSpc>
-                      </a:pPr>
-                      <a:r>
-                        <a:rPr lang="en-US" sz="1200">
-                          <a:solidFill>
-                            <a:srgbClr val="42464B"/>
-                          </a:solidFill>
-                          <a:latin typeface="Microsoft YaHei"/>
-                          <a:ea typeface="Microsoft YaHei"/>
-                        </a:rPr>
-                        <a:t>姜军</a:t>
-                      </a:r>
-                      <a:endParaRPr lang="en-US" sz="1200"/>
-                    </a:p>
-                  </a:txBody>
-                  <a:tcPr marL="66973" marR="66973" marT="48220" marB="48220" anchor="ctr">
-                    <a:lnL cap="flat" cmpd="sng" algn="ctr">
-                      <a:solidFill>
-                        <a:srgbClr val="FFFFFF"/>
-                      </a:solidFill>
-                      <a:prstDash val="dash"/>
-                      <a:round/>
-                      <a:headEnd type="none" w="med" len="med"/>
-                      <a:tailEnd type="none" w="med" len="med"/>
-                    </a:lnL>
-                    <a:lnR cap="flat" cmpd="sng" algn="ctr">
-                      <a:solidFill>
-                        <a:srgbClr val="FFFFFF"/>
-                      </a:solidFill>
-                      <a:prstDash val="dash"/>
-                      <a:round/>
-                      <a:headEnd type="none" w="med" len="med"/>
-                      <a:tailEnd type="none" w="med" len="med"/>
-                    </a:lnR>
-                    <a:lnT cap="flat" cmpd="sng" algn="ctr">
-                      <a:solidFill>
-                        <a:srgbClr val="FFFFFF"/>
-                      </a:solidFill>
-                      <a:prstDash val="dash"/>
-                      <a:round/>
-                      <a:headEnd type="none" w="med" len="med"/>
-                      <a:tailEnd type="none" w="med" len="med"/>
-                    </a:lnT>
-                    <a:lnB cap="flat" cmpd="sng" algn="ctr">
-                      <a:solidFill>
-                        <a:srgbClr val="FFFFFF"/>
-                      </a:solidFill>
-                      <a:prstDash val="dash"/>
-                      <a:round/>
-                      <a:headEnd type="none" w="med" len="med"/>
-                      <a:tailEnd type="none" w="med" len="med"/>
-                    </a:lnB>
-                    <a:solidFill>
-                      <a:srgbClr val="EEEEEE"/>
-                    </a:solidFill>
-                  </a:tcPr>
-                </a:tc>
-                <a:tc rowSpan="2">
-                  <a:txBody>
-                    <a:bodyPr/>
-                    <a:lstStyle/>
-                    <a:p>
-                      <a:pPr algn="ctr" latinLnBrk="1">
-                        <a:lnSpc>
-                          <a:spcPct val="116199"/>
-                        </a:lnSpc>
-                      </a:pPr>
-                      <a:r>
-                        <a:rPr lang="en-US" sz="1200">
-                          <a:solidFill>
-                            <a:srgbClr val="42464B"/>
-                          </a:solidFill>
-                          <a:latin typeface="Microsoft YaHei"/>
-                          <a:ea typeface="Microsoft YaHei"/>
-                        </a:rPr>
-                        <a:t>北京国家会计学院博士</a:t>
-                      </a:r>
-                      <a:endParaRPr lang="en-US" sz="1200"/>
-                    </a:p>
-                  </a:txBody>
-                  <a:tcPr marL="66973" marR="66973" marT="48220" marB="48220" anchor="ctr">
-                    <a:lnL cap="flat" cmpd="sng" algn="ctr">
-                      <a:solidFill>
-                        <a:srgbClr val="FFFFFF"/>
-                      </a:solidFill>
-                      <a:prstDash val="dash"/>
-                      <a:round/>
-                      <a:headEnd type="none" w="med" len="med"/>
-                      <a:tailEnd type="none" w="med" len="med"/>
-                    </a:lnL>
-                    <a:lnR cap="flat" cmpd="sng" algn="ctr">
-                      <a:solidFill>
-                        <a:srgbClr val="FFFFFF"/>
-                      </a:solidFill>
-                      <a:prstDash val="dash"/>
-                      <a:round/>
-                      <a:headEnd type="none" w="med" len="med"/>
-                      <a:tailEnd type="none" w="med" len="med"/>
-                    </a:lnR>
-                    <a:lnT cap="flat" cmpd="sng" algn="ctr">
-                      <a:solidFill>
-                        <a:srgbClr val="FFFFFF"/>
-                      </a:solidFill>
-                      <a:prstDash val="dash"/>
-                      <a:round/>
-                      <a:headEnd type="none" w="med" len="med"/>
-                      <a:tailEnd type="none" w="med" len="med"/>
-                    </a:lnT>
-                    <a:lnB cap="flat" cmpd="sng" algn="ctr">
-                      <a:solidFill>
-                        <a:srgbClr val="FFFFFF"/>
-                      </a:solidFill>
-                      <a:prstDash val="dash"/>
-                      <a:round/>
-                      <a:headEnd type="none" w="med" len="med"/>
-                      <a:tailEnd type="none" w="med" len="med"/>
-                    </a:lnB>
-                    <a:solidFill>
-                      <a:srgbClr val="EEEEEE"/>
-                    </a:solidFill>
-                  </a:tcPr>
-                </a:tc>
-                <a:extLst>
-                  <a:ext uri="{0D108BD9-81ED-4DB2-BD59-A6C34878D82A}">
-                    <a16:rowId xmlns:a16="http://schemas.microsoft.com/office/drawing/2014/main" val="10006"/>
-                  </a:ext>
-                </a:extLst>
-              </a:tr>
-              <a:tr h="435322">
-                <a:tc>
-                  <a:txBody>
-                    <a:bodyPr/>
-                    <a:lstStyle/>
-                    <a:p>
-                      <a:pPr algn="ctr" latinLnBrk="1">
-                        <a:lnSpc>
-                          <a:spcPct val="116199"/>
-                        </a:lnSpc>
-                      </a:pPr>
-                      <a:r>
-                        <a:rPr lang="en-US" sz="1200">
-                          <a:solidFill>
-                            <a:srgbClr val="42464B"/>
-                          </a:solidFill>
-                          <a:latin typeface="Microsoft YaHei"/>
-                          <a:ea typeface="Microsoft YaHei"/>
-                        </a:rPr>
-                        <a:t>股权私募融资业务与私募条款解读</a:t>
-                      </a:r>
-                      <a:endParaRPr lang="en-US" sz="1200"/>
-                    </a:p>
-                  </a:txBody>
-                  <a:tcPr marL="66973" marR="66973" marT="48220" marB="48220" anchor="ctr">
-                    <a:lnL cap="flat" cmpd="sng" algn="ctr">
-                      <a:solidFill>
-                        <a:srgbClr val="FFFFFF"/>
-                      </a:solidFill>
-                      <a:prstDash val="dash"/>
-                      <a:round/>
-                      <a:headEnd type="none" w="med" len="med"/>
-                      <a:tailEnd type="none" w="med" len="med"/>
-                    </a:lnL>
-                    <a:lnR cap="flat" cmpd="sng" algn="ctr">
-                      <a:solidFill>
-                        <a:srgbClr val="FFFFFF"/>
-                      </a:solidFill>
-                      <a:prstDash val="dash"/>
-                      <a:round/>
-                      <a:headEnd type="none" w="med" len="med"/>
-                      <a:tailEnd type="none" w="med" len="med"/>
-                    </a:lnR>
-                    <a:lnT cap="flat" cmpd="sng" algn="ctr">
-                      <a:solidFill>
-                        <a:srgbClr val="FFFFFF"/>
-                      </a:solidFill>
-                      <a:prstDash val="dash"/>
-                      <a:round/>
-                      <a:headEnd type="none" w="med" len="med"/>
-                      <a:tailEnd type="none" w="med" len="med"/>
-                    </a:lnT>
-                    <a:lnB cap="flat" cmpd="sng" algn="ctr">
-                      <a:solidFill>
-                        <a:srgbClr val="FFFFFF"/>
-                      </a:solidFill>
-                      <a:prstDash val="dash"/>
-                      <a:round/>
-                      <a:headEnd type="none" w="med" len="med"/>
-                      <a:tailEnd type="none" w="med" len="med"/>
-                    </a:lnB>
-                    <a:solidFill>
-                      <a:srgbClr val="EEEEEE"/>
-                    </a:solidFill>
-                  </a:tcPr>
-                </a:tc>
-                <a:tc vMerge="1">
-                  <a:txBody>
-                    <a:bodyPr/>
-                    <a:lstStyle/>
-                    <a:p>
-                      <a:pPr algn="ctr" latinLnBrk="1">
-                        <a:lnSpc>
-                          <a:spcPct val="116199"/>
-                        </a:lnSpc>
-                      </a:pPr>
-                      <a:endParaRPr lang="en-US" sz="1100"/>
-                    </a:p>
-                  </a:txBody>
-                  <a:tcPr marL="63500" marR="63500" anchor="ctr">
-                    <a:lnL cap="flat" cmpd="sng" algn="ctr">
-                      <a:solidFill>
-                        <a:srgbClr val="FFFFFF"/>
-                      </a:solidFill>
-                      <a:prstDash val="dash"/>
-                      <a:round/>
-                      <a:headEnd type="none" w="med" len="med"/>
-                      <a:tailEnd type="none" w="med" len="med"/>
-                    </a:lnL>
-                    <a:lnR cap="flat" cmpd="sng" algn="ctr">
-                      <a:solidFill>
-                        <a:srgbClr val="FFFFFF"/>
-                      </a:solidFill>
-                      <a:prstDash val="dash"/>
-                      <a:round/>
-                      <a:headEnd type="none" w="med" len="med"/>
-                      <a:tailEnd type="none" w="med" len="med"/>
-                    </a:lnR>
-                    <a:lnT cap="flat" cmpd="sng" algn="ctr">
-                      <a:solidFill>
-                        <a:srgbClr val="FFFFFF"/>
-                      </a:solidFill>
-                      <a:prstDash val="dash"/>
-                      <a:round/>
-                      <a:headEnd type="none" w="med" len="med"/>
-                      <a:tailEnd type="none" w="med" len="med"/>
-                    </a:lnT>
-                    <a:lnB cap="flat" cmpd="sng" algn="ctr">
-                      <a:solidFill>
-                        <a:srgbClr val="FFFFFF"/>
-                      </a:solidFill>
-                      <a:prstDash val="dash"/>
-                      <a:round/>
-                      <a:headEnd type="none" w="med" len="med"/>
-                      <a:tailEnd type="none" w="med" len="med"/>
-                    </a:lnB>
-                    <a:solidFill>
-                      <a:srgbClr val="EEEEEE"/>
-                    </a:solidFill>
-                  </a:tcPr>
-                </a:tc>
-                <a:tc vMerge="1">
-                  <a:txBody>
-                    <a:bodyPr/>
-                    <a:lstStyle/>
-                    <a:p>
-                      <a:pPr algn="ctr" latinLnBrk="1">
-                        <a:lnSpc>
-                          <a:spcPct val="116199"/>
-                        </a:lnSpc>
-                      </a:pPr>
-                      <a:endParaRPr lang="en-US" sz="1100"/>
-                    </a:p>
-                  </a:txBody>
-                  <a:tcPr marL="63500" marR="63500" anchor="ctr">
-                    <a:lnL cap="flat" cmpd="sng" algn="ctr">
-                      <a:solidFill>
-                        <a:srgbClr val="FFFFFF"/>
-                      </a:solidFill>
-                      <a:prstDash val="dash"/>
-                      <a:round/>
-                      <a:headEnd type="none" w="med" len="med"/>
-                      <a:tailEnd type="none" w="med" len="med"/>
-                    </a:lnL>
-                    <a:lnR cap="flat" cmpd="sng" algn="ctr">
-                      <a:solidFill>
-                        <a:srgbClr val="FFFFFF"/>
-                      </a:solidFill>
-                      <a:prstDash val="dash"/>
-                      <a:round/>
-                      <a:headEnd type="none" w="med" len="med"/>
-                      <a:tailEnd type="none" w="med" len="med"/>
-                    </a:lnR>
-                    <a:lnT cap="flat" cmpd="sng" algn="ctr">
-                      <a:solidFill>
-                        <a:srgbClr val="FFFFFF"/>
-                      </a:solidFill>
-                      <a:prstDash val="dash"/>
-                      <a:round/>
-                      <a:headEnd type="none" w="med" len="med"/>
-                      <a:tailEnd type="none" w="med" len="med"/>
-                    </a:lnT>
-                    <a:lnB cap="flat" cmpd="sng" algn="ctr">
-                      <a:solidFill>
-                        <a:srgbClr val="FFFFFF"/>
-                      </a:solidFill>
-                      <a:prstDash val="dash"/>
-                      <a:round/>
-                      <a:headEnd type="none" w="med" len="med"/>
-                      <a:tailEnd type="none" w="med" len="med"/>
-                    </a:lnB>
-                    <a:solidFill>
-                      <a:srgbClr val="EEEEEE"/>
-                    </a:solidFill>
-                  </a:tcPr>
-                </a:tc>
-                <a:extLst>
-                  <a:ext uri="{0D108BD9-81ED-4DB2-BD59-A6C34878D82A}">
-                    <a16:rowId xmlns:a16="http://schemas.microsoft.com/office/drawing/2014/main" val="10007"/>
-                  </a:ext>
-                </a:extLst>
-              </a:tr>
-              <a:tr h="493722">
-                <a:tc>
-                  <a:txBody>
-                    <a:bodyPr/>
-                    <a:lstStyle/>
-                    <a:p>
-                      <a:pPr algn="ctr" latinLnBrk="1">
-                        <a:lnSpc>
-                          <a:spcPct val="116199"/>
-                        </a:lnSpc>
-                      </a:pPr>
-                      <a:r>
-                        <a:rPr lang="en-US" sz="1200">
-                          <a:solidFill>
-                            <a:srgbClr val="42464B"/>
-                          </a:solidFill>
-                          <a:latin typeface="Microsoft YaHei"/>
-                          <a:ea typeface="Microsoft YaHei"/>
-                        </a:rPr>
-                        <a:t>创业板发行规则和被合决情况、信息披露与资本市场处罚</a:t>
-                      </a:r>
-                      <a:endParaRPr lang="en-US" sz="1200"/>
-                    </a:p>
-                  </a:txBody>
-                  <a:tcPr marL="66973" marR="66973" marT="48220" marB="48220" anchor="ctr">
-                    <a:lnL cap="flat" cmpd="sng" algn="ctr">
-                      <a:solidFill>
-                        <a:srgbClr val="FFFFFF"/>
-                      </a:solidFill>
-                      <a:prstDash val="dash"/>
-                      <a:round/>
-                      <a:headEnd type="none" w="med" len="med"/>
-                      <a:tailEnd type="none" w="med" len="med"/>
-                    </a:lnL>
-                    <a:lnR cap="flat" cmpd="sng" algn="ctr">
-                      <a:solidFill>
-                        <a:srgbClr val="FFFFFF"/>
-                      </a:solidFill>
-                      <a:prstDash val="dash"/>
-                      <a:round/>
-                      <a:headEnd type="none" w="med" len="med"/>
-                      <a:tailEnd type="none" w="med" len="med"/>
-                    </a:lnR>
-                    <a:lnT cap="flat" cmpd="sng" algn="ctr">
-                      <a:solidFill>
-                        <a:srgbClr val="FFFFFF"/>
-                      </a:solidFill>
-                      <a:prstDash val="dash"/>
-                      <a:round/>
-                      <a:headEnd type="none" w="med" len="med"/>
-                      <a:tailEnd type="none" w="med" len="med"/>
-                    </a:lnT>
-                    <a:lnB cap="flat" cmpd="sng" algn="ctr">
-                      <a:solidFill>
-                        <a:srgbClr val="FFFFFF"/>
-                      </a:solidFill>
-                      <a:prstDash val="dash"/>
-                      <a:round/>
-                      <a:headEnd type="none" w="med" len="med"/>
-                      <a:tailEnd type="none" w="med" len="med"/>
-                    </a:lnB>
-                    <a:solidFill>
-                      <a:srgbClr val="EEEEEE"/>
-                    </a:solidFill>
-                  </a:tcPr>
-                </a:tc>
-                <a:tc>
-                  <a:txBody>
-                    <a:bodyPr/>
-                    <a:lstStyle/>
-                    <a:p>
-                      <a:pPr algn="ctr" latinLnBrk="1">
-                        <a:lnSpc>
-                          <a:spcPct val="116199"/>
-                        </a:lnSpc>
-                      </a:pPr>
-                      <a:r>
-                        <a:rPr lang="en-US" sz="1200">
-                          <a:solidFill>
-                            <a:srgbClr val="42464B"/>
-                          </a:solidFill>
-                          <a:latin typeface="Microsoft YaHei"/>
-                          <a:ea typeface="Microsoft YaHei"/>
-                        </a:rPr>
-                        <a:t>袁怀中</a:t>
-                      </a:r>
-                      <a:endParaRPr lang="en-US" sz="1200"/>
-                    </a:p>
-                  </a:txBody>
-                  <a:tcPr marL="66973" marR="66973" marT="48220" marB="48220" anchor="ctr">
-                    <a:lnL cap="flat" cmpd="sng" algn="ctr">
-                      <a:solidFill>
-                        <a:srgbClr val="FFFFFF"/>
-                      </a:solidFill>
-                      <a:prstDash val="dash"/>
-                      <a:round/>
-                      <a:headEnd type="none" w="med" len="med"/>
-                      <a:tailEnd type="none" w="med" len="med"/>
-                    </a:lnL>
-                    <a:lnR cap="flat" cmpd="sng" algn="ctr">
-                      <a:solidFill>
-                        <a:srgbClr val="FFFFFF"/>
-                      </a:solidFill>
-                      <a:prstDash val="dash"/>
-                      <a:round/>
-                      <a:headEnd type="none" w="med" len="med"/>
-                      <a:tailEnd type="none" w="med" len="med"/>
-                    </a:lnR>
-                    <a:lnT cap="flat" cmpd="sng" algn="ctr">
-                      <a:solidFill>
-                        <a:srgbClr val="FFFFFF"/>
-                      </a:solidFill>
-                      <a:prstDash val="dash"/>
-                      <a:round/>
-                      <a:headEnd type="none" w="med" len="med"/>
-                      <a:tailEnd type="none" w="med" len="med"/>
-                    </a:lnT>
-                    <a:lnB cap="flat" cmpd="sng" algn="ctr">
-                      <a:solidFill>
-                        <a:srgbClr val="FFFFFF"/>
-                      </a:solidFill>
-                      <a:prstDash val="dash"/>
-                      <a:round/>
-                      <a:headEnd type="none" w="med" len="med"/>
-                      <a:tailEnd type="none" w="med" len="med"/>
-                    </a:lnB>
-                    <a:solidFill>
-                      <a:srgbClr val="EEEEEE"/>
-                    </a:solidFill>
-                  </a:tcPr>
-                </a:tc>
-                <a:tc>
-                  <a:txBody>
-                    <a:bodyPr/>
-                    <a:lstStyle/>
-                    <a:p>
-                      <a:pPr algn="ctr" latinLnBrk="1">
-                        <a:lnSpc>
-                          <a:spcPct val="116199"/>
-                        </a:lnSpc>
-                      </a:pPr>
-                      <a:r>
-                        <a:rPr lang="en-US" sz="1200">
-                          <a:solidFill>
-                            <a:srgbClr val="42464B"/>
-                          </a:solidFill>
-                          <a:latin typeface="Microsoft YaHei"/>
-                          <a:ea typeface="Microsoft YaHei"/>
-                        </a:rPr>
-                        <a:t>博士、融德资产管理有限公司总经理助理</a:t>
-                      </a:r>
-                      <a:endParaRPr lang="en-US" sz="1200"/>
-                    </a:p>
-                  </a:txBody>
-                  <a:tcPr marL="66973" marR="66973" marT="48220" marB="48220" anchor="ctr">
-                    <a:lnL cap="flat" cmpd="sng" algn="ctr">
-                      <a:solidFill>
-                        <a:srgbClr val="FFFFFF"/>
-                      </a:solidFill>
-                      <a:prstDash val="dash"/>
-                      <a:round/>
-                      <a:headEnd type="none" w="med" len="med"/>
-                      <a:tailEnd type="none" w="med" len="med"/>
-                    </a:lnL>
-                    <a:lnR cap="flat" cmpd="sng" algn="ctr">
-                      <a:solidFill>
-                        <a:srgbClr val="FFFFFF"/>
-                      </a:solidFill>
-                      <a:prstDash val="dash"/>
-                      <a:round/>
-                      <a:headEnd type="none" w="med" len="med"/>
-                      <a:tailEnd type="none" w="med" len="med"/>
-                    </a:lnR>
-                    <a:lnT cap="flat" cmpd="sng" algn="ctr">
-                      <a:solidFill>
-                        <a:srgbClr val="FFFFFF"/>
-                      </a:solidFill>
-                      <a:prstDash val="dash"/>
-                      <a:round/>
-                      <a:headEnd type="none" w="med" len="med"/>
-                      <a:tailEnd type="none" w="med" len="med"/>
-                    </a:lnT>
-                    <a:lnB cap="flat" cmpd="sng" algn="ctr">
-                      <a:solidFill>
-                        <a:srgbClr val="FFFFFF"/>
-                      </a:solidFill>
-                      <a:prstDash val="dash"/>
-                      <a:round/>
-                      <a:headEnd type="none" w="med" len="med"/>
-                      <a:tailEnd type="none" w="med" len="med"/>
-                    </a:lnB>
-                    <a:solidFill>
-                      <a:srgbClr val="EEEEEE"/>
-                    </a:solidFill>
-                  </a:tcPr>
-                </a:tc>
-                <a:extLst>
-                  <a:ext uri="{0D108BD9-81ED-4DB2-BD59-A6C34878D82A}">
-                    <a16:rowId xmlns:a16="http://schemas.microsoft.com/office/drawing/2014/main" val="10008"/>
-                  </a:ext>
-                </a:extLst>
-              </a:tr>
-              <a:tr h="435322">
-                <a:tc>
-                  <a:txBody>
-                    <a:bodyPr/>
-                    <a:lstStyle/>
-                    <a:p>
-                      <a:pPr algn="ctr" latinLnBrk="1">
-                        <a:lnSpc>
-                          <a:spcPct val="116199"/>
-                        </a:lnSpc>
-                      </a:pPr>
-                      <a:r>
-                        <a:rPr lang="en-US" sz="1200">
-                          <a:solidFill>
-                            <a:srgbClr val="42464B"/>
-                          </a:solidFill>
-                          <a:latin typeface="Microsoft YaHei"/>
-                          <a:ea typeface="Microsoft YaHei"/>
-                        </a:rPr>
-                        <a:t>上市前的法律业务处理</a:t>
-                      </a:r>
-                      <a:endParaRPr lang="en-US" sz="1200"/>
-                    </a:p>
-                  </a:txBody>
-                  <a:tcPr marL="66973" marR="66973" marT="48220" marB="48220" anchor="ctr">
-                    <a:lnL cap="flat" cmpd="sng" algn="ctr">
-                      <a:solidFill>
-                        <a:srgbClr val="FFFFFF"/>
-                      </a:solidFill>
-                      <a:prstDash val="dash"/>
-                      <a:round/>
-                      <a:headEnd type="none" w="med" len="med"/>
-                      <a:tailEnd type="none" w="med" len="med"/>
-                    </a:lnL>
-                    <a:lnR cap="flat" cmpd="sng" algn="ctr">
-                      <a:solidFill>
-                        <a:srgbClr val="FFFFFF"/>
-                      </a:solidFill>
-                      <a:prstDash val="dash"/>
-                      <a:round/>
-                      <a:headEnd type="none" w="med" len="med"/>
-                      <a:tailEnd type="none" w="med" len="med"/>
-                    </a:lnR>
-                    <a:lnT cap="flat" cmpd="sng" algn="ctr">
-                      <a:solidFill>
-                        <a:srgbClr val="FFFFFF"/>
-                      </a:solidFill>
-                      <a:prstDash val="dash"/>
-                      <a:round/>
-                      <a:headEnd type="none" w="med" len="med"/>
-                      <a:tailEnd type="none" w="med" len="med"/>
-                    </a:lnT>
-                    <a:lnB cap="flat" cmpd="sng" algn="ctr">
-                      <a:solidFill>
-                        <a:srgbClr val="FFFFFF"/>
-                      </a:solidFill>
-                      <a:prstDash val="dash"/>
-                      <a:round/>
-                      <a:headEnd type="none" w="med" len="med"/>
-                      <a:tailEnd type="none" w="med" len="med"/>
-                    </a:lnB>
-                    <a:solidFill>
-                      <a:srgbClr val="EEEEEE"/>
-                    </a:solidFill>
-                  </a:tcPr>
-                </a:tc>
-                <a:tc>
-                  <a:txBody>
-                    <a:bodyPr/>
-                    <a:lstStyle/>
-                    <a:p>
-                      <a:pPr algn="ctr" latinLnBrk="1">
-                        <a:lnSpc>
-                          <a:spcPct val="116199"/>
-                        </a:lnSpc>
-                      </a:pPr>
-                      <a:r>
-                        <a:rPr lang="en-US" sz="1200">
-                          <a:solidFill>
-                            <a:srgbClr val="42464B"/>
-                          </a:solidFill>
-                          <a:latin typeface="Microsoft YaHei"/>
-                          <a:ea typeface="Microsoft YaHei"/>
-                        </a:rPr>
-                        <a:t>陈志武</a:t>
-                      </a:r>
-                      <a:endParaRPr lang="en-US" sz="1200"/>
-                    </a:p>
-                  </a:txBody>
-                  <a:tcPr marL="66973" marR="66973" marT="48220" marB="48220" anchor="ctr">
-                    <a:lnL cap="flat" cmpd="sng" algn="ctr">
-                      <a:solidFill>
-                        <a:srgbClr val="FFFFFF"/>
-                      </a:solidFill>
-                      <a:prstDash val="dash"/>
-                      <a:round/>
-                      <a:headEnd type="none" w="med" len="med"/>
-                      <a:tailEnd type="none" w="med" len="med"/>
-                    </a:lnL>
-                    <a:lnR cap="flat" cmpd="sng" algn="ctr">
-                      <a:solidFill>
-                        <a:srgbClr val="FFFFFF"/>
-                      </a:solidFill>
-                      <a:prstDash val="dash"/>
-                      <a:round/>
-                      <a:headEnd type="none" w="med" len="med"/>
-                      <a:tailEnd type="none" w="med" len="med"/>
-                    </a:lnR>
-                    <a:lnT cap="flat" cmpd="sng" algn="ctr">
-                      <a:solidFill>
-                        <a:srgbClr val="FFFFFF"/>
-                      </a:solidFill>
-                      <a:prstDash val="dash"/>
-                      <a:round/>
-                      <a:headEnd type="none" w="med" len="med"/>
-                      <a:tailEnd type="none" w="med" len="med"/>
-                    </a:lnT>
-                    <a:lnB cap="flat" cmpd="sng" algn="ctr">
-                      <a:solidFill>
-                        <a:srgbClr val="FFFFFF"/>
-                      </a:solidFill>
-                      <a:prstDash val="dash"/>
-                      <a:round/>
-                      <a:headEnd type="none" w="med" len="med"/>
-                      <a:tailEnd type="none" w="med" len="med"/>
-                    </a:lnB>
-                    <a:solidFill>
-                      <a:srgbClr val="EEEEEE"/>
-                    </a:solidFill>
-                  </a:tcPr>
-                </a:tc>
-                <a:tc>
-                  <a:txBody>
-                    <a:bodyPr/>
-                    <a:lstStyle/>
-                    <a:p>
-                      <a:pPr algn="ctr" latinLnBrk="1">
-                        <a:lnSpc>
-                          <a:spcPct val="116199"/>
-                        </a:lnSpc>
-                      </a:pPr>
-                      <a:r>
-                        <a:rPr lang="en-US" sz="1200">
-                          <a:solidFill>
-                            <a:srgbClr val="42464B"/>
-                          </a:solidFill>
-                          <a:latin typeface="Microsoft YaHei"/>
-                          <a:ea typeface="Microsoft YaHei"/>
-                        </a:rPr>
-                        <a:t>北京国家会计学院博士、副教授</a:t>
-                      </a:r>
-                      <a:endParaRPr lang="en-US" sz="1200"/>
-                    </a:p>
-                  </a:txBody>
-                  <a:tcPr marL="66973" marR="66973" marT="48220" marB="48220" anchor="ctr">
-                    <a:lnL cap="flat" cmpd="sng" algn="ctr">
-                      <a:solidFill>
-                        <a:srgbClr val="FFFFFF"/>
-                      </a:solidFill>
-                      <a:prstDash val="dash"/>
-                      <a:round/>
-                      <a:headEnd type="none" w="med" len="med"/>
-                      <a:tailEnd type="none" w="med" len="med"/>
-                    </a:lnL>
-                    <a:lnR cap="flat" cmpd="sng" algn="ctr">
-                      <a:solidFill>
-                        <a:srgbClr val="FFFFFF"/>
-                      </a:solidFill>
-                      <a:prstDash val="dash"/>
-                      <a:round/>
-                      <a:headEnd type="none" w="med" len="med"/>
-                      <a:tailEnd type="none" w="med" len="med"/>
-                    </a:lnR>
-                    <a:lnT cap="flat" cmpd="sng" algn="ctr">
-                      <a:solidFill>
-                        <a:srgbClr val="FFFFFF"/>
-                      </a:solidFill>
-                      <a:prstDash val="dash"/>
-                      <a:round/>
-                      <a:headEnd type="none" w="med" len="med"/>
-                      <a:tailEnd type="none" w="med" len="med"/>
-                    </a:lnT>
-                    <a:lnB cap="flat" cmpd="sng" algn="ctr">
-                      <a:solidFill>
-                        <a:srgbClr val="FFFFFF"/>
-                      </a:solidFill>
-                      <a:prstDash val="dash"/>
-                      <a:round/>
-                      <a:headEnd type="none" w="med" len="med"/>
-                      <a:tailEnd type="none" w="med" len="med"/>
-                    </a:lnB>
-                    <a:solidFill>
-                      <a:srgbClr val="EEEEEE"/>
-                    </a:solidFill>
-                  </a:tcPr>
-                </a:tc>
-                <a:extLst>
-                  <a:ext uri="{0D108BD9-81ED-4DB2-BD59-A6C34878D82A}">
-                    <a16:rowId xmlns:a16="http://schemas.microsoft.com/office/drawing/2014/main" val="10009"/>
-                  </a:ext>
-                </a:extLst>
-              </a:tr>
-            </a:tbl>
-          </a:graphicData>
-        </a:graphic>
-      </p:graphicFrame>
-      <p:pic>
-        <p:nvPicPr>
-          <p:cNvPr id="84" name="Picture 2"/>
-          <p:cNvPicPr>
-            <a:picLocks noChangeAspect="1"/>
-          </p:cNvPicPr>
-          <p:nvPr/>
-        </p:nvPicPr>
-        <p:blipFill>
-          <a:blip r:embed="rId2"/>
-          <a:stretch>
-            <a:fillRect/>
-          </a:stretch>
-        </p:blipFill>
-        <p:spPr>
-          <a:xfrm>
-            <a:off x="8962430" y="562570"/>
-            <a:ext cx="994898" cy="1037416"/>
-          </a:xfrm>
-          <a:prstGeom prst="rect">
-            <a:avLst/>
-          </a:prstGeom>
-        </p:spPr>
-      </p:pic>
-      <p:pic>
-        <p:nvPicPr>
-          <p:cNvPr id="85" name="Picture 3"/>
-          <p:cNvPicPr>
-            <a:picLocks noChangeAspect="1"/>
-          </p:cNvPicPr>
-          <p:nvPr/>
-        </p:nvPicPr>
-        <p:blipFill>
-          <a:blip r:embed="rId3"/>
-          <a:stretch>
-            <a:fillRect/>
-          </a:stretch>
-        </p:blipFill>
-        <p:spPr>
-          <a:xfrm rot="5400000">
-            <a:off x="-317034" y="281018"/>
-            <a:ext cx="1254114" cy="617698"/>
-          </a:xfrm>
-          <a:prstGeom prst="rect">
-            <a:avLst/>
-          </a:prstGeom>
-        </p:spPr>
-      </p:pic>
-      <p:sp>
-        <p:nvSpPr>
-          <p:cNvPr id="86" name="TextBox 4"/>
-          <p:cNvSpPr txBox="1"/>
-          <p:nvPr/>
-        </p:nvSpPr>
-        <p:spPr>
-          <a:xfrm>
-            <a:off x="602903" y="594325"/>
-            <a:ext cx="4882106" cy="423514"/>
-          </a:xfrm>
-          <a:prstGeom prst="rect">
-            <a:avLst/>
-          </a:prstGeom>
-        </p:spPr>
-        <p:txBody>
-          <a:bodyPr lIns="0" tIns="0" rIns="0" bIns="0" rtlCol="0" anchor="ctr">
-            <a:spAutoFit/>
-          </a:bodyPr>
-          <a:lstStyle/>
-          <a:p>
-            <a:pPr algn="l" latinLnBrk="1">
-              <a:lnSpc>
-                <a:spcPct val="116199"/>
-              </a:lnSpc>
-            </a:pPr>
-            <a:r>
-              <a:rPr lang="en-US" sz="2531" b="1">
-                <a:solidFill>
-                  <a:srgbClr val="EDD1D6"/>
-                </a:solidFill>
-                <a:latin typeface="Microsoft YaHei"/>
-                <a:ea typeface="Microsoft YaHei"/>
-              </a:rPr>
-              <a:t>课程内容</a:t>
-            </a:r>
-            <a:endParaRPr lang="en-US" sz="1160"/>
-          </a:p>
-        </p:txBody>
-      </p:sp>
-    </p:spTree>
-    <p:extLst>
-      <p:ext uri="{BB962C8B-B14F-4D97-AF65-F5344CB8AC3E}">
-        <p14:creationId xmlns:p14="http://schemas.microsoft.com/office/powerpoint/2010/main" val="1423730517"/>
-      </p:ext>
-    </p:extLst>
-  </p:cSld>
-  <p:clrMapOvr>
-    <a:masterClrMapping/>
-  </p:clrMapOvr>
-  <p:transition spd="med">
-    <p:fade/>
-  </p:transition>
-  <p:timing>
-    <p:tnLst>
-      <p:par>
-        <p:cTn id="1" dur="indefinite" restart="never" nodeType="tmRoot">
-          <p:childTnLst>
-            <p:seq concurrent="1" nextAc="seek">
-              <p:cTn id="2" dur="indefinite" nodeType="mainSeq">
-                <p:childTnLst>
-                  <p:par>
-                    <p:cTn id="3" fill="hold">
-                      <p:stCondLst>
-                        <p:cond delay="indefinite"/>
-                        <p:cond evt="onBegin" delay="0">
-                          <p:tn val="2"/>
-                        </p:cond>
-                      </p:stCondLst>
-                      <p:childTnLst>
-                        <p:par>
-                          <p:cTn id="4" fill="hold">
-                            <p:stCondLst>
-                              <p:cond delay="0"/>
-                            </p:stCondLst>
-                            <p:childTnLst>
-                              <p:par>
-                                <p:cTn id="5" presetID="10" presetClass="entr" presetSubtype="0" fill="hold" grpId="0" nodeType="withEffect">
-                                  <p:stCondLst>
-                                    <p:cond delay="0"/>
-                                  </p:stCondLst>
-                                  <p:childTnLst>
-                                    <p:set>
-                                      <p:cBhvr>
-                                        <p:cTn id="6" dur="1" fill="hold">
-                                          <p:stCondLst>
-                                            <p:cond delay="0"/>
-                                          </p:stCondLst>
-                                        </p:cTn>
-                                        <p:tgtEl>
-                                          <p:spTgt spid="83"/>
-                                        </p:tgtEl>
-                                        <p:attrNameLst>
-                                          <p:attrName>style.visibility</p:attrName>
-                                        </p:attrNameLst>
-                                      </p:cBhvr>
-                                      <p:to>
-                                        <p:strVal val="visible"/>
-                                      </p:to>
-                                    </p:set>
-                                    <p:animEffect transition="in" filter="fade">
-                                      <p:cBhvr>
-                                        <p:cTn id="7" dur="1000"/>
-                                        <p:tgtEl>
-                                          <p:spTgt spid="83"/>
-                                        </p:tgtEl>
-                                      </p:cBhvr>
-                                    </p:animEffect>
-                                  </p:childTnLst>
-                                </p:cTn>
-                              </p:par>
-                              <p:par>
-                                <p:cTn id="8" presetID="10" presetClass="entr" presetSubtype="0" fill="hold" grpId="0" nodeType="withEffect">
-                                  <p:stCondLst>
-                                    <p:cond delay="0"/>
-                                  </p:stCondLst>
-                                  <p:childTnLst>
-                                    <p:set>
-                                      <p:cBhvr>
-                                        <p:cTn id="9" dur="1" fill="hold">
-                                          <p:stCondLst>
-                                            <p:cond delay="0"/>
-                                          </p:stCondLst>
-                                        </p:cTn>
-                                        <p:tgtEl>
-                                          <p:spTgt spid="84"/>
-                                        </p:tgtEl>
-                                        <p:attrNameLst>
-                                          <p:attrName>style.visibility</p:attrName>
-                                        </p:attrNameLst>
-                                      </p:cBhvr>
-                                      <p:to>
-                                        <p:strVal val="visible"/>
-                                      </p:to>
-                                    </p:set>
-                                    <p:animEffect transition="in" filter="fade">
-                                      <p:cBhvr>
-                                        <p:cTn id="10" dur="1000"/>
-                                        <p:tgtEl>
-                                          <p:spTgt spid="84"/>
-                                        </p:tgtEl>
-                                      </p:cBhvr>
-                                    </p:animEffect>
-                                  </p:childTnLst>
-                                </p:cTn>
-                              </p:par>
-                              <p:par>
-                                <p:cTn id="11" presetID="10" presetClass="entr" presetSubtype="0" fill="hold" grpId="0" nodeType="withEffect">
-                                  <p:stCondLst>
-                                    <p:cond delay="0"/>
-                                  </p:stCondLst>
-                                  <p:childTnLst>
-                                    <p:set>
-                                      <p:cBhvr>
-                                        <p:cTn id="12" dur="1" fill="hold">
-                                          <p:stCondLst>
-                                            <p:cond delay="0"/>
-                                          </p:stCondLst>
-                                        </p:cTn>
-                                        <p:tgtEl>
-                                          <p:spTgt spid="85"/>
-                                        </p:tgtEl>
-                                        <p:attrNameLst>
-                                          <p:attrName>style.visibility</p:attrName>
-                                        </p:attrNameLst>
-                                      </p:cBhvr>
-                                      <p:to>
-                                        <p:strVal val="visible"/>
-                                      </p:to>
-                                    </p:set>
-                                    <p:animEffect transition="in" filter="fade">
-                                      <p:cBhvr>
-                                        <p:cTn id="13" dur="1000"/>
-                                        <p:tgtEl>
-                                          <p:spTgt spid="85"/>
-                                        </p:tgtEl>
-                                      </p:cBhvr>
-                                    </p:animEffect>
-                                  </p:childTnLst>
-                                </p:cTn>
-                              </p:par>
-                            </p:childTnLst>
-                          </p:cTn>
-                        </p:par>
-                      </p:childTnLst>
-                    </p:cTn>
-                  </p:par>
-                </p:childTnLst>
-              </p:cTn>
-              <p:prevCondLst>
-                <p:cond evt="onPrev" delay="0">
-                  <p:tgtEl>
-                    <p:sldTgt/>
-                  </p:tgtEl>
-                </p:cond>
-              </p:prevCondLst>
-              <p:nextCondLst>
-                <p:cond evt="onNext" delay="0">
-                  <p:tgtEl>
-                    <p:sldTgt/>
-                  </p:tgtEl>
-                </p:cond>
-              </p:nextCondLst>
-            </p:seq>
-          </p:childTnLst>
-        </p:cTn>
-      </p:par>
-    </p:tnLst>
-    <p:bldLst>
-      <p:bldP spid="83" grpId="0" animBg="1"/>
-      <p:bldP spid="84" grpId="0" animBg="1"/>
-      <p:bldP spid="85" grpId="0" animBg="1"/>
-    </p:bldLst>
-  </p:timing>
-</p:sld>
-</file>
-
-<file path=ppt/slides/slide14.xml><?xml version="1.0" encoding="utf-8"?>
-<p:sld xmlns:a="http://schemas.openxmlformats.org/drawingml/2006/main" xmlns:r="http://schemas.openxmlformats.org/officeDocument/2006/relationships" xmlns:p="http://schemas.openxmlformats.org/presentationml/2006/main">
-  <p:cSld>
-    <p:spTree>
-      <p:nvGrpSpPr>
-        <p:cNvPr id="1" name=""/>
-        <p:cNvGrpSpPr/>
-        <p:nvPr/>
-      </p:nvGrpSpPr>
-      <p:grpSpPr>
-        <a:xfrm>
-          <a:off x="0" y="0"/>
-          <a:ext cx="0" cy="0"/>
-          <a:chOff x="0" y="0"/>
-          <a:chExt cx="0" cy="0"/>
-        </a:xfrm>
-      </p:grpSpPr>
       <p:sp>
         <p:nvSpPr>
           <p:cNvPr id="96" name="Freeform 1"/>
@@ -15615,7 +13309,7 @@
 </p:sld>
 </file>
 
-<file path=ppt/slides/slide15.xml><?xml version="1.0" encoding="utf-8"?>
+<file path=ppt/slides/slide14.xml><?xml version="1.0" encoding="utf-8"?>
 <p:sld xmlns:a="http://schemas.openxmlformats.org/drawingml/2006/main" xmlns:r="http://schemas.openxmlformats.org/officeDocument/2006/relationships" xmlns:p="http://schemas.openxmlformats.org/presentationml/2006/main">
   <p:cSld>
     <p:spTree>
@@ -18025,7 +15719,7 @@
 </p:sld>
 </file>
 
-<file path=ppt/slides/slide16.xml><?xml version="1.0" encoding="utf-8"?>
+<file path=ppt/slides/slide15.xml><?xml version="1.0" encoding="utf-8"?>
 <p:sld xmlns:a="http://schemas.openxmlformats.org/drawingml/2006/main" xmlns:r="http://schemas.openxmlformats.org/officeDocument/2006/relationships" xmlns:p="http://schemas.openxmlformats.org/presentationml/2006/main">
   <p:cSld>
     <p:spTree>
@@ -19582,7 +17276,7 @@
 </p:sld>
 </file>
 
-<file path=ppt/slides/slide17.xml><?xml version="1.0" encoding="utf-8"?>
+<file path=ppt/slides/slide16.xml><?xml version="1.0" encoding="utf-8"?>
 <p:sld xmlns:a="http://schemas.openxmlformats.org/drawingml/2006/main" xmlns:r="http://schemas.openxmlformats.org/officeDocument/2006/relationships" xmlns:p="http://schemas.openxmlformats.org/presentationml/2006/main">
   <p:cSld>
     <p:spTree>
@@ -23755,2278 +21449,6 @@
               </a:lnSpc>
             </a:pPr>
             <a:r>
-              <a:rPr lang="en-US" sz="2531" b="1">
-                <a:solidFill>
-                  <a:srgbClr val="EDD1D6"/>
-                </a:solidFill>
-                <a:latin typeface="Microsoft YaHei"/>
-                <a:ea typeface="Microsoft YaHei"/>
-              </a:rPr>
-              <a:t>培训内容</a:t>
-            </a:r>
-            <a:endParaRPr lang="en-US" sz="1160"/>
-          </a:p>
-        </p:txBody>
-      </p:sp>
-      <p:sp>
-        <p:nvSpPr>
-          <p:cNvPr id="44" name="TextBox 8"/>
-          <p:cNvSpPr txBox="1"/>
-          <p:nvPr/>
-        </p:nvSpPr>
-        <p:spPr>
-          <a:xfrm>
-            <a:off x="1340942" y="2429790"/>
-            <a:ext cx="3831036" cy="404470"/>
-          </a:xfrm>
-          <a:prstGeom prst="rect">
-            <a:avLst/>
-          </a:prstGeom>
-        </p:spPr>
-        <p:txBody>
-          <a:bodyPr lIns="0" tIns="0" rIns="0" bIns="0" rtlCol="0" anchor="ctr">
-            <a:spAutoFit/>
-          </a:bodyPr>
-          <a:lstStyle/>
-          <a:p>
-            <a:pPr algn="l" latinLnBrk="1">
-              <a:lnSpc>
-                <a:spcPct val="116199"/>
-              </a:lnSpc>
-            </a:pPr>
-            <a:r>
-              <a:rPr lang="en-US" sz="1266" b="1">
-                <a:solidFill>
-                  <a:srgbClr val="757575"/>
-                </a:solidFill>
-                <a:latin typeface="Microsoft YaHei"/>
-                <a:ea typeface="Microsoft YaHei"/>
-              </a:rPr>
-              <a:t>培训主题</a:t>
-            </a:r>
-            <a:r>
-              <a:rPr lang="en-US" sz="1266">
-                <a:solidFill>
-                  <a:srgbClr val="505050"/>
-                </a:solidFill>
-                <a:latin typeface="Microsoft YaHei"/>
-                <a:ea typeface="Microsoft YaHei"/>
-              </a:rPr>
-              <a:t>：</a:t>
-            </a:r>
-            <a:r>
-              <a:rPr lang="en-US" sz="1266">
-                <a:solidFill>
-                  <a:srgbClr val="757575"/>
-                </a:solidFill>
-                <a:latin typeface="Microsoft YaHei"/>
-                <a:ea typeface="Microsoft YaHei"/>
-              </a:rPr>
-              <a:t>中小企业发展战略和创业板操作实务</a:t>
-            </a:r>
-            <a:endParaRPr lang="en-US" sz="1160"/>
-          </a:p>
-          <a:p>
-            <a:pPr algn="l" latinLnBrk="1"/>
-            <a:endParaRPr lang="en-US" sz="1160"/>
-          </a:p>
-        </p:txBody>
-      </p:sp>
-      <p:sp>
-        <p:nvSpPr>
-          <p:cNvPr id="45" name="TextBox 9"/>
-          <p:cNvSpPr txBox="1"/>
-          <p:nvPr/>
-        </p:nvSpPr>
-        <p:spPr>
-          <a:xfrm>
-            <a:off x="1340941" y="3271649"/>
-            <a:ext cx="3991035" cy="2015808"/>
-          </a:xfrm>
-          <a:prstGeom prst="rect">
-            <a:avLst/>
-          </a:prstGeom>
-        </p:spPr>
-        <p:txBody>
-          <a:bodyPr lIns="0" tIns="0" rIns="0" bIns="0" rtlCol="0" anchor="ctr">
-            <a:spAutoFit/>
-          </a:bodyPr>
-          <a:lstStyle/>
-          <a:p>
-            <a:pPr algn="l" latinLnBrk="1">
-              <a:lnSpc>
-                <a:spcPct val="116199"/>
-              </a:lnSpc>
-            </a:pPr>
-            <a:r>
-              <a:rPr lang="en-US" sz="1266" b="1" dirty="0" err="1">
-                <a:solidFill>
-                  <a:srgbClr val="757575"/>
-                </a:solidFill>
-                <a:latin typeface="Microsoft YaHei"/>
-                <a:ea typeface="Microsoft YaHei"/>
-              </a:rPr>
-              <a:t>内容专题</a:t>
-            </a:r>
-            <a:r>
-              <a:rPr lang="en-US" sz="1266" dirty="0">
-                <a:solidFill>
-                  <a:srgbClr val="757575"/>
-                </a:solidFill>
-                <a:latin typeface="Microsoft YaHei"/>
-                <a:ea typeface="Microsoft YaHei"/>
-              </a:rPr>
-              <a:t>：</a:t>
-            </a:r>
-            <a:endParaRPr lang="en-US" sz="1160" dirty="0"/>
-          </a:p>
-          <a:p>
-            <a:pPr marL="189846" indent="-189846" latinLnBrk="1">
-              <a:lnSpc>
-                <a:spcPct val="116199"/>
-              </a:lnSpc>
-              <a:buFont typeface="Arial"/>
-              <a:buChar char="•"/>
-            </a:pPr>
-            <a:r>
-              <a:rPr lang="en-US" sz="1266" dirty="0" err="1">
-                <a:solidFill>
-                  <a:srgbClr val="757575"/>
-                </a:solidFill>
-                <a:latin typeface="Microsoft YaHei"/>
-                <a:ea typeface="Microsoft YaHei"/>
-              </a:rPr>
-              <a:t>创业板上市的投行券商业务</a:t>
-            </a:r>
-            <a:endParaRPr lang="en-US" sz="1266" dirty="0">
-              <a:solidFill>
-                <a:srgbClr val="757575"/>
-              </a:solidFill>
-              <a:latin typeface="Microsoft YaHei"/>
-              <a:ea typeface="Microsoft YaHei"/>
-            </a:endParaRPr>
-          </a:p>
-          <a:p>
-            <a:pPr marL="189846" indent="-189846" latinLnBrk="1">
-              <a:lnSpc>
-                <a:spcPct val="116199"/>
-              </a:lnSpc>
-              <a:buFont typeface="Arial"/>
-              <a:buChar char="•"/>
-            </a:pPr>
-            <a:r>
-              <a:rPr lang="en-US" sz="1266" dirty="0" err="1">
-                <a:solidFill>
-                  <a:srgbClr val="757575"/>
-                </a:solidFill>
-                <a:latin typeface="Microsoft YaHei"/>
-                <a:ea typeface="Microsoft YaHei"/>
-              </a:rPr>
-              <a:t>私募融资业务</a:t>
-            </a:r>
-            <a:endParaRPr lang="en-US" sz="1266" dirty="0">
-              <a:solidFill>
-                <a:srgbClr val="757575"/>
-              </a:solidFill>
-              <a:latin typeface="Microsoft YaHei"/>
-              <a:ea typeface="Microsoft YaHei"/>
-            </a:endParaRPr>
-          </a:p>
-          <a:p>
-            <a:pPr marL="189846" indent="-189846" latinLnBrk="1">
-              <a:lnSpc>
-                <a:spcPct val="116199"/>
-              </a:lnSpc>
-              <a:buFont typeface="Arial"/>
-              <a:buChar char="•"/>
-            </a:pPr>
-            <a:r>
-              <a:rPr lang="en-US" sz="1266" dirty="0" err="1">
-                <a:solidFill>
-                  <a:srgbClr val="757575"/>
-                </a:solidFill>
-                <a:latin typeface="Microsoft YaHei"/>
-                <a:ea typeface="Microsoft YaHei"/>
-              </a:rPr>
-              <a:t>资本运营与企业融资案例分析</a:t>
-            </a:r>
-            <a:endParaRPr lang="en-US" sz="1266" dirty="0">
-              <a:solidFill>
-                <a:srgbClr val="757575"/>
-              </a:solidFill>
-              <a:latin typeface="Microsoft YaHei"/>
-              <a:ea typeface="Microsoft YaHei"/>
-            </a:endParaRPr>
-          </a:p>
-          <a:p>
-            <a:pPr marL="189846" indent="-189846" latinLnBrk="1">
-              <a:lnSpc>
-                <a:spcPct val="116199"/>
-              </a:lnSpc>
-              <a:buFont typeface="Arial"/>
-              <a:buChar char="•"/>
-            </a:pPr>
-            <a:r>
-              <a:rPr lang="en-US" sz="1266" dirty="0" err="1">
-                <a:solidFill>
-                  <a:srgbClr val="757575"/>
-                </a:solidFill>
-                <a:latin typeface="Microsoft YaHei"/>
-                <a:ea typeface="Microsoft YaHei"/>
-              </a:rPr>
-              <a:t>创业板发行规则和被否决情况</a:t>
-            </a:r>
-            <a:endParaRPr lang="en-US" sz="1266" dirty="0">
-              <a:solidFill>
-                <a:srgbClr val="757575"/>
-              </a:solidFill>
-              <a:latin typeface="Microsoft YaHei"/>
-              <a:ea typeface="Microsoft YaHei"/>
-            </a:endParaRPr>
-          </a:p>
-          <a:p>
-            <a:pPr marL="189846" indent="-189846" latinLnBrk="1">
-              <a:lnSpc>
-                <a:spcPct val="116199"/>
-              </a:lnSpc>
-              <a:buFont typeface="Arial"/>
-              <a:buChar char="•"/>
-            </a:pPr>
-            <a:r>
-              <a:rPr lang="en-US" sz="1266" dirty="0" err="1">
-                <a:solidFill>
-                  <a:srgbClr val="757575"/>
-                </a:solidFill>
-                <a:latin typeface="Microsoft YaHei"/>
-                <a:ea typeface="Microsoft YaHei"/>
-              </a:rPr>
-              <a:t>中小企业上市前的财务会计与审计问题</a:t>
-            </a:r>
-            <a:endParaRPr lang="en-US" sz="1266" dirty="0">
-              <a:solidFill>
-                <a:srgbClr val="757575"/>
-              </a:solidFill>
-              <a:latin typeface="Microsoft YaHei"/>
-              <a:ea typeface="Microsoft YaHei"/>
-            </a:endParaRPr>
-          </a:p>
-          <a:p>
-            <a:pPr marL="189846" indent="-189846" latinLnBrk="1">
-              <a:lnSpc>
-                <a:spcPct val="116199"/>
-              </a:lnSpc>
-              <a:buFont typeface="Arial"/>
-              <a:buChar char="•"/>
-            </a:pPr>
-            <a:r>
-              <a:rPr lang="en-US" sz="1266" dirty="0" err="1">
-                <a:solidFill>
-                  <a:srgbClr val="757575"/>
-                </a:solidFill>
-                <a:latin typeface="Microsoft YaHei"/>
-                <a:ea typeface="Microsoft YaHei"/>
-              </a:rPr>
-              <a:t>税务处理与筹划</a:t>
-            </a:r>
-            <a:endParaRPr lang="en-US" sz="1266" dirty="0">
-              <a:solidFill>
-                <a:srgbClr val="757575"/>
-              </a:solidFill>
-              <a:latin typeface="Microsoft YaHei"/>
-              <a:ea typeface="Microsoft YaHei"/>
-            </a:endParaRPr>
-          </a:p>
-          <a:p>
-            <a:pPr marL="189846" indent="-189846" latinLnBrk="1">
-              <a:lnSpc>
-                <a:spcPct val="116199"/>
-              </a:lnSpc>
-              <a:buFont typeface="Arial"/>
-              <a:buChar char="•"/>
-            </a:pPr>
-            <a:r>
-              <a:rPr lang="en-US" sz="1266" dirty="0" err="1">
-                <a:solidFill>
-                  <a:srgbClr val="757575"/>
-                </a:solidFill>
-                <a:latin typeface="Microsoft YaHei"/>
-                <a:ea typeface="Microsoft YaHei"/>
-              </a:rPr>
-              <a:t>中小企业的公司治理与反收购设置</a:t>
-            </a:r>
-            <a:endParaRPr lang="en-US" sz="1266" dirty="0">
-              <a:solidFill>
-                <a:srgbClr val="757575"/>
-              </a:solidFill>
-              <a:latin typeface="Microsoft YaHei"/>
-              <a:ea typeface="Microsoft YaHei"/>
-            </a:endParaRPr>
-          </a:p>
-          <a:p>
-            <a:pPr marL="189846" indent="-189846" latinLnBrk="1">
-              <a:lnSpc>
-                <a:spcPct val="116199"/>
-              </a:lnSpc>
-              <a:buFont typeface="Arial"/>
-              <a:buChar char="•"/>
-            </a:pPr>
-            <a:r>
-              <a:rPr lang="en-US" sz="1266" dirty="0" err="1">
-                <a:solidFill>
-                  <a:srgbClr val="757575"/>
-                </a:solidFill>
-                <a:latin typeface="Microsoft YaHei"/>
-                <a:ea typeface="Microsoft YaHei"/>
-              </a:rPr>
-              <a:t>上市前的法律业务处理</a:t>
-            </a:r>
-            <a:endParaRPr lang="en-US" sz="1266" dirty="0">
-              <a:solidFill>
-                <a:srgbClr val="757575"/>
-              </a:solidFill>
-              <a:latin typeface="Microsoft YaHei"/>
-              <a:ea typeface="Microsoft YaHei"/>
-            </a:endParaRPr>
-          </a:p>
-        </p:txBody>
-      </p:sp>
-      <p:sp>
-        <p:nvSpPr>
-          <p:cNvPr id="46" name="Freeform 10"/>
-          <p:cNvSpPr/>
-          <p:nvPr/>
-        </p:nvSpPr>
-        <p:spPr>
-          <a:xfrm>
-            <a:off x="8140428" y="2522480"/>
-            <a:ext cx="1173867" cy="3945899"/>
-          </a:xfrm>
-          <a:custGeom>
-            <a:avLst/>
-            <a:gdLst/>
-            <a:ahLst/>
-            <a:cxnLst/>
-            <a:rect l="l" t="t" r="r" b="b"/>
-            <a:pathLst>
-              <a:path w="1113000" h="3741297">
-                <a:moveTo>
-                  <a:pt x="1082916" y="1886634"/>
-                </a:moveTo>
-                <a:cubicBezTo>
-                  <a:pt x="1062860" y="1918611"/>
-                  <a:pt x="952568" y="1939927"/>
-                  <a:pt x="952568" y="1939927"/>
-                </a:cubicBezTo>
-                <a:cubicBezTo>
-                  <a:pt x="952568" y="1939927"/>
-                  <a:pt x="952568" y="2387604"/>
-                  <a:pt x="952568" y="2398265"/>
-                </a:cubicBezTo>
-                <a:cubicBezTo>
-                  <a:pt x="962596" y="2419580"/>
-                  <a:pt x="942540" y="2536831"/>
-                  <a:pt x="972624" y="2622101"/>
-                </a:cubicBezTo>
-                <a:cubicBezTo>
-                  <a:pt x="1002702" y="2707375"/>
-                  <a:pt x="1042814" y="3155052"/>
-                  <a:pt x="1042814" y="3155052"/>
-                </a:cubicBezTo>
-                <a:cubicBezTo>
-                  <a:pt x="1042814" y="3155052"/>
-                  <a:pt x="1042814" y="3261648"/>
-                  <a:pt x="1032786" y="3282958"/>
-                </a:cubicBezTo>
-                <a:cubicBezTo>
-                  <a:pt x="1012730" y="3314941"/>
-                  <a:pt x="1012730" y="3357572"/>
-                  <a:pt x="1032786" y="3378893"/>
-                </a:cubicBezTo>
-                <a:cubicBezTo>
-                  <a:pt x="1062865" y="3400215"/>
-                  <a:pt x="1012730" y="3496139"/>
-                  <a:pt x="1012730" y="3496139"/>
-                </a:cubicBezTo>
-                <a:cubicBezTo>
-                  <a:pt x="1012730" y="3496139"/>
-                  <a:pt x="1102972" y="3687999"/>
-                  <a:pt x="1052837" y="3709320"/>
-                </a:cubicBezTo>
-                <a:cubicBezTo>
-                  <a:pt x="1002702" y="3741297"/>
-                  <a:pt x="912455" y="3741297"/>
-                  <a:pt x="872349" y="3709320"/>
-                </a:cubicBezTo>
-                <a:cubicBezTo>
-                  <a:pt x="852293" y="3677343"/>
-                  <a:pt x="862326" y="3506800"/>
-                  <a:pt x="862326" y="3506800"/>
-                </a:cubicBezTo>
-                <a:cubicBezTo>
-                  <a:pt x="862326" y="3506800"/>
-                  <a:pt x="782107" y="3474823"/>
-                  <a:pt x="772079" y="3442847"/>
-                </a:cubicBezTo>
-                <a:cubicBezTo>
-                  <a:pt x="762051" y="3421525"/>
-                  <a:pt x="742000" y="3389554"/>
-                  <a:pt x="792135" y="3272303"/>
-                </a:cubicBezTo>
-                <a:cubicBezTo>
-                  <a:pt x="832242" y="3101755"/>
-                  <a:pt x="742000" y="2718036"/>
-                  <a:pt x="742000" y="2718036"/>
-                </a:cubicBezTo>
-                <a:cubicBezTo>
-                  <a:pt x="742000" y="2718036"/>
-                  <a:pt x="641730" y="2312990"/>
-                  <a:pt x="631702" y="2312990"/>
-                </a:cubicBezTo>
-                <a:cubicBezTo>
-                  <a:pt x="611646" y="2302335"/>
-                  <a:pt x="551489" y="2046517"/>
-                  <a:pt x="551489" y="2046517"/>
-                </a:cubicBezTo>
-                <a:cubicBezTo>
-                  <a:pt x="551489" y="2046517"/>
-                  <a:pt x="541461" y="2067838"/>
-                  <a:pt x="481298" y="2376949"/>
-                </a:cubicBezTo>
-                <a:cubicBezTo>
-                  <a:pt x="421130" y="2686064"/>
-                  <a:pt x="441191" y="2781994"/>
-                  <a:pt x="441191" y="2781994"/>
-                </a:cubicBezTo>
-                <a:cubicBezTo>
-                  <a:pt x="431163" y="3219016"/>
-                  <a:pt x="431163" y="3219016"/>
-                  <a:pt x="431163" y="3219016"/>
-                </a:cubicBezTo>
-                <a:cubicBezTo>
-                  <a:pt x="431163" y="3219016"/>
-                  <a:pt x="421130" y="3304285"/>
-                  <a:pt x="401079" y="3314946"/>
-                </a:cubicBezTo>
-                <a:cubicBezTo>
-                  <a:pt x="391056" y="3325606"/>
-                  <a:pt x="441191" y="3400220"/>
-                  <a:pt x="411112" y="3432191"/>
-                </a:cubicBezTo>
-                <a:cubicBezTo>
-                  <a:pt x="401079" y="3474829"/>
-                  <a:pt x="411112" y="3549437"/>
-                  <a:pt x="411112" y="3549437"/>
-                </a:cubicBezTo>
-                <a:cubicBezTo>
-                  <a:pt x="411112" y="3549437"/>
-                  <a:pt x="330899" y="3602735"/>
-                  <a:pt x="310837" y="3581419"/>
-                </a:cubicBezTo>
-                <a:cubicBezTo>
-                  <a:pt x="290781" y="3570758"/>
-                  <a:pt x="240646" y="3645372"/>
-                  <a:pt x="240646" y="3645372"/>
-                </a:cubicBezTo>
-                <a:cubicBezTo>
-                  <a:pt x="240646" y="3645372"/>
-                  <a:pt x="50135" y="3698665"/>
-                  <a:pt x="30079" y="3666688"/>
-                </a:cubicBezTo>
-                <a:cubicBezTo>
-                  <a:pt x="0" y="3634711"/>
-                  <a:pt x="70186" y="3581419"/>
-                  <a:pt x="70186" y="3581419"/>
-                </a:cubicBezTo>
-                <a:cubicBezTo>
-                  <a:pt x="170456" y="3453512"/>
-                  <a:pt x="170456" y="3453512"/>
-                  <a:pt x="170456" y="3453512"/>
-                </a:cubicBezTo>
-                <a:cubicBezTo>
-                  <a:pt x="170456" y="3453512"/>
-                  <a:pt x="100265" y="3378899"/>
-                  <a:pt x="220590" y="3314946"/>
-                </a:cubicBezTo>
-                <a:cubicBezTo>
-                  <a:pt x="200534" y="3112425"/>
-                  <a:pt x="200534" y="3112425"/>
-                  <a:pt x="200534" y="3112425"/>
-                </a:cubicBezTo>
-                <a:cubicBezTo>
-                  <a:pt x="200534" y="3112425"/>
-                  <a:pt x="190506" y="2963198"/>
-                  <a:pt x="210562" y="2856608"/>
-                </a:cubicBezTo>
-                <a:cubicBezTo>
-                  <a:pt x="230618" y="2750012"/>
-                  <a:pt x="160428" y="2217071"/>
-                  <a:pt x="160428" y="2217071"/>
-                </a:cubicBezTo>
-                <a:cubicBezTo>
-                  <a:pt x="160428" y="2217071"/>
-                  <a:pt x="130349" y="1971914"/>
-                  <a:pt x="160428" y="1929276"/>
-                </a:cubicBezTo>
-                <a:cubicBezTo>
-                  <a:pt x="130349" y="1907955"/>
-                  <a:pt x="220590" y="1332371"/>
-                  <a:pt x="220590" y="1332371"/>
-                </a:cubicBezTo>
-                <a:cubicBezTo>
-                  <a:pt x="260697" y="1247102"/>
-                  <a:pt x="260697" y="1247102"/>
-                  <a:pt x="260697" y="1247102"/>
-                </a:cubicBezTo>
-                <a:cubicBezTo>
-                  <a:pt x="260697" y="1247102"/>
-                  <a:pt x="150400" y="1236447"/>
-                  <a:pt x="140372" y="1172489"/>
-                </a:cubicBezTo>
-                <a:cubicBezTo>
-                  <a:pt x="130343" y="1108535"/>
-                  <a:pt x="110293" y="1097880"/>
-                  <a:pt x="110293" y="1044582"/>
-                </a:cubicBezTo>
-                <a:cubicBezTo>
-                  <a:pt x="120321" y="1001945"/>
-                  <a:pt x="140372" y="874039"/>
-                  <a:pt x="150400" y="842062"/>
-                </a:cubicBezTo>
-                <a:cubicBezTo>
-                  <a:pt x="160428" y="799425"/>
-                  <a:pt x="190506" y="639542"/>
-                  <a:pt x="190506" y="639542"/>
-                </a:cubicBezTo>
-                <a:cubicBezTo>
-                  <a:pt x="190506" y="639542"/>
-                  <a:pt x="220585" y="586244"/>
-                  <a:pt x="280748" y="586244"/>
-                </a:cubicBezTo>
-                <a:cubicBezTo>
-                  <a:pt x="330888" y="586244"/>
-                  <a:pt x="481293" y="511636"/>
-                  <a:pt x="491321" y="447677"/>
-                </a:cubicBezTo>
-                <a:cubicBezTo>
-                  <a:pt x="491321" y="447677"/>
-                  <a:pt x="461242" y="415696"/>
-                  <a:pt x="441186" y="362403"/>
-                </a:cubicBezTo>
-                <a:cubicBezTo>
-                  <a:pt x="441186" y="341082"/>
-                  <a:pt x="421125" y="309110"/>
-                  <a:pt x="421125" y="287789"/>
-                </a:cubicBezTo>
-                <a:cubicBezTo>
-                  <a:pt x="370995" y="170544"/>
-                  <a:pt x="370995" y="170544"/>
-                  <a:pt x="370995" y="170544"/>
-                </a:cubicBezTo>
-                <a:cubicBezTo>
-                  <a:pt x="370995" y="117251"/>
-                  <a:pt x="370995" y="117251"/>
-                  <a:pt x="370995" y="117251"/>
-                </a:cubicBezTo>
-                <a:cubicBezTo>
-                  <a:pt x="391051" y="53298"/>
-                  <a:pt x="391051" y="53298"/>
-                  <a:pt x="391051" y="53298"/>
-                </a:cubicBezTo>
-                <a:cubicBezTo>
-                  <a:pt x="441186" y="0"/>
-                  <a:pt x="581562" y="21316"/>
-                  <a:pt x="581562" y="21316"/>
-                </a:cubicBezTo>
-                <a:lnTo>
-                  <a:pt x="581562" y="21316"/>
-                </a:lnTo>
-                <a:cubicBezTo>
-                  <a:pt x="661776" y="21316"/>
-                  <a:pt x="701888" y="127906"/>
-                  <a:pt x="701888" y="191860"/>
-                </a:cubicBezTo>
-                <a:cubicBezTo>
-                  <a:pt x="772079" y="191860"/>
-                  <a:pt x="701888" y="319766"/>
-                  <a:pt x="701888" y="319766"/>
-                </a:cubicBezTo>
-                <a:cubicBezTo>
-                  <a:pt x="701888" y="319766"/>
-                  <a:pt x="711916" y="351742"/>
-                  <a:pt x="721944" y="394380"/>
-                </a:cubicBezTo>
-                <a:cubicBezTo>
-                  <a:pt x="711916" y="405035"/>
-                  <a:pt x="681837" y="479649"/>
-                  <a:pt x="611646" y="500970"/>
-                </a:cubicBezTo>
-                <a:cubicBezTo>
-                  <a:pt x="531433" y="532947"/>
-                  <a:pt x="501349" y="468988"/>
-                  <a:pt x="501349" y="468988"/>
-                </a:cubicBezTo>
-                <a:cubicBezTo>
-                  <a:pt x="501349" y="724806"/>
-                  <a:pt x="501349" y="724806"/>
-                  <a:pt x="501349" y="724806"/>
-                </a:cubicBezTo>
-                <a:cubicBezTo>
-                  <a:pt x="501349" y="724806"/>
-                  <a:pt x="551484" y="596900"/>
-                  <a:pt x="541456" y="564923"/>
-                </a:cubicBezTo>
-                <a:cubicBezTo>
-                  <a:pt x="521400" y="532941"/>
-                  <a:pt x="571534" y="532941"/>
-                  <a:pt x="591590" y="532941"/>
-                </a:cubicBezTo>
-                <a:cubicBezTo>
-                  <a:pt x="611646" y="532941"/>
-                  <a:pt x="631697" y="564923"/>
-                  <a:pt x="631697" y="564923"/>
-                </a:cubicBezTo>
-                <a:cubicBezTo>
-                  <a:pt x="581562" y="607555"/>
-                  <a:pt x="581562" y="607555"/>
-                  <a:pt x="581562" y="607555"/>
-                </a:cubicBezTo>
-                <a:cubicBezTo>
-                  <a:pt x="581562" y="607555"/>
-                  <a:pt x="581562" y="788759"/>
-                  <a:pt x="581562" y="756783"/>
-                </a:cubicBezTo>
-                <a:cubicBezTo>
-                  <a:pt x="581562" y="724806"/>
-                  <a:pt x="711911" y="511625"/>
-                  <a:pt x="741995" y="447672"/>
-                </a:cubicBezTo>
-                <a:cubicBezTo>
-                  <a:pt x="741995" y="458328"/>
-                  <a:pt x="752023" y="458328"/>
-                  <a:pt x="752023" y="458328"/>
-                </a:cubicBezTo>
-                <a:cubicBezTo>
-                  <a:pt x="772079" y="490304"/>
-                  <a:pt x="942540" y="522281"/>
-                  <a:pt x="942540" y="522281"/>
-                </a:cubicBezTo>
-                <a:cubicBezTo>
-                  <a:pt x="942540" y="522281"/>
-                  <a:pt x="1113000" y="511625"/>
-                  <a:pt x="1062865" y="714140"/>
-                </a:cubicBezTo>
-                <a:cubicBezTo>
-                  <a:pt x="1042809" y="874023"/>
-                  <a:pt x="1022758" y="1012590"/>
-                  <a:pt x="1022758" y="1012590"/>
-                </a:cubicBezTo>
-                <a:cubicBezTo>
-                  <a:pt x="1022758" y="1012590"/>
-                  <a:pt x="982652" y="1193794"/>
-                  <a:pt x="952568" y="1193794"/>
-                </a:cubicBezTo>
-                <a:cubicBezTo>
-                  <a:pt x="912450" y="1204455"/>
-                  <a:pt x="1082916" y="1833336"/>
-                  <a:pt x="1082916" y="1886634"/>
-                </a:cubicBezTo>
-                <a:lnTo>
-                  <a:pt x="1082916" y="1886634"/>
-                </a:lnTo>
-                <a:close/>
-                <a:moveTo>
-                  <a:pt x="711911" y="1012595"/>
-                </a:moveTo>
-                <a:cubicBezTo>
-                  <a:pt x="711911" y="1012595"/>
-                  <a:pt x="661776" y="927321"/>
-                  <a:pt x="671804" y="906005"/>
-                </a:cubicBezTo>
-                <a:cubicBezTo>
-                  <a:pt x="641725" y="916660"/>
-                  <a:pt x="621669" y="916660"/>
-                  <a:pt x="621669" y="916660"/>
-                </a:cubicBezTo>
-                <a:cubicBezTo>
-                  <a:pt x="621669" y="1055227"/>
-                  <a:pt x="621669" y="1055227"/>
-                  <a:pt x="621669" y="1055227"/>
-                </a:cubicBezTo>
-                <a:lnTo>
-                  <a:pt x="711911" y="1012595"/>
-                </a:lnTo>
-                <a:lnTo>
-                  <a:pt x="711911" y="1012595"/>
-                </a:lnTo>
-                <a:lnTo>
-                  <a:pt x="711911" y="1012595"/>
-                </a:lnTo>
-                <a:close/>
-              </a:path>
-            </a:pathLst>
-          </a:custGeom>
-          <a:solidFill>
-            <a:srgbClr val="4F81BD"/>
-          </a:solidFill>
-        </p:spPr>
-        <p:txBody>
-          <a:bodyPr lIns="133945" rIns="133945" rtlCol="0" anchor="ctr"/>
-          <a:lstStyle/>
-          <a:p>
-            <a:pPr algn="l"/>
-            <a:endParaRPr lang="en-US" sz="1160"/>
-          </a:p>
-        </p:txBody>
-      </p:sp>
-      <p:sp>
-        <p:nvSpPr>
-          <p:cNvPr id="47" name="Freeform 11"/>
-          <p:cNvSpPr/>
-          <p:nvPr/>
-        </p:nvSpPr>
-        <p:spPr>
-          <a:xfrm>
-            <a:off x="10183464" y="2560523"/>
-            <a:ext cx="1678338" cy="3829740"/>
-          </a:xfrm>
-          <a:custGeom>
-            <a:avLst/>
-            <a:gdLst/>
-            <a:ahLst/>
-            <a:cxnLst/>
-            <a:rect l="l" t="t" r="r" b="b"/>
-            <a:pathLst>
-              <a:path w="1591313" h="3631161">
-                <a:moveTo>
-                  <a:pt x="10679" y="2672790"/>
-                </a:moveTo>
-                <a:cubicBezTo>
-                  <a:pt x="10679" y="2694091"/>
-                  <a:pt x="21358" y="2694091"/>
-                  <a:pt x="42717" y="2694091"/>
-                </a:cubicBezTo>
-                <a:cubicBezTo>
-                  <a:pt x="53396" y="2694091"/>
-                  <a:pt x="352439" y="2715386"/>
-                  <a:pt x="352439" y="2715386"/>
-                </a:cubicBezTo>
-                <a:cubicBezTo>
-                  <a:pt x="352439" y="2715386"/>
-                  <a:pt x="352439" y="2789922"/>
-                  <a:pt x="352439" y="2821872"/>
-                </a:cubicBezTo>
-                <a:cubicBezTo>
-                  <a:pt x="352439" y="2843167"/>
-                  <a:pt x="352439" y="3077440"/>
-                  <a:pt x="373797" y="3109380"/>
-                </a:cubicBezTo>
-                <a:cubicBezTo>
-                  <a:pt x="395161" y="3141326"/>
-                  <a:pt x="373797" y="3194566"/>
-                  <a:pt x="405835" y="3215861"/>
-                </a:cubicBezTo>
-                <a:cubicBezTo>
-                  <a:pt x="437872" y="3226511"/>
-                  <a:pt x="416519" y="3269107"/>
-                  <a:pt x="405835" y="3269107"/>
-                </a:cubicBezTo>
-                <a:cubicBezTo>
-                  <a:pt x="405835" y="3279757"/>
-                  <a:pt x="405835" y="3301058"/>
-                  <a:pt x="405835" y="3311703"/>
-                </a:cubicBezTo>
-                <a:cubicBezTo>
-                  <a:pt x="395156" y="3322353"/>
-                  <a:pt x="416519" y="3396888"/>
-                  <a:pt x="416519" y="3396888"/>
-                </a:cubicBezTo>
-                <a:cubicBezTo>
-                  <a:pt x="416519" y="3482080"/>
-                  <a:pt x="416519" y="3482080"/>
-                  <a:pt x="416519" y="3482080"/>
-                </a:cubicBezTo>
-                <a:cubicBezTo>
-                  <a:pt x="448557" y="3514025"/>
-                  <a:pt x="448557" y="3514025"/>
-                  <a:pt x="448557" y="3514025"/>
-                </a:cubicBezTo>
-                <a:lnTo>
-                  <a:pt x="469915" y="3556621"/>
-                </a:lnTo>
-                <a:cubicBezTo>
-                  <a:pt x="469915" y="3567271"/>
-                  <a:pt x="566038" y="3631161"/>
-                  <a:pt x="630118" y="3620511"/>
-                </a:cubicBezTo>
-                <a:cubicBezTo>
-                  <a:pt x="630118" y="3620511"/>
-                  <a:pt x="704878" y="3631161"/>
-                  <a:pt x="715557" y="3620511"/>
-                </a:cubicBezTo>
-                <a:cubicBezTo>
-                  <a:pt x="726236" y="3620511"/>
-                  <a:pt x="726236" y="3567266"/>
-                  <a:pt x="715557" y="3556621"/>
-                </a:cubicBezTo>
-                <a:cubicBezTo>
-                  <a:pt x="694193" y="3556621"/>
-                  <a:pt x="694193" y="3545970"/>
-                  <a:pt x="694193" y="3545970"/>
-                </a:cubicBezTo>
-                <a:cubicBezTo>
-                  <a:pt x="694193" y="3545970"/>
-                  <a:pt x="704873" y="3492730"/>
-                  <a:pt x="694193" y="3492730"/>
-                </a:cubicBezTo>
-                <a:cubicBezTo>
-                  <a:pt x="683514" y="3492730"/>
-                  <a:pt x="662156" y="3450129"/>
-                  <a:pt x="651477" y="3450129"/>
-                </a:cubicBezTo>
-                <a:cubicBezTo>
-                  <a:pt x="651477" y="3439484"/>
-                  <a:pt x="619439" y="3396883"/>
-                  <a:pt x="630113" y="3396883"/>
-                </a:cubicBezTo>
-                <a:cubicBezTo>
-                  <a:pt x="630113" y="3386238"/>
-                  <a:pt x="672830" y="3279752"/>
-                  <a:pt x="662151" y="3269102"/>
-                </a:cubicBezTo>
-                <a:cubicBezTo>
-                  <a:pt x="662151" y="3258452"/>
-                  <a:pt x="651472" y="3205211"/>
-                  <a:pt x="640787" y="3205211"/>
-                </a:cubicBezTo>
-                <a:cubicBezTo>
-                  <a:pt x="630108" y="3205211"/>
-                  <a:pt x="587391" y="3109380"/>
-                  <a:pt x="587391" y="3109380"/>
-                </a:cubicBezTo>
-                <a:cubicBezTo>
-                  <a:pt x="587391" y="3098730"/>
-                  <a:pt x="608750" y="3034840"/>
-                  <a:pt x="608750" y="3034840"/>
-                </a:cubicBezTo>
-                <a:cubicBezTo>
-                  <a:pt x="608750" y="3034840"/>
-                  <a:pt x="619434" y="2981594"/>
-                  <a:pt x="608750" y="2981594"/>
-                </a:cubicBezTo>
-                <a:cubicBezTo>
-                  <a:pt x="598070" y="2981594"/>
-                  <a:pt x="576712" y="2938998"/>
-                  <a:pt x="576712" y="2928348"/>
-                </a:cubicBezTo>
-                <a:cubicBezTo>
-                  <a:pt x="576712" y="2917703"/>
-                  <a:pt x="619434" y="2747331"/>
-                  <a:pt x="619434" y="2747331"/>
-                </a:cubicBezTo>
-                <a:cubicBezTo>
-                  <a:pt x="619434" y="2747331"/>
-                  <a:pt x="704867" y="2736681"/>
-                  <a:pt x="715552" y="2736681"/>
-                </a:cubicBezTo>
-                <a:cubicBezTo>
-                  <a:pt x="726231" y="2736681"/>
-                  <a:pt x="736915" y="2715381"/>
-                  <a:pt x="747589" y="2715381"/>
-                </a:cubicBezTo>
-                <a:cubicBezTo>
-                  <a:pt x="768953" y="2715381"/>
-                  <a:pt x="768953" y="2768626"/>
-                  <a:pt x="768953" y="2779272"/>
-                </a:cubicBezTo>
-                <a:cubicBezTo>
-                  <a:pt x="768953" y="2789917"/>
-                  <a:pt x="790317" y="2875107"/>
-                  <a:pt x="800991" y="2885758"/>
-                </a:cubicBezTo>
-                <a:cubicBezTo>
-                  <a:pt x="800991" y="2885758"/>
-                  <a:pt x="822354" y="2992239"/>
-                  <a:pt x="822354" y="3002889"/>
-                </a:cubicBezTo>
-                <a:cubicBezTo>
-                  <a:pt x="822354" y="3024189"/>
-                  <a:pt x="854392" y="3098725"/>
-                  <a:pt x="854392" y="3109375"/>
-                </a:cubicBezTo>
-                <a:cubicBezTo>
-                  <a:pt x="854392" y="3120020"/>
-                  <a:pt x="875750" y="3194561"/>
-                  <a:pt x="886429" y="3205206"/>
-                </a:cubicBezTo>
-                <a:cubicBezTo>
-                  <a:pt x="897108" y="3215856"/>
-                  <a:pt x="929146" y="3269097"/>
-                  <a:pt x="929146" y="3290397"/>
-                </a:cubicBezTo>
-                <a:cubicBezTo>
-                  <a:pt x="929146" y="3322342"/>
-                  <a:pt x="971868" y="3375583"/>
-                  <a:pt x="961189" y="3386233"/>
-                </a:cubicBezTo>
-                <a:cubicBezTo>
-                  <a:pt x="961189" y="3396878"/>
-                  <a:pt x="971868" y="3450119"/>
-                  <a:pt x="971868" y="3450119"/>
-                </a:cubicBezTo>
-                <a:cubicBezTo>
-                  <a:pt x="971868" y="3460769"/>
-                  <a:pt x="993231" y="3460769"/>
-                  <a:pt x="993231" y="3460769"/>
-                </a:cubicBezTo>
-                <a:lnTo>
-                  <a:pt x="982547" y="3524660"/>
-                </a:lnTo>
-                <a:cubicBezTo>
-                  <a:pt x="982547" y="3535304"/>
-                  <a:pt x="1046627" y="3567255"/>
-                  <a:pt x="1142750" y="3556605"/>
-                </a:cubicBezTo>
-                <a:cubicBezTo>
-                  <a:pt x="1142750" y="3535304"/>
-                  <a:pt x="1142750" y="3535304"/>
-                  <a:pt x="1142750" y="3535304"/>
-                </a:cubicBezTo>
-                <a:cubicBezTo>
-                  <a:pt x="1142750" y="3535304"/>
-                  <a:pt x="1196151" y="3524660"/>
-                  <a:pt x="1217510" y="3545955"/>
-                </a:cubicBezTo>
-                <a:cubicBezTo>
-                  <a:pt x="1228194" y="3556605"/>
-                  <a:pt x="1324312" y="3577905"/>
-                  <a:pt x="1356350" y="3567255"/>
-                </a:cubicBezTo>
-                <a:cubicBezTo>
-                  <a:pt x="1388387" y="3567255"/>
-                  <a:pt x="1463152" y="3588550"/>
-                  <a:pt x="1591312" y="3514009"/>
-                </a:cubicBezTo>
-                <a:cubicBezTo>
-                  <a:pt x="1591312" y="3514009"/>
-                  <a:pt x="1580633" y="3482064"/>
-                  <a:pt x="1569954" y="3482064"/>
-                </a:cubicBezTo>
-                <a:cubicBezTo>
-                  <a:pt x="1559270" y="3482064"/>
-                  <a:pt x="1463152" y="3482064"/>
-                  <a:pt x="1441788" y="3471414"/>
-                </a:cubicBezTo>
-                <a:cubicBezTo>
-                  <a:pt x="1409751" y="3471414"/>
-                  <a:pt x="1345670" y="3418168"/>
-                  <a:pt x="1334986" y="3418168"/>
-                </a:cubicBezTo>
-                <a:cubicBezTo>
-                  <a:pt x="1334986" y="3418168"/>
-                  <a:pt x="1292269" y="3354277"/>
-                  <a:pt x="1281585" y="3364922"/>
-                </a:cubicBezTo>
-                <a:cubicBezTo>
-                  <a:pt x="1270906" y="3364922"/>
-                  <a:pt x="1238868" y="3269086"/>
-                  <a:pt x="1228189" y="3269086"/>
-                </a:cubicBezTo>
-                <a:cubicBezTo>
-                  <a:pt x="1217505" y="3269086"/>
-                  <a:pt x="1228189" y="3205196"/>
-                  <a:pt x="1217505" y="3205196"/>
-                </a:cubicBezTo>
-                <a:cubicBezTo>
-                  <a:pt x="1217505" y="3205196"/>
-                  <a:pt x="1164109" y="3194551"/>
-                  <a:pt x="1164109" y="3183900"/>
-                </a:cubicBezTo>
-                <a:cubicBezTo>
-                  <a:pt x="1153424" y="3173250"/>
-                  <a:pt x="1121387" y="3002879"/>
-                  <a:pt x="1121387" y="3002879"/>
-                </a:cubicBezTo>
-                <a:cubicBezTo>
-                  <a:pt x="1121387" y="3002879"/>
-                  <a:pt x="1153424" y="2960283"/>
-                  <a:pt x="1100023" y="2917693"/>
-                </a:cubicBezTo>
-                <a:cubicBezTo>
-                  <a:pt x="1100023" y="2917693"/>
-                  <a:pt x="1089344" y="2747321"/>
-                  <a:pt x="1078660" y="2736671"/>
-                </a:cubicBezTo>
-                <a:cubicBezTo>
-                  <a:pt x="1078660" y="2715371"/>
-                  <a:pt x="1078660" y="2619534"/>
-                  <a:pt x="1078660" y="2619534"/>
-                </a:cubicBezTo>
-                <a:lnTo>
-                  <a:pt x="1067981" y="2342671"/>
-                </a:lnTo>
-                <a:cubicBezTo>
-                  <a:pt x="1057301" y="2353321"/>
-                  <a:pt x="1035943" y="2310726"/>
-                  <a:pt x="1035943" y="2300076"/>
-                </a:cubicBezTo>
-                <a:cubicBezTo>
-                  <a:pt x="1035943" y="2300076"/>
-                  <a:pt x="1089344" y="2044513"/>
-                  <a:pt x="1078660" y="1991272"/>
-                </a:cubicBezTo>
-                <a:cubicBezTo>
-                  <a:pt x="1078660" y="1991272"/>
-                  <a:pt x="1132061" y="1895436"/>
-                  <a:pt x="1121382" y="1884786"/>
-                </a:cubicBezTo>
-                <a:cubicBezTo>
-                  <a:pt x="1121382" y="1874136"/>
-                  <a:pt x="1142745" y="1757005"/>
-                  <a:pt x="1142745" y="1757005"/>
-                </a:cubicBezTo>
-                <a:cubicBezTo>
-                  <a:pt x="1142745" y="1757005"/>
-                  <a:pt x="1110702" y="1650518"/>
-                  <a:pt x="1089344" y="1639873"/>
-                </a:cubicBezTo>
-                <a:cubicBezTo>
-                  <a:pt x="1078660" y="1629229"/>
-                  <a:pt x="1046622" y="1554682"/>
-                  <a:pt x="1057306" y="1533387"/>
-                </a:cubicBezTo>
-                <a:cubicBezTo>
-                  <a:pt x="1057306" y="1512087"/>
-                  <a:pt x="1057306" y="1458846"/>
-                  <a:pt x="1057306" y="1458846"/>
-                </a:cubicBezTo>
-                <a:cubicBezTo>
-                  <a:pt x="1046622" y="1299120"/>
-                  <a:pt x="1046622" y="1299120"/>
-                  <a:pt x="1046622" y="1299120"/>
-                </a:cubicBezTo>
-                <a:cubicBezTo>
-                  <a:pt x="1003905" y="1128743"/>
-                  <a:pt x="1003905" y="1128743"/>
-                  <a:pt x="1003905" y="1128743"/>
-                </a:cubicBezTo>
-                <a:cubicBezTo>
-                  <a:pt x="1003905" y="1128743"/>
-                  <a:pt x="1003905" y="798639"/>
-                  <a:pt x="993226" y="798639"/>
-                </a:cubicBezTo>
-                <a:cubicBezTo>
-                  <a:pt x="982542" y="798639"/>
-                  <a:pt x="961189" y="702803"/>
-                  <a:pt x="939825" y="702803"/>
-                </a:cubicBezTo>
-                <a:cubicBezTo>
-                  <a:pt x="918461" y="702803"/>
-                  <a:pt x="800985" y="606967"/>
-                  <a:pt x="800985" y="606967"/>
-                </a:cubicBezTo>
-                <a:cubicBezTo>
-                  <a:pt x="800985" y="606967"/>
-                  <a:pt x="768948" y="585667"/>
-                  <a:pt x="768948" y="575022"/>
-                </a:cubicBezTo>
-                <a:cubicBezTo>
-                  <a:pt x="768948" y="564377"/>
-                  <a:pt x="768948" y="511131"/>
-                  <a:pt x="768948" y="511131"/>
-                </a:cubicBezTo>
-                <a:cubicBezTo>
-                  <a:pt x="768948" y="511131"/>
-                  <a:pt x="822349" y="447240"/>
-                  <a:pt x="833028" y="415295"/>
-                </a:cubicBezTo>
-                <a:cubicBezTo>
-                  <a:pt x="843707" y="351404"/>
-                  <a:pt x="843707" y="351404"/>
-                  <a:pt x="843707" y="351404"/>
-                </a:cubicBezTo>
-                <a:cubicBezTo>
-                  <a:pt x="854392" y="319459"/>
-                  <a:pt x="854392" y="319459"/>
-                  <a:pt x="854392" y="319459"/>
-                </a:cubicBezTo>
-                <a:cubicBezTo>
-                  <a:pt x="854392" y="276863"/>
-                  <a:pt x="854392" y="276863"/>
-                  <a:pt x="854392" y="276863"/>
-                </a:cubicBezTo>
-                <a:cubicBezTo>
-                  <a:pt x="854392" y="244918"/>
-                  <a:pt x="854392" y="244918"/>
-                  <a:pt x="854392" y="244918"/>
-                </a:cubicBezTo>
-                <a:cubicBezTo>
-                  <a:pt x="854392" y="138432"/>
-                  <a:pt x="854392" y="138432"/>
-                  <a:pt x="854392" y="138432"/>
-                </a:cubicBezTo>
-                <a:cubicBezTo>
-                  <a:pt x="854392" y="138432"/>
-                  <a:pt x="843707" y="95836"/>
-                  <a:pt x="833028" y="85186"/>
-                </a:cubicBezTo>
-                <a:cubicBezTo>
-                  <a:pt x="811665" y="74536"/>
-                  <a:pt x="726226" y="0"/>
-                  <a:pt x="694188" y="10645"/>
-                </a:cubicBezTo>
-                <a:cubicBezTo>
-                  <a:pt x="672825" y="21290"/>
-                  <a:pt x="619429" y="21290"/>
-                  <a:pt x="619429" y="31940"/>
-                </a:cubicBezTo>
-                <a:cubicBezTo>
-                  <a:pt x="619429" y="42590"/>
-                  <a:pt x="523306" y="63886"/>
-                  <a:pt x="523306" y="85186"/>
-                </a:cubicBezTo>
-                <a:cubicBezTo>
-                  <a:pt x="523306" y="117131"/>
-                  <a:pt x="491268" y="181022"/>
-                  <a:pt x="491268" y="191672"/>
-                </a:cubicBezTo>
-                <a:cubicBezTo>
-                  <a:pt x="491268" y="212967"/>
-                  <a:pt x="491268" y="244913"/>
-                  <a:pt x="491268" y="244913"/>
-                </a:cubicBezTo>
-                <a:cubicBezTo>
-                  <a:pt x="501953" y="255558"/>
-                  <a:pt x="501953" y="255558"/>
-                  <a:pt x="501953" y="255558"/>
-                </a:cubicBezTo>
-                <a:cubicBezTo>
-                  <a:pt x="501953" y="255558"/>
-                  <a:pt x="480589" y="308803"/>
-                  <a:pt x="501953" y="340749"/>
-                </a:cubicBezTo>
-                <a:cubicBezTo>
-                  <a:pt x="523311" y="372694"/>
-                  <a:pt x="523311" y="372694"/>
-                  <a:pt x="523311" y="372694"/>
-                </a:cubicBezTo>
-                <a:cubicBezTo>
-                  <a:pt x="523311" y="415290"/>
-                  <a:pt x="523311" y="415290"/>
-                  <a:pt x="523311" y="415290"/>
-                </a:cubicBezTo>
-                <a:cubicBezTo>
-                  <a:pt x="523311" y="415290"/>
-                  <a:pt x="523311" y="447235"/>
-                  <a:pt x="533995" y="447235"/>
-                </a:cubicBezTo>
-                <a:cubicBezTo>
-                  <a:pt x="533995" y="447235"/>
-                  <a:pt x="533995" y="457885"/>
-                  <a:pt x="533995" y="468535"/>
-                </a:cubicBezTo>
-                <a:cubicBezTo>
-                  <a:pt x="533995" y="479180"/>
-                  <a:pt x="533995" y="489830"/>
-                  <a:pt x="533995" y="500481"/>
-                </a:cubicBezTo>
-                <a:cubicBezTo>
-                  <a:pt x="533995" y="511131"/>
-                  <a:pt x="480594" y="511131"/>
-                  <a:pt x="480594" y="543076"/>
-                </a:cubicBezTo>
-                <a:cubicBezTo>
-                  <a:pt x="480594" y="564377"/>
-                  <a:pt x="448557" y="575022"/>
-                  <a:pt x="448557" y="575022"/>
-                </a:cubicBezTo>
-                <a:cubicBezTo>
-                  <a:pt x="352439" y="628262"/>
-                  <a:pt x="352439" y="628262"/>
-                  <a:pt x="352439" y="628262"/>
-                </a:cubicBezTo>
-                <a:cubicBezTo>
-                  <a:pt x="288353" y="681508"/>
-                  <a:pt x="288353" y="681508"/>
-                  <a:pt x="288353" y="681508"/>
-                </a:cubicBezTo>
-                <a:cubicBezTo>
-                  <a:pt x="288353" y="681508"/>
-                  <a:pt x="202915" y="734753"/>
-                  <a:pt x="202915" y="756049"/>
-                </a:cubicBezTo>
-                <a:cubicBezTo>
-                  <a:pt x="202915" y="777344"/>
-                  <a:pt x="181556" y="851885"/>
-                  <a:pt x="181556" y="862535"/>
-                </a:cubicBezTo>
-                <a:cubicBezTo>
-                  <a:pt x="181556" y="883835"/>
-                  <a:pt x="170872" y="915781"/>
-                  <a:pt x="181556" y="937076"/>
-                </a:cubicBezTo>
-                <a:cubicBezTo>
-                  <a:pt x="181556" y="958371"/>
-                  <a:pt x="170872" y="990321"/>
-                  <a:pt x="170872" y="1011617"/>
-                </a:cubicBezTo>
-                <a:cubicBezTo>
-                  <a:pt x="181556" y="1022267"/>
-                  <a:pt x="192236" y="1086152"/>
-                  <a:pt x="192236" y="1086152"/>
-                </a:cubicBezTo>
-                <a:cubicBezTo>
-                  <a:pt x="192236" y="1086152"/>
-                  <a:pt x="181556" y="1245884"/>
-                  <a:pt x="181556" y="1267179"/>
-                </a:cubicBezTo>
-                <a:cubicBezTo>
-                  <a:pt x="192236" y="1288475"/>
-                  <a:pt x="213594" y="1309775"/>
-                  <a:pt x="202915" y="1320420"/>
-                </a:cubicBezTo>
-                <a:cubicBezTo>
-                  <a:pt x="202915" y="1331070"/>
-                  <a:pt x="192236" y="1384311"/>
-                  <a:pt x="192236" y="1384311"/>
-                </a:cubicBezTo>
-                <a:cubicBezTo>
-                  <a:pt x="192236" y="1394961"/>
-                  <a:pt x="213599" y="1458846"/>
-                  <a:pt x="213599" y="1458846"/>
-                </a:cubicBezTo>
-                <a:cubicBezTo>
-                  <a:pt x="213599" y="1607928"/>
-                  <a:pt x="213599" y="1607928"/>
-                  <a:pt x="213599" y="1607928"/>
-                </a:cubicBezTo>
-                <a:cubicBezTo>
-                  <a:pt x="213599" y="1607928"/>
-                  <a:pt x="256316" y="1788950"/>
-                  <a:pt x="256316" y="1831546"/>
-                </a:cubicBezTo>
-                <a:cubicBezTo>
-                  <a:pt x="256316" y="1863496"/>
-                  <a:pt x="288353" y="1969977"/>
-                  <a:pt x="288353" y="1969977"/>
-                </a:cubicBezTo>
-                <a:cubicBezTo>
-                  <a:pt x="288353" y="1969977"/>
-                  <a:pt x="277674" y="1991277"/>
-                  <a:pt x="277674" y="2001928"/>
-                </a:cubicBezTo>
-                <a:lnTo>
-                  <a:pt x="299038" y="2012573"/>
-                </a:lnTo>
-                <a:cubicBezTo>
-                  <a:pt x="309717" y="2055173"/>
-                  <a:pt x="309717" y="2055173"/>
-                  <a:pt x="309717" y="2055173"/>
-                </a:cubicBezTo>
-                <a:cubicBezTo>
-                  <a:pt x="309717" y="2055173"/>
-                  <a:pt x="266995" y="2087119"/>
-                  <a:pt x="266995" y="2097764"/>
-                </a:cubicBezTo>
-                <a:lnTo>
-                  <a:pt x="234957" y="2108414"/>
-                </a:lnTo>
-                <a:cubicBezTo>
-                  <a:pt x="192241" y="2108414"/>
-                  <a:pt x="192241" y="2108414"/>
-                  <a:pt x="192241" y="2108414"/>
-                </a:cubicBezTo>
-                <a:cubicBezTo>
-                  <a:pt x="32037" y="2108414"/>
-                  <a:pt x="32037" y="2108414"/>
-                  <a:pt x="32037" y="2108414"/>
-                </a:cubicBezTo>
-                <a:cubicBezTo>
-                  <a:pt x="32037" y="2108414"/>
-                  <a:pt x="10679" y="2353332"/>
-                  <a:pt x="21358" y="2385277"/>
-                </a:cubicBezTo>
-                <a:cubicBezTo>
-                  <a:pt x="32037" y="2417228"/>
-                  <a:pt x="21358" y="2417228"/>
-                  <a:pt x="21358" y="2417228"/>
-                </a:cubicBezTo>
-                <a:cubicBezTo>
-                  <a:pt x="21358" y="2417228"/>
-                  <a:pt x="0" y="2651490"/>
-                  <a:pt x="10679" y="2672790"/>
-                </a:cubicBezTo>
-                <a:lnTo>
-                  <a:pt x="10679" y="2672790"/>
-                </a:lnTo>
-                <a:close/>
-                <a:moveTo>
-                  <a:pt x="747600" y="1469512"/>
-                </a:moveTo>
-                <a:cubicBezTo>
-                  <a:pt x="747600" y="926441"/>
-                  <a:pt x="576717" y="670873"/>
-                  <a:pt x="576717" y="670873"/>
-                </a:cubicBezTo>
-                <a:cubicBezTo>
-                  <a:pt x="534001" y="575037"/>
-                  <a:pt x="534001" y="575037"/>
-                  <a:pt x="534001" y="575037"/>
-                </a:cubicBezTo>
-                <a:cubicBezTo>
-                  <a:pt x="651482" y="702819"/>
-                  <a:pt x="651482" y="702819"/>
-                  <a:pt x="651482" y="702819"/>
-                </a:cubicBezTo>
-                <a:cubicBezTo>
-                  <a:pt x="683520" y="766704"/>
-                  <a:pt x="736921" y="724114"/>
-                  <a:pt x="736921" y="724114"/>
-                </a:cubicBezTo>
-                <a:cubicBezTo>
-                  <a:pt x="736921" y="724114"/>
-                  <a:pt x="736921" y="724114"/>
-                  <a:pt x="833038" y="915786"/>
-                </a:cubicBezTo>
-                <a:cubicBezTo>
-                  <a:pt x="918477" y="1118108"/>
-                  <a:pt x="1025279" y="1757015"/>
-                  <a:pt x="1025279" y="1757015"/>
-                </a:cubicBezTo>
-                <a:cubicBezTo>
-                  <a:pt x="982557" y="1767665"/>
-                  <a:pt x="982557" y="1767665"/>
-                  <a:pt x="982557" y="1767665"/>
-                </a:cubicBezTo>
-                <a:cubicBezTo>
-                  <a:pt x="982557" y="1767665"/>
-                  <a:pt x="971878" y="1842201"/>
-                  <a:pt x="982557" y="1735715"/>
-                </a:cubicBezTo>
-                <a:cubicBezTo>
-                  <a:pt x="993242" y="1629234"/>
-                  <a:pt x="758279" y="883840"/>
-                  <a:pt x="779637" y="873190"/>
-                </a:cubicBezTo>
-                <a:cubicBezTo>
-                  <a:pt x="801001" y="873190"/>
-                  <a:pt x="758279" y="788004"/>
-                  <a:pt x="758279" y="788004"/>
-                </a:cubicBezTo>
-                <a:cubicBezTo>
-                  <a:pt x="694193" y="777354"/>
-                  <a:pt x="694193" y="777354"/>
-                  <a:pt x="694193" y="777354"/>
-                </a:cubicBezTo>
-                <a:cubicBezTo>
-                  <a:pt x="694193" y="777354"/>
-                  <a:pt x="619434" y="766704"/>
-                  <a:pt x="715557" y="873190"/>
-                </a:cubicBezTo>
-                <a:cubicBezTo>
-                  <a:pt x="811675" y="990321"/>
-                  <a:pt x="833038" y="1820901"/>
-                  <a:pt x="833038" y="1820901"/>
-                </a:cubicBezTo>
-                <a:cubicBezTo>
-                  <a:pt x="534001" y="1820901"/>
-                  <a:pt x="534001" y="1820901"/>
-                  <a:pt x="534001" y="1820901"/>
-                </a:cubicBezTo>
-                <a:cubicBezTo>
-                  <a:pt x="534001" y="1820901"/>
-                  <a:pt x="768963" y="1597294"/>
-                  <a:pt x="747600" y="1469512"/>
-                </a:cubicBezTo>
-                <a:lnTo>
-                  <a:pt x="747600" y="1469512"/>
-                </a:lnTo>
-                <a:close/>
-              </a:path>
-            </a:pathLst>
-          </a:custGeom>
-          <a:solidFill>
-            <a:srgbClr val="A3ADD2"/>
-          </a:solidFill>
-        </p:spPr>
-        <p:txBody>
-          <a:bodyPr lIns="133945" rIns="133945" rtlCol="0" anchor="ctr"/>
-          <a:lstStyle/>
-          <a:p>
-            <a:pPr algn="l"/>
-            <a:endParaRPr lang="en-US" sz="1160"/>
-          </a:p>
-        </p:txBody>
-      </p:sp>
-      <p:sp>
-        <p:nvSpPr>
-          <p:cNvPr id="48" name="TextBox 12"/>
-          <p:cNvSpPr txBox="1"/>
-          <p:nvPr/>
-        </p:nvSpPr>
-        <p:spPr>
-          <a:xfrm>
-            <a:off x="1340942" y="1946817"/>
-            <a:ext cx="2705695" cy="211789"/>
-          </a:xfrm>
-          <a:prstGeom prst="rect">
-            <a:avLst/>
-          </a:prstGeom>
-        </p:spPr>
-        <p:txBody>
-          <a:bodyPr lIns="0" tIns="0" rIns="0" bIns="0" rtlCol="0" anchor="ctr">
-            <a:spAutoFit/>
-          </a:bodyPr>
-          <a:lstStyle/>
-          <a:p>
-            <a:pPr algn="l" latinLnBrk="1">
-              <a:lnSpc>
-                <a:spcPct val="116199"/>
-              </a:lnSpc>
-            </a:pPr>
-            <a:r>
-              <a:rPr lang="en-US" sz="1266" b="1">
-                <a:solidFill>
-                  <a:srgbClr val="757575"/>
-                </a:solidFill>
-                <a:latin typeface="Microsoft YaHei"/>
-                <a:ea typeface="Microsoft YaHei"/>
-              </a:rPr>
-              <a:t>负责教授</a:t>
-            </a:r>
-            <a:r>
-              <a:rPr lang="en-US" sz="1266">
-                <a:solidFill>
-                  <a:srgbClr val="757575"/>
-                </a:solidFill>
-                <a:latin typeface="Microsoft YaHei"/>
-                <a:ea typeface="Microsoft YaHei"/>
-              </a:rPr>
-              <a:t>：卢力平、姜军</a:t>
-            </a:r>
-            <a:endParaRPr lang="en-US" sz="1160"/>
-          </a:p>
-        </p:txBody>
-      </p:sp>
-    </p:spTree>
-    <p:extLst>
-      <p:ext uri="{BB962C8B-B14F-4D97-AF65-F5344CB8AC3E}">
-        <p14:creationId xmlns:p14="http://schemas.microsoft.com/office/powerpoint/2010/main" val="1697375666"/>
-      </p:ext>
-    </p:extLst>
-  </p:cSld>
-  <p:clrMapOvr>
-    <a:masterClrMapping/>
-  </p:clrMapOvr>
-  <p:transition spd="med">
-    <p:fade/>
-  </p:transition>
-  <p:timing>
-    <p:tnLst>
-      <p:par>
-        <p:cTn id="1" dur="indefinite" restart="never" nodeType="tmRoot">
-          <p:childTnLst>
-            <p:seq concurrent="1" nextAc="seek">
-              <p:cTn id="2" dur="indefinite" nodeType="mainSeq">
-                <p:childTnLst>
-                  <p:par>
-                    <p:cTn id="3" fill="hold">
-                      <p:stCondLst>
-                        <p:cond delay="indefinite"/>
-                        <p:cond evt="onBegin" delay="0">
-                          <p:tn val="2"/>
-                        </p:cond>
-                      </p:stCondLst>
-                      <p:childTnLst>
-                        <p:par>
-                          <p:cTn id="4" fill="hold">
-                            <p:stCondLst>
-                              <p:cond delay="0"/>
-                            </p:stCondLst>
-                            <p:childTnLst>
-                              <p:par>
-                                <p:cTn id="5" presetID="10" presetClass="entr" presetSubtype="0" fill="hold" grpId="0" nodeType="withEffect">
-                                  <p:stCondLst>
-                                    <p:cond delay="0"/>
-                                  </p:stCondLst>
-                                  <p:childTnLst>
-                                    <p:set>
-                                      <p:cBhvr>
-                                        <p:cTn id="6" dur="1" fill="hold">
-                                          <p:stCondLst>
-                                            <p:cond delay="0"/>
-                                          </p:stCondLst>
-                                        </p:cTn>
-                                        <p:tgtEl>
-                                          <p:spTgt spid="37"/>
-                                        </p:tgtEl>
-                                        <p:attrNameLst>
-                                          <p:attrName>style.visibility</p:attrName>
-                                        </p:attrNameLst>
-                                      </p:cBhvr>
-                                      <p:to>
-                                        <p:strVal val="visible"/>
-                                      </p:to>
-                                    </p:set>
-                                    <p:animEffect transition="in" filter="fade">
-                                      <p:cBhvr>
-                                        <p:cTn id="7" dur="1000"/>
-                                        <p:tgtEl>
-                                          <p:spTgt spid="37"/>
-                                        </p:tgtEl>
-                                      </p:cBhvr>
-                                    </p:animEffect>
-                                  </p:childTnLst>
-                                </p:cTn>
-                              </p:par>
-                              <p:par>
-                                <p:cTn id="8" presetID="10" presetClass="entr" presetSubtype="0" fill="hold" grpId="0" nodeType="withEffect">
-                                  <p:stCondLst>
-                                    <p:cond delay="0"/>
-                                  </p:stCondLst>
-                                  <p:childTnLst>
-                                    <p:set>
-                                      <p:cBhvr>
-                                        <p:cTn id="9" dur="1" fill="hold">
-                                          <p:stCondLst>
-                                            <p:cond delay="0"/>
-                                          </p:stCondLst>
-                                        </p:cTn>
-                                        <p:tgtEl>
-                                          <p:spTgt spid="38"/>
-                                        </p:tgtEl>
-                                        <p:attrNameLst>
-                                          <p:attrName>style.visibility</p:attrName>
-                                        </p:attrNameLst>
-                                      </p:cBhvr>
-                                      <p:to>
-                                        <p:strVal val="visible"/>
-                                      </p:to>
-                                    </p:set>
-                                    <p:animEffect transition="in" filter="fade">
-                                      <p:cBhvr>
-                                        <p:cTn id="10" dur="1000"/>
-                                        <p:tgtEl>
-                                          <p:spTgt spid="38"/>
-                                        </p:tgtEl>
-                                      </p:cBhvr>
-                                    </p:animEffect>
-                                  </p:childTnLst>
-                                </p:cTn>
-                              </p:par>
-                              <p:par>
-                                <p:cTn id="11" presetID="10" presetClass="entr" presetSubtype="0" fill="hold" grpId="0" nodeType="withEffect">
-                                  <p:stCondLst>
-                                    <p:cond delay="0"/>
-                                  </p:stCondLst>
-                                  <p:childTnLst>
-                                    <p:set>
-                                      <p:cBhvr>
-                                        <p:cTn id="12" dur="1" fill="hold">
-                                          <p:stCondLst>
-                                            <p:cond delay="0"/>
-                                          </p:stCondLst>
-                                        </p:cTn>
-                                        <p:tgtEl>
-                                          <p:spTgt spid="39"/>
-                                        </p:tgtEl>
-                                        <p:attrNameLst>
-                                          <p:attrName>style.visibility</p:attrName>
-                                        </p:attrNameLst>
-                                      </p:cBhvr>
-                                      <p:to>
-                                        <p:strVal val="visible"/>
-                                      </p:to>
-                                    </p:set>
-                                    <p:animEffect transition="in" filter="fade">
-                                      <p:cBhvr>
-                                        <p:cTn id="13" dur="1000"/>
-                                        <p:tgtEl>
-                                          <p:spTgt spid="39"/>
-                                        </p:tgtEl>
-                                      </p:cBhvr>
-                                    </p:animEffect>
-                                  </p:childTnLst>
-                                </p:cTn>
-                              </p:par>
-                              <p:par>
-                                <p:cTn id="14" presetID="10" presetClass="entr" presetSubtype="0" fill="hold" grpId="0" nodeType="withEffect">
-                                  <p:stCondLst>
-                                    <p:cond delay="0"/>
-                                  </p:stCondLst>
-                                  <p:childTnLst>
-                                    <p:set>
-                                      <p:cBhvr>
-                                        <p:cTn id="15" dur="1" fill="hold">
-                                          <p:stCondLst>
-                                            <p:cond delay="0"/>
-                                          </p:stCondLst>
-                                        </p:cTn>
-                                        <p:tgtEl>
-                                          <p:spTgt spid="40"/>
-                                        </p:tgtEl>
-                                        <p:attrNameLst>
-                                          <p:attrName>style.visibility</p:attrName>
-                                        </p:attrNameLst>
-                                      </p:cBhvr>
-                                      <p:to>
-                                        <p:strVal val="visible"/>
-                                      </p:to>
-                                    </p:set>
-                                    <p:animEffect transition="in" filter="fade">
-                                      <p:cBhvr>
-                                        <p:cTn id="16" dur="1000"/>
-                                        <p:tgtEl>
-                                          <p:spTgt spid="40"/>
-                                        </p:tgtEl>
-                                      </p:cBhvr>
-                                    </p:animEffect>
-                                  </p:childTnLst>
-                                </p:cTn>
-                              </p:par>
-                              <p:par>
-                                <p:cTn id="17" presetID="10" presetClass="entr" presetSubtype="0" fill="hold" grpId="0" nodeType="withEffect">
-                                  <p:stCondLst>
-                                    <p:cond delay="0"/>
-                                  </p:stCondLst>
-                                  <p:childTnLst>
-                                    <p:set>
-                                      <p:cBhvr>
-                                        <p:cTn id="18" dur="1" fill="hold">
-                                          <p:stCondLst>
-                                            <p:cond delay="0"/>
-                                          </p:stCondLst>
-                                        </p:cTn>
-                                        <p:tgtEl>
-                                          <p:spTgt spid="41"/>
-                                        </p:tgtEl>
-                                        <p:attrNameLst>
-                                          <p:attrName>style.visibility</p:attrName>
-                                        </p:attrNameLst>
-                                      </p:cBhvr>
-                                      <p:to>
-                                        <p:strVal val="visible"/>
-                                      </p:to>
-                                    </p:set>
-                                    <p:animEffect transition="in" filter="fade">
-                                      <p:cBhvr>
-                                        <p:cTn id="19" dur="1000"/>
-                                        <p:tgtEl>
-                                          <p:spTgt spid="41"/>
-                                        </p:tgtEl>
-                                      </p:cBhvr>
-                                    </p:animEffect>
-                                  </p:childTnLst>
-                                </p:cTn>
-                              </p:par>
-                              <p:par>
-                                <p:cTn id="20" presetID="10" presetClass="entr" presetSubtype="0" fill="hold" grpId="0" nodeType="withEffect">
-                                  <p:stCondLst>
-                                    <p:cond delay="0"/>
-                                  </p:stCondLst>
-                                  <p:childTnLst>
-                                    <p:set>
-                                      <p:cBhvr>
-                                        <p:cTn id="21" dur="1" fill="hold">
-                                          <p:stCondLst>
-                                            <p:cond delay="0"/>
-                                          </p:stCondLst>
-                                        </p:cTn>
-                                        <p:tgtEl>
-                                          <p:spTgt spid="42"/>
-                                        </p:tgtEl>
-                                        <p:attrNameLst>
-                                          <p:attrName>style.visibility</p:attrName>
-                                        </p:attrNameLst>
-                                      </p:cBhvr>
-                                      <p:to>
-                                        <p:strVal val="visible"/>
-                                      </p:to>
-                                    </p:set>
-                                    <p:animEffect transition="in" filter="fade">
-                                      <p:cBhvr>
-                                        <p:cTn id="22" dur="1000"/>
-                                        <p:tgtEl>
-                                          <p:spTgt spid="42"/>
-                                        </p:tgtEl>
-                                      </p:cBhvr>
-                                    </p:animEffect>
-                                  </p:childTnLst>
-                                </p:cTn>
-                              </p:par>
-                              <p:par>
-                                <p:cTn id="23" presetID="10" presetClass="entr" presetSubtype="0" fill="hold" grpId="0" nodeType="withEffect">
-                                  <p:stCondLst>
-                                    <p:cond delay="0"/>
-                                  </p:stCondLst>
-                                  <p:childTnLst>
-                                    <p:set>
-                                      <p:cBhvr>
-                                        <p:cTn id="24" dur="1" fill="hold">
-                                          <p:stCondLst>
-                                            <p:cond delay="0"/>
-                                          </p:stCondLst>
-                                        </p:cTn>
-                                        <p:tgtEl>
-                                          <p:spTgt spid="44"/>
-                                        </p:tgtEl>
-                                        <p:attrNameLst>
-                                          <p:attrName>style.visibility</p:attrName>
-                                        </p:attrNameLst>
-                                      </p:cBhvr>
-                                      <p:to>
-                                        <p:strVal val="visible"/>
-                                      </p:to>
-                                    </p:set>
-                                    <p:animEffect transition="in" filter="fade">
-                                      <p:cBhvr>
-                                        <p:cTn id="25" dur="1000"/>
-                                        <p:tgtEl>
-                                          <p:spTgt spid="44"/>
-                                        </p:tgtEl>
-                                      </p:cBhvr>
-                                    </p:animEffect>
-                                  </p:childTnLst>
-                                </p:cTn>
-                              </p:par>
-                              <p:par>
-                                <p:cTn id="26" presetID="10" presetClass="entr" presetSubtype="0" fill="hold" grpId="0" nodeType="withEffect">
-                                  <p:stCondLst>
-                                    <p:cond delay="0"/>
-                                  </p:stCondLst>
-                                  <p:childTnLst>
-                                    <p:set>
-                                      <p:cBhvr>
-                                        <p:cTn id="27" dur="1" fill="hold">
-                                          <p:stCondLst>
-                                            <p:cond delay="0"/>
-                                          </p:stCondLst>
-                                        </p:cTn>
-                                        <p:tgtEl>
-                                          <p:spTgt spid="45"/>
-                                        </p:tgtEl>
-                                        <p:attrNameLst>
-                                          <p:attrName>style.visibility</p:attrName>
-                                        </p:attrNameLst>
-                                      </p:cBhvr>
-                                      <p:to>
-                                        <p:strVal val="visible"/>
-                                      </p:to>
-                                    </p:set>
-                                    <p:animEffect transition="in" filter="fade">
-                                      <p:cBhvr>
-                                        <p:cTn id="28" dur="1000"/>
-                                        <p:tgtEl>
-                                          <p:spTgt spid="45"/>
-                                        </p:tgtEl>
-                                      </p:cBhvr>
-                                    </p:animEffect>
-                                  </p:childTnLst>
-                                </p:cTn>
-                              </p:par>
-                              <p:par>
-                                <p:cTn id="29" presetID="10" presetClass="entr" presetSubtype="0" fill="hold" grpId="0" nodeType="withEffect">
-                                  <p:stCondLst>
-                                    <p:cond delay="0"/>
-                                  </p:stCondLst>
-                                  <p:childTnLst>
-                                    <p:set>
-                                      <p:cBhvr>
-                                        <p:cTn id="30" dur="1" fill="hold">
-                                          <p:stCondLst>
-                                            <p:cond delay="0"/>
-                                          </p:stCondLst>
-                                        </p:cTn>
-                                        <p:tgtEl>
-                                          <p:spTgt spid="46"/>
-                                        </p:tgtEl>
-                                        <p:attrNameLst>
-                                          <p:attrName>style.visibility</p:attrName>
-                                        </p:attrNameLst>
-                                      </p:cBhvr>
-                                      <p:to>
-                                        <p:strVal val="visible"/>
-                                      </p:to>
-                                    </p:set>
-                                    <p:animEffect transition="in" filter="fade">
-                                      <p:cBhvr>
-                                        <p:cTn id="31" dur="1000"/>
-                                        <p:tgtEl>
-                                          <p:spTgt spid="46"/>
-                                        </p:tgtEl>
-                                      </p:cBhvr>
-                                    </p:animEffect>
-                                  </p:childTnLst>
-                                </p:cTn>
-                              </p:par>
-                              <p:par>
-                                <p:cTn id="32" presetID="10" presetClass="entr" presetSubtype="0" fill="hold" grpId="0" nodeType="withEffect">
-                                  <p:stCondLst>
-                                    <p:cond delay="0"/>
-                                  </p:stCondLst>
-                                  <p:childTnLst>
-                                    <p:set>
-                                      <p:cBhvr>
-                                        <p:cTn id="33" dur="1" fill="hold">
-                                          <p:stCondLst>
-                                            <p:cond delay="0"/>
-                                          </p:stCondLst>
-                                        </p:cTn>
-                                        <p:tgtEl>
-                                          <p:spTgt spid="47"/>
-                                        </p:tgtEl>
-                                        <p:attrNameLst>
-                                          <p:attrName>style.visibility</p:attrName>
-                                        </p:attrNameLst>
-                                      </p:cBhvr>
-                                      <p:to>
-                                        <p:strVal val="visible"/>
-                                      </p:to>
-                                    </p:set>
-                                    <p:animEffect transition="in" filter="fade">
-                                      <p:cBhvr>
-                                        <p:cTn id="34" dur="1000"/>
-                                        <p:tgtEl>
-                                          <p:spTgt spid="47"/>
-                                        </p:tgtEl>
-                                      </p:cBhvr>
-                                    </p:animEffect>
-                                  </p:childTnLst>
-                                </p:cTn>
-                              </p:par>
-                              <p:par>
-                                <p:cTn id="35" presetID="10" presetClass="entr" presetSubtype="0" fill="hold" grpId="0" nodeType="withEffect">
-                                  <p:stCondLst>
-                                    <p:cond delay="0"/>
-                                  </p:stCondLst>
-                                  <p:childTnLst>
-                                    <p:set>
-                                      <p:cBhvr>
-                                        <p:cTn id="36" dur="1" fill="hold">
-                                          <p:stCondLst>
-                                            <p:cond delay="0"/>
-                                          </p:stCondLst>
-                                        </p:cTn>
-                                        <p:tgtEl>
-                                          <p:spTgt spid="48"/>
-                                        </p:tgtEl>
-                                        <p:attrNameLst>
-                                          <p:attrName>style.visibility</p:attrName>
-                                        </p:attrNameLst>
-                                      </p:cBhvr>
-                                      <p:to>
-                                        <p:strVal val="visible"/>
-                                      </p:to>
-                                    </p:set>
-                                    <p:animEffect transition="in" filter="fade">
-                                      <p:cBhvr>
-                                        <p:cTn id="37" dur="1000"/>
-                                        <p:tgtEl>
-                                          <p:spTgt spid="48"/>
-                                        </p:tgtEl>
-                                      </p:cBhvr>
-                                    </p:animEffect>
-                                  </p:childTnLst>
-                                </p:cTn>
-                              </p:par>
-                            </p:childTnLst>
-                          </p:cTn>
-                        </p:par>
-                      </p:childTnLst>
-                    </p:cTn>
-                  </p:par>
-                </p:childTnLst>
-              </p:cTn>
-              <p:prevCondLst>
-                <p:cond evt="onPrev" delay="0">
-                  <p:tgtEl>
-                    <p:sldTgt/>
-                  </p:tgtEl>
-                </p:cond>
-              </p:prevCondLst>
-              <p:nextCondLst>
-                <p:cond evt="onNext" delay="0">
-                  <p:tgtEl>
-                    <p:sldTgt/>
-                  </p:tgtEl>
-                </p:cond>
-              </p:nextCondLst>
-            </p:seq>
-          </p:childTnLst>
-        </p:cTn>
-      </p:par>
-    </p:tnLst>
-    <p:bldLst>
-      <p:bldP spid="37" grpId="0" animBg="1"/>
-      <p:bldP spid="38" grpId="0" animBg="1"/>
-      <p:bldP spid="39" grpId="0" animBg="1"/>
-      <p:bldP spid="40" grpId="0" animBg="1"/>
-      <p:bldP spid="41" grpId="0" animBg="1"/>
-      <p:bldP spid="42" grpId="0" animBg="1"/>
-      <p:bldP spid="44" grpId="0" animBg="1"/>
-      <p:bldP spid="45" grpId="0" animBg="1"/>
-      <p:bldP spid="46" grpId="0" animBg="1"/>
-      <p:bldP spid="47" grpId="0" animBg="1"/>
-      <p:bldP spid="48" grpId="0" animBg="1"/>
-    </p:bldLst>
-  </p:timing>
-</p:sld>
-</file>
-
-<file path=ppt/slides/slide5.xml><?xml version="1.0" encoding="utf-8"?>
-<p:sld xmlns:a="http://schemas.openxmlformats.org/drawingml/2006/main" xmlns:r="http://schemas.openxmlformats.org/officeDocument/2006/relationships" xmlns:p="http://schemas.openxmlformats.org/presentationml/2006/main">
-  <p:cSld>
-    <p:spTree>
-      <p:nvGrpSpPr>
-        <p:cNvPr id="1" name=""/>
-        <p:cNvGrpSpPr/>
-        <p:nvPr/>
-      </p:nvGrpSpPr>
-      <p:grpSpPr>
-        <a:xfrm>
-          <a:off x="0" y="0"/>
-          <a:ext cx="0" cy="0"/>
-          <a:chOff x="0" y="0"/>
-          <a:chExt cx="0" cy="0"/>
-        </a:xfrm>
-      </p:grpSpPr>
-      <p:sp>
-        <p:nvSpPr>
-          <p:cNvPr id="37" name="Freeform 1"/>
-          <p:cNvSpPr/>
-          <p:nvPr/>
-        </p:nvSpPr>
-        <p:spPr>
-          <a:xfrm>
-            <a:off x="1113247" y="1366310"/>
-            <a:ext cx="4488310" cy="4488187"/>
-          </a:xfrm>
-          <a:custGeom>
-            <a:avLst/>
-            <a:gdLst/>
-            <a:ahLst/>
-            <a:cxnLst/>
-            <a:rect l="l" t="t" r="r" b="b"/>
-            <a:pathLst>
-              <a:path w="4255583" h="4255466">
-                <a:moveTo>
-                  <a:pt x="708222" y="0"/>
-                </a:moveTo>
-                <a:lnTo>
-                  <a:pt x="4255583" y="0"/>
-                </a:lnTo>
-                <a:lnTo>
-                  <a:pt x="4255583" y="3546229"/>
-                </a:lnTo>
-                <a:cubicBezTo>
-                  <a:pt x="4255583" y="3937925"/>
-                  <a:pt x="3938451" y="4255466"/>
-                  <a:pt x="3547329" y="4255466"/>
-                </a:cubicBezTo>
-                <a:lnTo>
-                  <a:pt x="0" y="4255466"/>
-                </a:lnTo>
-                <a:lnTo>
-                  <a:pt x="0" y="709248"/>
-                </a:lnTo>
-                <a:cubicBezTo>
-                  <a:pt x="0" y="317542"/>
-                  <a:pt x="317079" y="0"/>
-                  <a:pt x="708222" y="0"/>
-                </a:cubicBezTo>
-                <a:lnTo>
-                  <a:pt x="708222" y="0"/>
-                </a:lnTo>
-                <a:close/>
-              </a:path>
-            </a:pathLst>
-          </a:custGeom>
-          <a:solidFill>
-            <a:srgbClr val="FCF0F2"/>
-          </a:solidFill>
-        </p:spPr>
-        <p:txBody>
-          <a:bodyPr lIns="133945" rIns="133945" rtlCol="0" anchor="ctr"/>
-          <a:lstStyle/>
-          <a:p>
-            <a:pPr algn="l"/>
-            <a:endParaRPr lang="en-US" sz="1160"/>
-          </a:p>
-        </p:txBody>
-      </p:sp>
-      <p:sp>
-        <p:nvSpPr>
-          <p:cNvPr id="38" name="Freeform 2"/>
-          <p:cNvSpPr/>
-          <p:nvPr/>
-        </p:nvSpPr>
-        <p:spPr>
-          <a:xfrm>
-            <a:off x="-65484" y="6469559"/>
-            <a:ext cx="12311985" cy="387785"/>
-          </a:xfrm>
-          <a:custGeom>
-            <a:avLst/>
-            <a:gdLst/>
-            <a:ahLst/>
-            <a:cxnLst/>
-            <a:rect l="l" t="t" r="r" b="b"/>
-            <a:pathLst>
-              <a:path w="11673586" h="367678">
-                <a:moveTo>
-                  <a:pt x="0" y="58420"/>
-                </a:moveTo>
-                <a:cubicBezTo>
-                  <a:pt x="0" y="26156"/>
-                  <a:pt x="26156" y="0"/>
-                  <a:pt x="58420" y="0"/>
-                </a:cubicBezTo>
-                <a:lnTo>
-                  <a:pt x="11615166" y="0"/>
-                </a:lnTo>
-                <a:lnTo>
-                  <a:pt x="11615166" y="0"/>
-                </a:lnTo>
-                <a:cubicBezTo>
-                  <a:pt x="11647431" y="0"/>
-                  <a:pt x="11673586" y="26156"/>
-                  <a:pt x="11673586" y="58420"/>
-                </a:cubicBezTo>
-                <a:lnTo>
-                  <a:pt x="11673586" y="309258"/>
-                </a:lnTo>
-                <a:cubicBezTo>
-                  <a:pt x="11673586" y="341522"/>
-                  <a:pt x="11647431" y="367678"/>
-                  <a:pt x="11615166" y="367678"/>
-                </a:cubicBezTo>
-                <a:lnTo>
-                  <a:pt x="58420" y="367678"/>
-                </a:lnTo>
-                <a:cubicBezTo>
-                  <a:pt x="42926" y="367678"/>
-                  <a:pt x="28067" y="361523"/>
-                  <a:pt x="17111" y="350567"/>
-                </a:cubicBezTo>
-                <a:cubicBezTo>
-                  <a:pt x="6155" y="339611"/>
-                  <a:pt x="0" y="324752"/>
-                  <a:pt x="0" y="309258"/>
-                </a:cubicBezTo>
-                <a:lnTo>
-                  <a:pt x="0" y="58420"/>
-                </a:lnTo>
-                <a:close/>
-              </a:path>
-            </a:pathLst>
-          </a:custGeom>
-          <a:solidFill>
-            <a:srgbClr val="C3E3F5"/>
-          </a:solidFill>
-        </p:spPr>
-        <p:txBody>
-          <a:bodyPr lIns="133945" rIns="133945" rtlCol="0" anchor="ctr"/>
-          <a:lstStyle/>
-          <a:p>
-            <a:pPr algn="l"/>
-            <a:endParaRPr lang="en-US" sz="1160"/>
-          </a:p>
-        </p:txBody>
-      </p:sp>
-      <p:sp>
-        <p:nvSpPr>
-          <p:cNvPr id="39" name="Freeform 3"/>
-          <p:cNvSpPr/>
-          <p:nvPr/>
-        </p:nvSpPr>
-        <p:spPr>
-          <a:xfrm>
-            <a:off x="11038582" y="803672"/>
-            <a:ext cx="1165324" cy="40184"/>
-          </a:xfrm>
-          <a:custGeom>
-            <a:avLst/>
-            <a:gdLst/>
-            <a:ahLst/>
-            <a:cxnLst/>
-            <a:rect l="l" t="t" r="r" b="b"/>
-            <a:pathLst>
-              <a:path w="1104900" h="38100">
-                <a:moveTo>
-                  <a:pt x="0" y="0"/>
-                </a:moveTo>
-                <a:lnTo>
-                  <a:pt x="1104900" y="0"/>
-                </a:lnTo>
-                <a:lnTo>
-                  <a:pt x="1104900" y="38100"/>
-                </a:lnTo>
-                <a:lnTo>
-                  <a:pt x="0" y="38100"/>
-                </a:lnTo>
-                <a:close/>
-              </a:path>
-            </a:pathLst>
-          </a:custGeom>
-          <a:solidFill>
-            <a:srgbClr val="EDD1D6"/>
-          </a:solidFill>
-        </p:spPr>
-        <p:txBody>
-          <a:bodyPr lIns="133945" rIns="133945" rtlCol="0" anchor="ctr"/>
-          <a:lstStyle/>
-          <a:p>
-            <a:pPr algn="l"/>
-            <a:endParaRPr lang="en-US" sz="1160"/>
-          </a:p>
-        </p:txBody>
-      </p:sp>
-      <p:sp>
-        <p:nvSpPr>
-          <p:cNvPr id="40" name="Freeform 4"/>
-          <p:cNvSpPr/>
-          <p:nvPr/>
-        </p:nvSpPr>
-        <p:spPr>
-          <a:xfrm>
-            <a:off x="11293078" y="937617"/>
-            <a:ext cx="1165324" cy="40184"/>
-          </a:xfrm>
-          <a:custGeom>
-            <a:avLst/>
-            <a:gdLst/>
-            <a:ahLst/>
-            <a:cxnLst/>
-            <a:rect l="l" t="t" r="r" b="b"/>
-            <a:pathLst>
-              <a:path w="1104900" h="38100">
-                <a:moveTo>
-                  <a:pt x="0" y="0"/>
-                </a:moveTo>
-                <a:lnTo>
-                  <a:pt x="1104900" y="0"/>
-                </a:lnTo>
-                <a:lnTo>
-                  <a:pt x="1104900" y="38100"/>
-                </a:lnTo>
-                <a:lnTo>
-                  <a:pt x="0" y="38100"/>
-                </a:lnTo>
-                <a:close/>
-              </a:path>
-            </a:pathLst>
-          </a:custGeom>
-          <a:solidFill>
-            <a:srgbClr val="A3ADD2"/>
-          </a:solidFill>
-        </p:spPr>
-        <p:txBody>
-          <a:bodyPr lIns="133945" rIns="133945" rtlCol="0" anchor="ctr"/>
-          <a:lstStyle/>
-          <a:p>
-            <a:pPr algn="l"/>
-            <a:endParaRPr lang="en-US" sz="1160"/>
-          </a:p>
-        </p:txBody>
-      </p:sp>
-      <p:sp>
-        <p:nvSpPr>
-          <p:cNvPr id="41" name="Freeform 5"/>
-          <p:cNvSpPr/>
-          <p:nvPr/>
-        </p:nvSpPr>
-        <p:spPr>
-          <a:xfrm>
-            <a:off x="11105555" y="1098351"/>
-            <a:ext cx="1165324" cy="40184"/>
-          </a:xfrm>
-          <a:custGeom>
-            <a:avLst/>
-            <a:gdLst/>
-            <a:ahLst/>
-            <a:cxnLst/>
-            <a:rect l="l" t="t" r="r" b="b"/>
-            <a:pathLst>
-              <a:path w="1104900" h="38100">
-                <a:moveTo>
-                  <a:pt x="0" y="0"/>
-                </a:moveTo>
-                <a:lnTo>
-                  <a:pt x="1104900" y="0"/>
-                </a:lnTo>
-                <a:lnTo>
-                  <a:pt x="1104900" y="38100"/>
-                </a:lnTo>
-                <a:lnTo>
-                  <a:pt x="0" y="38100"/>
-                </a:lnTo>
-                <a:close/>
-              </a:path>
-            </a:pathLst>
-          </a:custGeom>
-          <a:solidFill>
-            <a:srgbClr val="C3E3F5"/>
-          </a:solidFill>
-        </p:spPr>
-        <p:txBody>
-          <a:bodyPr lIns="133945" rIns="133945" rtlCol="0" anchor="ctr"/>
-          <a:lstStyle/>
-          <a:p>
-            <a:pPr algn="l"/>
-            <a:endParaRPr lang="en-US" sz="1160"/>
-          </a:p>
-        </p:txBody>
-      </p:sp>
-      <p:pic>
-        <p:nvPicPr>
-          <p:cNvPr id="42" name="Picture 6"/>
-          <p:cNvPicPr>
-            <a:picLocks noChangeAspect="1"/>
-          </p:cNvPicPr>
-          <p:nvPr/>
-        </p:nvPicPr>
-        <p:blipFill>
-          <a:blip r:embed="rId2"/>
-          <a:stretch>
-            <a:fillRect/>
-          </a:stretch>
-        </p:blipFill>
-        <p:spPr>
-          <a:xfrm rot="5400000">
-            <a:off x="-317034" y="281018"/>
-            <a:ext cx="1254114" cy="617698"/>
-          </a:xfrm>
-          <a:prstGeom prst="rect">
-            <a:avLst/>
-          </a:prstGeom>
-        </p:spPr>
-      </p:pic>
-      <p:sp>
-        <p:nvSpPr>
-          <p:cNvPr id="43" name="TextBox 7"/>
-          <p:cNvSpPr txBox="1"/>
-          <p:nvPr/>
-        </p:nvSpPr>
-        <p:spPr>
-          <a:xfrm>
-            <a:off x="602903" y="594325"/>
-            <a:ext cx="4882106" cy="423514"/>
-          </a:xfrm>
-          <a:prstGeom prst="rect">
-            <a:avLst/>
-          </a:prstGeom>
-        </p:spPr>
-        <p:txBody>
-          <a:bodyPr lIns="0" tIns="0" rIns="0" bIns="0" rtlCol="0" anchor="ctr">
-            <a:spAutoFit/>
-          </a:bodyPr>
-          <a:lstStyle/>
-          <a:p>
-            <a:pPr algn="l" latinLnBrk="1">
-              <a:lnSpc>
-                <a:spcPct val="116199"/>
-              </a:lnSpc>
-            </a:pPr>
-            <a:r>
               <a:rPr lang="zh-CN" altLang="en-US" sz="2531" b="1" dirty="0">
                 <a:solidFill>
                   <a:srgbClr val="EDD1D6"/>
@@ -26042,1081 +21464,14 @@
       </p:sp>
       <p:sp>
         <p:nvSpPr>
-          <p:cNvPr id="46" name="Freeform 10"/>
-          <p:cNvSpPr/>
-          <p:nvPr/>
-        </p:nvSpPr>
-        <p:spPr>
-          <a:xfrm>
-            <a:off x="8140428" y="2522480"/>
-            <a:ext cx="1173867" cy="3945899"/>
-          </a:xfrm>
-          <a:custGeom>
-            <a:avLst/>
-            <a:gdLst/>
-            <a:ahLst/>
-            <a:cxnLst/>
-            <a:rect l="l" t="t" r="r" b="b"/>
-            <a:pathLst>
-              <a:path w="1113000" h="3741297">
-                <a:moveTo>
-                  <a:pt x="1082916" y="1886634"/>
-                </a:moveTo>
-                <a:cubicBezTo>
-                  <a:pt x="1062860" y="1918611"/>
-                  <a:pt x="952568" y="1939927"/>
-                  <a:pt x="952568" y="1939927"/>
-                </a:cubicBezTo>
-                <a:cubicBezTo>
-                  <a:pt x="952568" y="1939927"/>
-                  <a:pt x="952568" y="2387604"/>
-                  <a:pt x="952568" y="2398265"/>
-                </a:cubicBezTo>
-                <a:cubicBezTo>
-                  <a:pt x="962596" y="2419580"/>
-                  <a:pt x="942540" y="2536831"/>
-                  <a:pt x="972624" y="2622101"/>
-                </a:cubicBezTo>
-                <a:cubicBezTo>
-                  <a:pt x="1002702" y="2707375"/>
-                  <a:pt x="1042814" y="3155052"/>
-                  <a:pt x="1042814" y="3155052"/>
-                </a:cubicBezTo>
-                <a:cubicBezTo>
-                  <a:pt x="1042814" y="3155052"/>
-                  <a:pt x="1042814" y="3261648"/>
-                  <a:pt x="1032786" y="3282958"/>
-                </a:cubicBezTo>
-                <a:cubicBezTo>
-                  <a:pt x="1012730" y="3314941"/>
-                  <a:pt x="1012730" y="3357572"/>
-                  <a:pt x="1032786" y="3378893"/>
-                </a:cubicBezTo>
-                <a:cubicBezTo>
-                  <a:pt x="1062865" y="3400215"/>
-                  <a:pt x="1012730" y="3496139"/>
-                  <a:pt x="1012730" y="3496139"/>
-                </a:cubicBezTo>
-                <a:cubicBezTo>
-                  <a:pt x="1012730" y="3496139"/>
-                  <a:pt x="1102972" y="3687999"/>
-                  <a:pt x="1052837" y="3709320"/>
-                </a:cubicBezTo>
-                <a:cubicBezTo>
-                  <a:pt x="1002702" y="3741297"/>
-                  <a:pt x="912455" y="3741297"/>
-                  <a:pt x="872349" y="3709320"/>
-                </a:cubicBezTo>
-                <a:cubicBezTo>
-                  <a:pt x="852293" y="3677343"/>
-                  <a:pt x="862326" y="3506800"/>
-                  <a:pt x="862326" y="3506800"/>
-                </a:cubicBezTo>
-                <a:cubicBezTo>
-                  <a:pt x="862326" y="3506800"/>
-                  <a:pt x="782107" y="3474823"/>
-                  <a:pt x="772079" y="3442847"/>
-                </a:cubicBezTo>
-                <a:cubicBezTo>
-                  <a:pt x="762051" y="3421525"/>
-                  <a:pt x="742000" y="3389554"/>
-                  <a:pt x="792135" y="3272303"/>
-                </a:cubicBezTo>
-                <a:cubicBezTo>
-                  <a:pt x="832242" y="3101755"/>
-                  <a:pt x="742000" y="2718036"/>
-                  <a:pt x="742000" y="2718036"/>
-                </a:cubicBezTo>
-                <a:cubicBezTo>
-                  <a:pt x="742000" y="2718036"/>
-                  <a:pt x="641730" y="2312990"/>
-                  <a:pt x="631702" y="2312990"/>
-                </a:cubicBezTo>
-                <a:cubicBezTo>
-                  <a:pt x="611646" y="2302335"/>
-                  <a:pt x="551489" y="2046517"/>
-                  <a:pt x="551489" y="2046517"/>
-                </a:cubicBezTo>
-                <a:cubicBezTo>
-                  <a:pt x="551489" y="2046517"/>
-                  <a:pt x="541461" y="2067838"/>
-                  <a:pt x="481298" y="2376949"/>
-                </a:cubicBezTo>
-                <a:cubicBezTo>
-                  <a:pt x="421130" y="2686064"/>
-                  <a:pt x="441191" y="2781994"/>
-                  <a:pt x="441191" y="2781994"/>
-                </a:cubicBezTo>
-                <a:cubicBezTo>
-                  <a:pt x="431163" y="3219016"/>
-                  <a:pt x="431163" y="3219016"/>
-                  <a:pt x="431163" y="3219016"/>
-                </a:cubicBezTo>
-                <a:cubicBezTo>
-                  <a:pt x="431163" y="3219016"/>
-                  <a:pt x="421130" y="3304285"/>
-                  <a:pt x="401079" y="3314946"/>
-                </a:cubicBezTo>
-                <a:cubicBezTo>
-                  <a:pt x="391056" y="3325606"/>
-                  <a:pt x="441191" y="3400220"/>
-                  <a:pt x="411112" y="3432191"/>
-                </a:cubicBezTo>
-                <a:cubicBezTo>
-                  <a:pt x="401079" y="3474829"/>
-                  <a:pt x="411112" y="3549437"/>
-                  <a:pt x="411112" y="3549437"/>
-                </a:cubicBezTo>
-                <a:cubicBezTo>
-                  <a:pt x="411112" y="3549437"/>
-                  <a:pt x="330899" y="3602735"/>
-                  <a:pt x="310837" y="3581419"/>
-                </a:cubicBezTo>
-                <a:cubicBezTo>
-                  <a:pt x="290781" y="3570758"/>
-                  <a:pt x="240646" y="3645372"/>
-                  <a:pt x="240646" y="3645372"/>
-                </a:cubicBezTo>
-                <a:cubicBezTo>
-                  <a:pt x="240646" y="3645372"/>
-                  <a:pt x="50135" y="3698665"/>
-                  <a:pt x="30079" y="3666688"/>
-                </a:cubicBezTo>
-                <a:cubicBezTo>
-                  <a:pt x="0" y="3634711"/>
-                  <a:pt x="70186" y="3581419"/>
-                  <a:pt x="70186" y="3581419"/>
-                </a:cubicBezTo>
-                <a:cubicBezTo>
-                  <a:pt x="170456" y="3453512"/>
-                  <a:pt x="170456" y="3453512"/>
-                  <a:pt x="170456" y="3453512"/>
-                </a:cubicBezTo>
-                <a:cubicBezTo>
-                  <a:pt x="170456" y="3453512"/>
-                  <a:pt x="100265" y="3378899"/>
-                  <a:pt x="220590" y="3314946"/>
-                </a:cubicBezTo>
-                <a:cubicBezTo>
-                  <a:pt x="200534" y="3112425"/>
-                  <a:pt x="200534" y="3112425"/>
-                  <a:pt x="200534" y="3112425"/>
-                </a:cubicBezTo>
-                <a:cubicBezTo>
-                  <a:pt x="200534" y="3112425"/>
-                  <a:pt x="190506" y="2963198"/>
-                  <a:pt x="210562" y="2856608"/>
-                </a:cubicBezTo>
-                <a:cubicBezTo>
-                  <a:pt x="230618" y="2750012"/>
-                  <a:pt x="160428" y="2217071"/>
-                  <a:pt x="160428" y="2217071"/>
-                </a:cubicBezTo>
-                <a:cubicBezTo>
-                  <a:pt x="160428" y="2217071"/>
-                  <a:pt x="130349" y="1971914"/>
-                  <a:pt x="160428" y="1929276"/>
-                </a:cubicBezTo>
-                <a:cubicBezTo>
-                  <a:pt x="130349" y="1907955"/>
-                  <a:pt x="220590" y="1332371"/>
-                  <a:pt x="220590" y="1332371"/>
-                </a:cubicBezTo>
-                <a:cubicBezTo>
-                  <a:pt x="260697" y="1247102"/>
-                  <a:pt x="260697" y="1247102"/>
-                  <a:pt x="260697" y="1247102"/>
-                </a:cubicBezTo>
-                <a:cubicBezTo>
-                  <a:pt x="260697" y="1247102"/>
-                  <a:pt x="150400" y="1236447"/>
-                  <a:pt x="140372" y="1172489"/>
-                </a:cubicBezTo>
-                <a:cubicBezTo>
-                  <a:pt x="130343" y="1108535"/>
-                  <a:pt x="110293" y="1097880"/>
-                  <a:pt x="110293" y="1044582"/>
-                </a:cubicBezTo>
-                <a:cubicBezTo>
-                  <a:pt x="120321" y="1001945"/>
-                  <a:pt x="140372" y="874039"/>
-                  <a:pt x="150400" y="842062"/>
-                </a:cubicBezTo>
-                <a:cubicBezTo>
-                  <a:pt x="160428" y="799425"/>
-                  <a:pt x="190506" y="639542"/>
-                  <a:pt x="190506" y="639542"/>
-                </a:cubicBezTo>
-                <a:cubicBezTo>
-                  <a:pt x="190506" y="639542"/>
-                  <a:pt x="220585" y="586244"/>
-                  <a:pt x="280748" y="586244"/>
-                </a:cubicBezTo>
-                <a:cubicBezTo>
-                  <a:pt x="330888" y="586244"/>
-                  <a:pt x="481293" y="511636"/>
-                  <a:pt x="491321" y="447677"/>
-                </a:cubicBezTo>
-                <a:cubicBezTo>
-                  <a:pt x="491321" y="447677"/>
-                  <a:pt x="461242" y="415696"/>
-                  <a:pt x="441186" y="362403"/>
-                </a:cubicBezTo>
-                <a:cubicBezTo>
-                  <a:pt x="441186" y="341082"/>
-                  <a:pt x="421125" y="309110"/>
-                  <a:pt x="421125" y="287789"/>
-                </a:cubicBezTo>
-                <a:cubicBezTo>
-                  <a:pt x="370995" y="170544"/>
-                  <a:pt x="370995" y="170544"/>
-                  <a:pt x="370995" y="170544"/>
-                </a:cubicBezTo>
-                <a:cubicBezTo>
-                  <a:pt x="370995" y="117251"/>
-                  <a:pt x="370995" y="117251"/>
-                  <a:pt x="370995" y="117251"/>
-                </a:cubicBezTo>
-                <a:cubicBezTo>
-                  <a:pt x="391051" y="53298"/>
-                  <a:pt x="391051" y="53298"/>
-                  <a:pt x="391051" y="53298"/>
-                </a:cubicBezTo>
-                <a:cubicBezTo>
-                  <a:pt x="441186" y="0"/>
-                  <a:pt x="581562" y="21316"/>
-                  <a:pt x="581562" y="21316"/>
-                </a:cubicBezTo>
-                <a:lnTo>
-                  <a:pt x="581562" y="21316"/>
-                </a:lnTo>
-                <a:cubicBezTo>
-                  <a:pt x="661776" y="21316"/>
-                  <a:pt x="701888" y="127906"/>
-                  <a:pt x="701888" y="191860"/>
-                </a:cubicBezTo>
-                <a:cubicBezTo>
-                  <a:pt x="772079" y="191860"/>
-                  <a:pt x="701888" y="319766"/>
-                  <a:pt x="701888" y="319766"/>
-                </a:cubicBezTo>
-                <a:cubicBezTo>
-                  <a:pt x="701888" y="319766"/>
-                  <a:pt x="711916" y="351742"/>
-                  <a:pt x="721944" y="394380"/>
-                </a:cubicBezTo>
-                <a:cubicBezTo>
-                  <a:pt x="711916" y="405035"/>
-                  <a:pt x="681837" y="479649"/>
-                  <a:pt x="611646" y="500970"/>
-                </a:cubicBezTo>
-                <a:cubicBezTo>
-                  <a:pt x="531433" y="532947"/>
-                  <a:pt x="501349" y="468988"/>
-                  <a:pt x="501349" y="468988"/>
-                </a:cubicBezTo>
-                <a:cubicBezTo>
-                  <a:pt x="501349" y="724806"/>
-                  <a:pt x="501349" y="724806"/>
-                  <a:pt x="501349" y="724806"/>
-                </a:cubicBezTo>
-                <a:cubicBezTo>
-                  <a:pt x="501349" y="724806"/>
-                  <a:pt x="551484" y="596900"/>
-                  <a:pt x="541456" y="564923"/>
-                </a:cubicBezTo>
-                <a:cubicBezTo>
-                  <a:pt x="521400" y="532941"/>
-                  <a:pt x="571534" y="532941"/>
-                  <a:pt x="591590" y="532941"/>
-                </a:cubicBezTo>
-                <a:cubicBezTo>
-                  <a:pt x="611646" y="532941"/>
-                  <a:pt x="631697" y="564923"/>
-                  <a:pt x="631697" y="564923"/>
-                </a:cubicBezTo>
-                <a:cubicBezTo>
-                  <a:pt x="581562" y="607555"/>
-                  <a:pt x="581562" y="607555"/>
-                  <a:pt x="581562" y="607555"/>
-                </a:cubicBezTo>
-                <a:cubicBezTo>
-                  <a:pt x="581562" y="607555"/>
-                  <a:pt x="581562" y="788759"/>
-                  <a:pt x="581562" y="756783"/>
-                </a:cubicBezTo>
-                <a:cubicBezTo>
-                  <a:pt x="581562" y="724806"/>
-                  <a:pt x="711911" y="511625"/>
-                  <a:pt x="741995" y="447672"/>
-                </a:cubicBezTo>
-                <a:cubicBezTo>
-                  <a:pt x="741995" y="458328"/>
-                  <a:pt x="752023" y="458328"/>
-                  <a:pt x="752023" y="458328"/>
-                </a:cubicBezTo>
-                <a:cubicBezTo>
-                  <a:pt x="772079" y="490304"/>
-                  <a:pt x="942540" y="522281"/>
-                  <a:pt x="942540" y="522281"/>
-                </a:cubicBezTo>
-                <a:cubicBezTo>
-                  <a:pt x="942540" y="522281"/>
-                  <a:pt x="1113000" y="511625"/>
-                  <a:pt x="1062865" y="714140"/>
-                </a:cubicBezTo>
-                <a:cubicBezTo>
-                  <a:pt x="1042809" y="874023"/>
-                  <a:pt x="1022758" y="1012590"/>
-                  <a:pt x="1022758" y="1012590"/>
-                </a:cubicBezTo>
-                <a:cubicBezTo>
-                  <a:pt x="1022758" y="1012590"/>
-                  <a:pt x="982652" y="1193794"/>
-                  <a:pt x="952568" y="1193794"/>
-                </a:cubicBezTo>
-                <a:cubicBezTo>
-                  <a:pt x="912450" y="1204455"/>
-                  <a:pt x="1082916" y="1833336"/>
-                  <a:pt x="1082916" y="1886634"/>
-                </a:cubicBezTo>
-                <a:lnTo>
-                  <a:pt x="1082916" y="1886634"/>
-                </a:lnTo>
-                <a:close/>
-                <a:moveTo>
-                  <a:pt x="711911" y="1012595"/>
-                </a:moveTo>
-                <a:cubicBezTo>
-                  <a:pt x="711911" y="1012595"/>
-                  <a:pt x="661776" y="927321"/>
-                  <a:pt x="671804" y="906005"/>
-                </a:cubicBezTo>
-                <a:cubicBezTo>
-                  <a:pt x="641725" y="916660"/>
-                  <a:pt x="621669" y="916660"/>
-                  <a:pt x="621669" y="916660"/>
-                </a:cubicBezTo>
-                <a:cubicBezTo>
-                  <a:pt x="621669" y="1055227"/>
-                  <a:pt x="621669" y="1055227"/>
-                  <a:pt x="621669" y="1055227"/>
-                </a:cubicBezTo>
-                <a:lnTo>
-                  <a:pt x="711911" y="1012595"/>
-                </a:lnTo>
-                <a:lnTo>
-                  <a:pt x="711911" y="1012595"/>
-                </a:lnTo>
-                <a:lnTo>
-                  <a:pt x="711911" y="1012595"/>
-                </a:lnTo>
-                <a:close/>
-              </a:path>
-            </a:pathLst>
-          </a:custGeom>
-          <a:solidFill>
-            <a:srgbClr val="4F81BD"/>
-          </a:solidFill>
-        </p:spPr>
-        <p:txBody>
-          <a:bodyPr lIns="133945" rIns="133945" rtlCol="0" anchor="ctr"/>
-          <a:lstStyle/>
-          <a:p>
-            <a:pPr algn="l"/>
-            <a:endParaRPr lang="en-US" sz="1160"/>
-          </a:p>
-        </p:txBody>
-      </p:sp>
-      <p:sp>
-        <p:nvSpPr>
-          <p:cNvPr id="47" name="Freeform 11"/>
-          <p:cNvSpPr/>
-          <p:nvPr/>
-        </p:nvSpPr>
-        <p:spPr>
-          <a:xfrm>
-            <a:off x="10183464" y="2560523"/>
-            <a:ext cx="1678338" cy="3829740"/>
-          </a:xfrm>
-          <a:custGeom>
-            <a:avLst/>
-            <a:gdLst/>
-            <a:ahLst/>
-            <a:cxnLst/>
-            <a:rect l="l" t="t" r="r" b="b"/>
-            <a:pathLst>
-              <a:path w="1591313" h="3631161">
-                <a:moveTo>
-                  <a:pt x="10679" y="2672790"/>
-                </a:moveTo>
-                <a:cubicBezTo>
-                  <a:pt x="10679" y="2694091"/>
-                  <a:pt x="21358" y="2694091"/>
-                  <a:pt x="42717" y="2694091"/>
-                </a:cubicBezTo>
-                <a:cubicBezTo>
-                  <a:pt x="53396" y="2694091"/>
-                  <a:pt x="352439" y="2715386"/>
-                  <a:pt x="352439" y="2715386"/>
-                </a:cubicBezTo>
-                <a:cubicBezTo>
-                  <a:pt x="352439" y="2715386"/>
-                  <a:pt x="352439" y="2789922"/>
-                  <a:pt x="352439" y="2821872"/>
-                </a:cubicBezTo>
-                <a:cubicBezTo>
-                  <a:pt x="352439" y="2843167"/>
-                  <a:pt x="352439" y="3077440"/>
-                  <a:pt x="373797" y="3109380"/>
-                </a:cubicBezTo>
-                <a:cubicBezTo>
-                  <a:pt x="395161" y="3141326"/>
-                  <a:pt x="373797" y="3194566"/>
-                  <a:pt x="405835" y="3215861"/>
-                </a:cubicBezTo>
-                <a:cubicBezTo>
-                  <a:pt x="437872" y="3226511"/>
-                  <a:pt x="416519" y="3269107"/>
-                  <a:pt x="405835" y="3269107"/>
-                </a:cubicBezTo>
-                <a:cubicBezTo>
-                  <a:pt x="405835" y="3279757"/>
-                  <a:pt x="405835" y="3301058"/>
-                  <a:pt x="405835" y="3311703"/>
-                </a:cubicBezTo>
-                <a:cubicBezTo>
-                  <a:pt x="395156" y="3322353"/>
-                  <a:pt x="416519" y="3396888"/>
-                  <a:pt x="416519" y="3396888"/>
-                </a:cubicBezTo>
-                <a:cubicBezTo>
-                  <a:pt x="416519" y="3482080"/>
-                  <a:pt x="416519" y="3482080"/>
-                  <a:pt x="416519" y="3482080"/>
-                </a:cubicBezTo>
-                <a:cubicBezTo>
-                  <a:pt x="448557" y="3514025"/>
-                  <a:pt x="448557" y="3514025"/>
-                  <a:pt x="448557" y="3514025"/>
-                </a:cubicBezTo>
-                <a:lnTo>
-                  <a:pt x="469915" y="3556621"/>
-                </a:lnTo>
-                <a:cubicBezTo>
-                  <a:pt x="469915" y="3567271"/>
-                  <a:pt x="566038" y="3631161"/>
-                  <a:pt x="630118" y="3620511"/>
-                </a:cubicBezTo>
-                <a:cubicBezTo>
-                  <a:pt x="630118" y="3620511"/>
-                  <a:pt x="704878" y="3631161"/>
-                  <a:pt x="715557" y="3620511"/>
-                </a:cubicBezTo>
-                <a:cubicBezTo>
-                  <a:pt x="726236" y="3620511"/>
-                  <a:pt x="726236" y="3567266"/>
-                  <a:pt x="715557" y="3556621"/>
-                </a:cubicBezTo>
-                <a:cubicBezTo>
-                  <a:pt x="694193" y="3556621"/>
-                  <a:pt x="694193" y="3545970"/>
-                  <a:pt x="694193" y="3545970"/>
-                </a:cubicBezTo>
-                <a:cubicBezTo>
-                  <a:pt x="694193" y="3545970"/>
-                  <a:pt x="704873" y="3492730"/>
-                  <a:pt x="694193" y="3492730"/>
-                </a:cubicBezTo>
-                <a:cubicBezTo>
-                  <a:pt x="683514" y="3492730"/>
-                  <a:pt x="662156" y="3450129"/>
-                  <a:pt x="651477" y="3450129"/>
-                </a:cubicBezTo>
-                <a:cubicBezTo>
-                  <a:pt x="651477" y="3439484"/>
-                  <a:pt x="619439" y="3396883"/>
-                  <a:pt x="630113" y="3396883"/>
-                </a:cubicBezTo>
-                <a:cubicBezTo>
-                  <a:pt x="630113" y="3386238"/>
-                  <a:pt x="672830" y="3279752"/>
-                  <a:pt x="662151" y="3269102"/>
-                </a:cubicBezTo>
-                <a:cubicBezTo>
-                  <a:pt x="662151" y="3258452"/>
-                  <a:pt x="651472" y="3205211"/>
-                  <a:pt x="640787" y="3205211"/>
-                </a:cubicBezTo>
-                <a:cubicBezTo>
-                  <a:pt x="630108" y="3205211"/>
-                  <a:pt x="587391" y="3109380"/>
-                  <a:pt x="587391" y="3109380"/>
-                </a:cubicBezTo>
-                <a:cubicBezTo>
-                  <a:pt x="587391" y="3098730"/>
-                  <a:pt x="608750" y="3034840"/>
-                  <a:pt x="608750" y="3034840"/>
-                </a:cubicBezTo>
-                <a:cubicBezTo>
-                  <a:pt x="608750" y="3034840"/>
-                  <a:pt x="619434" y="2981594"/>
-                  <a:pt x="608750" y="2981594"/>
-                </a:cubicBezTo>
-                <a:cubicBezTo>
-                  <a:pt x="598070" y="2981594"/>
-                  <a:pt x="576712" y="2938998"/>
-                  <a:pt x="576712" y="2928348"/>
-                </a:cubicBezTo>
-                <a:cubicBezTo>
-                  <a:pt x="576712" y="2917703"/>
-                  <a:pt x="619434" y="2747331"/>
-                  <a:pt x="619434" y="2747331"/>
-                </a:cubicBezTo>
-                <a:cubicBezTo>
-                  <a:pt x="619434" y="2747331"/>
-                  <a:pt x="704867" y="2736681"/>
-                  <a:pt x="715552" y="2736681"/>
-                </a:cubicBezTo>
-                <a:cubicBezTo>
-                  <a:pt x="726231" y="2736681"/>
-                  <a:pt x="736915" y="2715381"/>
-                  <a:pt x="747589" y="2715381"/>
-                </a:cubicBezTo>
-                <a:cubicBezTo>
-                  <a:pt x="768953" y="2715381"/>
-                  <a:pt x="768953" y="2768626"/>
-                  <a:pt x="768953" y="2779272"/>
-                </a:cubicBezTo>
-                <a:cubicBezTo>
-                  <a:pt x="768953" y="2789917"/>
-                  <a:pt x="790317" y="2875107"/>
-                  <a:pt x="800991" y="2885758"/>
-                </a:cubicBezTo>
-                <a:cubicBezTo>
-                  <a:pt x="800991" y="2885758"/>
-                  <a:pt x="822354" y="2992239"/>
-                  <a:pt x="822354" y="3002889"/>
-                </a:cubicBezTo>
-                <a:cubicBezTo>
-                  <a:pt x="822354" y="3024189"/>
-                  <a:pt x="854392" y="3098725"/>
-                  <a:pt x="854392" y="3109375"/>
-                </a:cubicBezTo>
-                <a:cubicBezTo>
-                  <a:pt x="854392" y="3120020"/>
-                  <a:pt x="875750" y="3194561"/>
-                  <a:pt x="886429" y="3205206"/>
-                </a:cubicBezTo>
-                <a:cubicBezTo>
-                  <a:pt x="897108" y="3215856"/>
-                  <a:pt x="929146" y="3269097"/>
-                  <a:pt x="929146" y="3290397"/>
-                </a:cubicBezTo>
-                <a:cubicBezTo>
-                  <a:pt x="929146" y="3322342"/>
-                  <a:pt x="971868" y="3375583"/>
-                  <a:pt x="961189" y="3386233"/>
-                </a:cubicBezTo>
-                <a:cubicBezTo>
-                  <a:pt x="961189" y="3396878"/>
-                  <a:pt x="971868" y="3450119"/>
-                  <a:pt x="971868" y="3450119"/>
-                </a:cubicBezTo>
-                <a:cubicBezTo>
-                  <a:pt x="971868" y="3460769"/>
-                  <a:pt x="993231" y="3460769"/>
-                  <a:pt x="993231" y="3460769"/>
-                </a:cubicBezTo>
-                <a:lnTo>
-                  <a:pt x="982547" y="3524660"/>
-                </a:lnTo>
-                <a:cubicBezTo>
-                  <a:pt x="982547" y="3535304"/>
-                  <a:pt x="1046627" y="3567255"/>
-                  <a:pt x="1142750" y="3556605"/>
-                </a:cubicBezTo>
-                <a:cubicBezTo>
-                  <a:pt x="1142750" y="3535304"/>
-                  <a:pt x="1142750" y="3535304"/>
-                  <a:pt x="1142750" y="3535304"/>
-                </a:cubicBezTo>
-                <a:cubicBezTo>
-                  <a:pt x="1142750" y="3535304"/>
-                  <a:pt x="1196151" y="3524660"/>
-                  <a:pt x="1217510" y="3545955"/>
-                </a:cubicBezTo>
-                <a:cubicBezTo>
-                  <a:pt x="1228194" y="3556605"/>
-                  <a:pt x="1324312" y="3577905"/>
-                  <a:pt x="1356350" y="3567255"/>
-                </a:cubicBezTo>
-                <a:cubicBezTo>
-                  <a:pt x="1388387" y="3567255"/>
-                  <a:pt x="1463152" y="3588550"/>
-                  <a:pt x="1591312" y="3514009"/>
-                </a:cubicBezTo>
-                <a:cubicBezTo>
-                  <a:pt x="1591312" y="3514009"/>
-                  <a:pt x="1580633" y="3482064"/>
-                  <a:pt x="1569954" y="3482064"/>
-                </a:cubicBezTo>
-                <a:cubicBezTo>
-                  <a:pt x="1559270" y="3482064"/>
-                  <a:pt x="1463152" y="3482064"/>
-                  <a:pt x="1441788" y="3471414"/>
-                </a:cubicBezTo>
-                <a:cubicBezTo>
-                  <a:pt x="1409751" y="3471414"/>
-                  <a:pt x="1345670" y="3418168"/>
-                  <a:pt x="1334986" y="3418168"/>
-                </a:cubicBezTo>
-                <a:cubicBezTo>
-                  <a:pt x="1334986" y="3418168"/>
-                  <a:pt x="1292269" y="3354277"/>
-                  <a:pt x="1281585" y="3364922"/>
-                </a:cubicBezTo>
-                <a:cubicBezTo>
-                  <a:pt x="1270906" y="3364922"/>
-                  <a:pt x="1238868" y="3269086"/>
-                  <a:pt x="1228189" y="3269086"/>
-                </a:cubicBezTo>
-                <a:cubicBezTo>
-                  <a:pt x="1217505" y="3269086"/>
-                  <a:pt x="1228189" y="3205196"/>
-                  <a:pt x="1217505" y="3205196"/>
-                </a:cubicBezTo>
-                <a:cubicBezTo>
-                  <a:pt x="1217505" y="3205196"/>
-                  <a:pt x="1164109" y="3194551"/>
-                  <a:pt x="1164109" y="3183900"/>
-                </a:cubicBezTo>
-                <a:cubicBezTo>
-                  <a:pt x="1153424" y="3173250"/>
-                  <a:pt x="1121387" y="3002879"/>
-                  <a:pt x="1121387" y="3002879"/>
-                </a:cubicBezTo>
-                <a:cubicBezTo>
-                  <a:pt x="1121387" y="3002879"/>
-                  <a:pt x="1153424" y="2960283"/>
-                  <a:pt x="1100023" y="2917693"/>
-                </a:cubicBezTo>
-                <a:cubicBezTo>
-                  <a:pt x="1100023" y="2917693"/>
-                  <a:pt x="1089344" y="2747321"/>
-                  <a:pt x="1078660" y="2736671"/>
-                </a:cubicBezTo>
-                <a:cubicBezTo>
-                  <a:pt x="1078660" y="2715371"/>
-                  <a:pt x="1078660" y="2619534"/>
-                  <a:pt x="1078660" y="2619534"/>
-                </a:cubicBezTo>
-                <a:lnTo>
-                  <a:pt x="1067981" y="2342671"/>
-                </a:lnTo>
-                <a:cubicBezTo>
-                  <a:pt x="1057301" y="2353321"/>
-                  <a:pt x="1035943" y="2310726"/>
-                  <a:pt x="1035943" y="2300076"/>
-                </a:cubicBezTo>
-                <a:cubicBezTo>
-                  <a:pt x="1035943" y="2300076"/>
-                  <a:pt x="1089344" y="2044513"/>
-                  <a:pt x="1078660" y="1991272"/>
-                </a:cubicBezTo>
-                <a:cubicBezTo>
-                  <a:pt x="1078660" y="1991272"/>
-                  <a:pt x="1132061" y="1895436"/>
-                  <a:pt x="1121382" y="1884786"/>
-                </a:cubicBezTo>
-                <a:cubicBezTo>
-                  <a:pt x="1121382" y="1874136"/>
-                  <a:pt x="1142745" y="1757005"/>
-                  <a:pt x="1142745" y="1757005"/>
-                </a:cubicBezTo>
-                <a:cubicBezTo>
-                  <a:pt x="1142745" y="1757005"/>
-                  <a:pt x="1110702" y="1650518"/>
-                  <a:pt x="1089344" y="1639873"/>
-                </a:cubicBezTo>
-                <a:cubicBezTo>
-                  <a:pt x="1078660" y="1629229"/>
-                  <a:pt x="1046622" y="1554682"/>
-                  <a:pt x="1057306" y="1533387"/>
-                </a:cubicBezTo>
-                <a:cubicBezTo>
-                  <a:pt x="1057306" y="1512087"/>
-                  <a:pt x="1057306" y="1458846"/>
-                  <a:pt x="1057306" y="1458846"/>
-                </a:cubicBezTo>
-                <a:cubicBezTo>
-                  <a:pt x="1046622" y="1299120"/>
-                  <a:pt x="1046622" y="1299120"/>
-                  <a:pt x="1046622" y="1299120"/>
-                </a:cubicBezTo>
-                <a:cubicBezTo>
-                  <a:pt x="1003905" y="1128743"/>
-                  <a:pt x="1003905" y="1128743"/>
-                  <a:pt x="1003905" y="1128743"/>
-                </a:cubicBezTo>
-                <a:cubicBezTo>
-                  <a:pt x="1003905" y="1128743"/>
-                  <a:pt x="1003905" y="798639"/>
-                  <a:pt x="993226" y="798639"/>
-                </a:cubicBezTo>
-                <a:cubicBezTo>
-                  <a:pt x="982542" y="798639"/>
-                  <a:pt x="961189" y="702803"/>
-                  <a:pt x="939825" y="702803"/>
-                </a:cubicBezTo>
-                <a:cubicBezTo>
-                  <a:pt x="918461" y="702803"/>
-                  <a:pt x="800985" y="606967"/>
-                  <a:pt x="800985" y="606967"/>
-                </a:cubicBezTo>
-                <a:cubicBezTo>
-                  <a:pt x="800985" y="606967"/>
-                  <a:pt x="768948" y="585667"/>
-                  <a:pt x="768948" y="575022"/>
-                </a:cubicBezTo>
-                <a:cubicBezTo>
-                  <a:pt x="768948" y="564377"/>
-                  <a:pt x="768948" y="511131"/>
-                  <a:pt x="768948" y="511131"/>
-                </a:cubicBezTo>
-                <a:cubicBezTo>
-                  <a:pt x="768948" y="511131"/>
-                  <a:pt x="822349" y="447240"/>
-                  <a:pt x="833028" y="415295"/>
-                </a:cubicBezTo>
-                <a:cubicBezTo>
-                  <a:pt x="843707" y="351404"/>
-                  <a:pt x="843707" y="351404"/>
-                  <a:pt x="843707" y="351404"/>
-                </a:cubicBezTo>
-                <a:cubicBezTo>
-                  <a:pt x="854392" y="319459"/>
-                  <a:pt x="854392" y="319459"/>
-                  <a:pt x="854392" y="319459"/>
-                </a:cubicBezTo>
-                <a:cubicBezTo>
-                  <a:pt x="854392" y="276863"/>
-                  <a:pt x="854392" y="276863"/>
-                  <a:pt x="854392" y="276863"/>
-                </a:cubicBezTo>
-                <a:cubicBezTo>
-                  <a:pt x="854392" y="244918"/>
-                  <a:pt x="854392" y="244918"/>
-                  <a:pt x="854392" y="244918"/>
-                </a:cubicBezTo>
-                <a:cubicBezTo>
-                  <a:pt x="854392" y="138432"/>
-                  <a:pt x="854392" y="138432"/>
-                  <a:pt x="854392" y="138432"/>
-                </a:cubicBezTo>
-                <a:cubicBezTo>
-                  <a:pt x="854392" y="138432"/>
-                  <a:pt x="843707" y="95836"/>
-                  <a:pt x="833028" y="85186"/>
-                </a:cubicBezTo>
-                <a:cubicBezTo>
-                  <a:pt x="811665" y="74536"/>
-                  <a:pt x="726226" y="0"/>
-                  <a:pt x="694188" y="10645"/>
-                </a:cubicBezTo>
-                <a:cubicBezTo>
-                  <a:pt x="672825" y="21290"/>
-                  <a:pt x="619429" y="21290"/>
-                  <a:pt x="619429" y="31940"/>
-                </a:cubicBezTo>
-                <a:cubicBezTo>
-                  <a:pt x="619429" y="42590"/>
-                  <a:pt x="523306" y="63886"/>
-                  <a:pt x="523306" y="85186"/>
-                </a:cubicBezTo>
-                <a:cubicBezTo>
-                  <a:pt x="523306" y="117131"/>
-                  <a:pt x="491268" y="181022"/>
-                  <a:pt x="491268" y="191672"/>
-                </a:cubicBezTo>
-                <a:cubicBezTo>
-                  <a:pt x="491268" y="212967"/>
-                  <a:pt x="491268" y="244913"/>
-                  <a:pt x="491268" y="244913"/>
-                </a:cubicBezTo>
-                <a:cubicBezTo>
-                  <a:pt x="501953" y="255558"/>
-                  <a:pt x="501953" y="255558"/>
-                  <a:pt x="501953" y="255558"/>
-                </a:cubicBezTo>
-                <a:cubicBezTo>
-                  <a:pt x="501953" y="255558"/>
-                  <a:pt x="480589" y="308803"/>
-                  <a:pt x="501953" y="340749"/>
-                </a:cubicBezTo>
-                <a:cubicBezTo>
-                  <a:pt x="523311" y="372694"/>
-                  <a:pt x="523311" y="372694"/>
-                  <a:pt x="523311" y="372694"/>
-                </a:cubicBezTo>
-                <a:cubicBezTo>
-                  <a:pt x="523311" y="415290"/>
-                  <a:pt x="523311" y="415290"/>
-                  <a:pt x="523311" y="415290"/>
-                </a:cubicBezTo>
-                <a:cubicBezTo>
-                  <a:pt x="523311" y="415290"/>
-                  <a:pt x="523311" y="447235"/>
-                  <a:pt x="533995" y="447235"/>
-                </a:cubicBezTo>
-                <a:cubicBezTo>
-                  <a:pt x="533995" y="447235"/>
-                  <a:pt x="533995" y="457885"/>
-                  <a:pt x="533995" y="468535"/>
-                </a:cubicBezTo>
-                <a:cubicBezTo>
-                  <a:pt x="533995" y="479180"/>
-                  <a:pt x="533995" y="489830"/>
-                  <a:pt x="533995" y="500481"/>
-                </a:cubicBezTo>
-                <a:cubicBezTo>
-                  <a:pt x="533995" y="511131"/>
-                  <a:pt x="480594" y="511131"/>
-                  <a:pt x="480594" y="543076"/>
-                </a:cubicBezTo>
-                <a:cubicBezTo>
-                  <a:pt x="480594" y="564377"/>
-                  <a:pt x="448557" y="575022"/>
-                  <a:pt x="448557" y="575022"/>
-                </a:cubicBezTo>
-                <a:cubicBezTo>
-                  <a:pt x="352439" y="628262"/>
-                  <a:pt x="352439" y="628262"/>
-                  <a:pt x="352439" y="628262"/>
-                </a:cubicBezTo>
-                <a:cubicBezTo>
-                  <a:pt x="288353" y="681508"/>
-                  <a:pt x="288353" y="681508"/>
-                  <a:pt x="288353" y="681508"/>
-                </a:cubicBezTo>
-                <a:cubicBezTo>
-                  <a:pt x="288353" y="681508"/>
-                  <a:pt x="202915" y="734753"/>
-                  <a:pt x="202915" y="756049"/>
-                </a:cubicBezTo>
-                <a:cubicBezTo>
-                  <a:pt x="202915" y="777344"/>
-                  <a:pt x="181556" y="851885"/>
-                  <a:pt x="181556" y="862535"/>
-                </a:cubicBezTo>
-                <a:cubicBezTo>
-                  <a:pt x="181556" y="883835"/>
-                  <a:pt x="170872" y="915781"/>
-                  <a:pt x="181556" y="937076"/>
-                </a:cubicBezTo>
-                <a:cubicBezTo>
-                  <a:pt x="181556" y="958371"/>
-                  <a:pt x="170872" y="990321"/>
-                  <a:pt x="170872" y="1011617"/>
-                </a:cubicBezTo>
-                <a:cubicBezTo>
-                  <a:pt x="181556" y="1022267"/>
-                  <a:pt x="192236" y="1086152"/>
-                  <a:pt x="192236" y="1086152"/>
-                </a:cubicBezTo>
-                <a:cubicBezTo>
-                  <a:pt x="192236" y="1086152"/>
-                  <a:pt x="181556" y="1245884"/>
-                  <a:pt x="181556" y="1267179"/>
-                </a:cubicBezTo>
-                <a:cubicBezTo>
-                  <a:pt x="192236" y="1288475"/>
-                  <a:pt x="213594" y="1309775"/>
-                  <a:pt x="202915" y="1320420"/>
-                </a:cubicBezTo>
-                <a:cubicBezTo>
-                  <a:pt x="202915" y="1331070"/>
-                  <a:pt x="192236" y="1384311"/>
-                  <a:pt x="192236" y="1384311"/>
-                </a:cubicBezTo>
-                <a:cubicBezTo>
-                  <a:pt x="192236" y="1394961"/>
-                  <a:pt x="213599" y="1458846"/>
-                  <a:pt x="213599" y="1458846"/>
-                </a:cubicBezTo>
-                <a:cubicBezTo>
-                  <a:pt x="213599" y="1607928"/>
-                  <a:pt x="213599" y="1607928"/>
-                  <a:pt x="213599" y="1607928"/>
-                </a:cubicBezTo>
-                <a:cubicBezTo>
-                  <a:pt x="213599" y="1607928"/>
-                  <a:pt x="256316" y="1788950"/>
-                  <a:pt x="256316" y="1831546"/>
-                </a:cubicBezTo>
-                <a:cubicBezTo>
-                  <a:pt x="256316" y="1863496"/>
-                  <a:pt x="288353" y="1969977"/>
-                  <a:pt x="288353" y="1969977"/>
-                </a:cubicBezTo>
-                <a:cubicBezTo>
-                  <a:pt x="288353" y="1969977"/>
-                  <a:pt x="277674" y="1991277"/>
-                  <a:pt x="277674" y="2001928"/>
-                </a:cubicBezTo>
-                <a:lnTo>
-                  <a:pt x="299038" y="2012573"/>
-                </a:lnTo>
-                <a:cubicBezTo>
-                  <a:pt x="309717" y="2055173"/>
-                  <a:pt x="309717" y="2055173"/>
-                  <a:pt x="309717" y="2055173"/>
-                </a:cubicBezTo>
-                <a:cubicBezTo>
-                  <a:pt x="309717" y="2055173"/>
-                  <a:pt x="266995" y="2087119"/>
-                  <a:pt x="266995" y="2097764"/>
-                </a:cubicBezTo>
-                <a:lnTo>
-                  <a:pt x="234957" y="2108414"/>
-                </a:lnTo>
-                <a:cubicBezTo>
-                  <a:pt x="192241" y="2108414"/>
-                  <a:pt x="192241" y="2108414"/>
-                  <a:pt x="192241" y="2108414"/>
-                </a:cubicBezTo>
-                <a:cubicBezTo>
-                  <a:pt x="32037" y="2108414"/>
-                  <a:pt x="32037" y="2108414"/>
-                  <a:pt x="32037" y="2108414"/>
-                </a:cubicBezTo>
-                <a:cubicBezTo>
-                  <a:pt x="32037" y="2108414"/>
-                  <a:pt x="10679" y="2353332"/>
-                  <a:pt x="21358" y="2385277"/>
-                </a:cubicBezTo>
-                <a:cubicBezTo>
-                  <a:pt x="32037" y="2417228"/>
-                  <a:pt x="21358" y="2417228"/>
-                  <a:pt x="21358" y="2417228"/>
-                </a:cubicBezTo>
-                <a:cubicBezTo>
-                  <a:pt x="21358" y="2417228"/>
-                  <a:pt x="0" y="2651490"/>
-                  <a:pt x="10679" y="2672790"/>
-                </a:cubicBezTo>
-                <a:lnTo>
-                  <a:pt x="10679" y="2672790"/>
-                </a:lnTo>
-                <a:close/>
-                <a:moveTo>
-                  <a:pt x="747600" y="1469512"/>
-                </a:moveTo>
-                <a:cubicBezTo>
-                  <a:pt x="747600" y="926441"/>
-                  <a:pt x="576717" y="670873"/>
-                  <a:pt x="576717" y="670873"/>
-                </a:cubicBezTo>
-                <a:cubicBezTo>
-                  <a:pt x="534001" y="575037"/>
-                  <a:pt x="534001" y="575037"/>
-                  <a:pt x="534001" y="575037"/>
-                </a:cubicBezTo>
-                <a:cubicBezTo>
-                  <a:pt x="651482" y="702819"/>
-                  <a:pt x="651482" y="702819"/>
-                  <a:pt x="651482" y="702819"/>
-                </a:cubicBezTo>
-                <a:cubicBezTo>
-                  <a:pt x="683520" y="766704"/>
-                  <a:pt x="736921" y="724114"/>
-                  <a:pt x="736921" y="724114"/>
-                </a:cubicBezTo>
-                <a:cubicBezTo>
-                  <a:pt x="736921" y="724114"/>
-                  <a:pt x="736921" y="724114"/>
-                  <a:pt x="833038" y="915786"/>
-                </a:cubicBezTo>
-                <a:cubicBezTo>
-                  <a:pt x="918477" y="1118108"/>
-                  <a:pt x="1025279" y="1757015"/>
-                  <a:pt x="1025279" y="1757015"/>
-                </a:cubicBezTo>
-                <a:cubicBezTo>
-                  <a:pt x="982557" y="1767665"/>
-                  <a:pt x="982557" y="1767665"/>
-                  <a:pt x="982557" y="1767665"/>
-                </a:cubicBezTo>
-                <a:cubicBezTo>
-                  <a:pt x="982557" y="1767665"/>
-                  <a:pt x="971878" y="1842201"/>
-                  <a:pt x="982557" y="1735715"/>
-                </a:cubicBezTo>
-                <a:cubicBezTo>
-                  <a:pt x="993242" y="1629234"/>
-                  <a:pt x="758279" y="883840"/>
-                  <a:pt x="779637" y="873190"/>
-                </a:cubicBezTo>
-                <a:cubicBezTo>
-                  <a:pt x="801001" y="873190"/>
-                  <a:pt x="758279" y="788004"/>
-                  <a:pt x="758279" y="788004"/>
-                </a:cubicBezTo>
-                <a:cubicBezTo>
-                  <a:pt x="694193" y="777354"/>
-                  <a:pt x="694193" y="777354"/>
-                  <a:pt x="694193" y="777354"/>
-                </a:cubicBezTo>
-                <a:cubicBezTo>
-                  <a:pt x="694193" y="777354"/>
-                  <a:pt x="619434" y="766704"/>
-                  <a:pt x="715557" y="873190"/>
-                </a:cubicBezTo>
-                <a:cubicBezTo>
-                  <a:pt x="811675" y="990321"/>
-                  <a:pt x="833038" y="1820901"/>
-                  <a:pt x="833038" y="1820901"/>
-                </a:cubicBezTo>
-                <a:cubicBezTo>
-                  <a:pt x="534001" y="1820901"/>
-                  <a:pt x="534001" y="1820901"/>
-                  <a:pt x="534001" y="1820901"/>
-                </a:cubicBezTo>
-                <a:cubicBezTo>
-                  <a:pt x="534001" y="1820901"/>
-                  <a:pt x="768963" y="1597294"/>
-                  <a:pt x="747600" y="1469512"/>
-                </a:cubicBezTo>
-                <a:lnTo>
-                  <a:pt x="747600" y="1469512"/>
-                </a:lnTo>
-                <a:close/>
-              </a:path>
-            </a:pathLst>
-          </a:custGeom>
-          <a:solidFill>
-            <a:srgbClr val="A3ADD2"/>
-          </a:solidFill>
-        </p:spPr>
-        <p:txBody>
-          <a:bodyPr lIns="133945" rIns="133945" rtlCol="0" anchor="ctr"/>
-          <a:lstStyle/>
-          <a:p>
-            <a:pPr algn="l"/>
-            <a:endParaRPr lang="en-US" sz="1160"/>
-          </a:p>
-        </p:txBody>
-      </p:sp>
-      <p:sp>
-        <p:nvSpPr>
           <p:cNvPr id="48" name="TextBox 12"/>
           <p:cNvSpPr txBox="1"/>
           <p:nvPr/>
         </p:nvSpPr>
         <p:spPr>
           <a:xfrm>
-            <a:off x="1566944" y="2605680"/>
-            <a:ext cx="3119740" cy="1098891"/>
+            <a:off x="1566944" y="2040784"/>
+            <a:ext cx="3523530" cy="2228687"/>
           </a:xfrm>
           <a:prstGeom prst="rect">
             <a:avLst/>
@@ -27141,7 +21496,7 @@
                 <a:latin typeface="Microsoft YaHei"/>
                 <a:ea typeface="Microsoft YaHei"/>
               </a:rPr>
-              <a:t>本项目基于</a:t>
+              <a:t>本项目是基于</a:t>
             </a:r>
             <a:r>
               <a:rPr lang="en-US" altLang="zh-CN" sz="1266" b="1" dirty="0">
@@ -27208,6 +21563,140 @@
             </a:endParaRPr>
           </a:p>
           <a:p>
+            <a:pPr marL="742950" lvl="1" indent="-285750" latinLnBrk="1">
+              <a:lnSpc>
+                <a:spcPct val="116199"/>
+              </a:lnSpc>
+              <a:buFont typeface="Wingdings" panose="05000000000000000000" pitchFamily="2" charset="2"/>
+              <a:buChar char="Ø"/>
+            </a:pPr>
+            <a:r>
+              <a:rPr lang="zh-CN" altLang="en-US" sz="1266" dirty="0">
+                <a:solidFill>
+                  <a:srgbClr val="757575"/>
+                </a:solidFill>
+                <a:latin typeface="Microsoft YaHei"/>
+                <a:ea typeface="Microsoft YaHei"/>
+              </a:rPr>
+              <a:t>初始界面：可选择人机对战、双人对战</a:t>
+            </a:r>
+            <a:endParaRPr lang="en-US" altLang="zh-CN" sz="1266" dirty="0">
+              <a:solidFill>
+                <a:srgbClr val="757575"/>
+              </a:solidFill>
+              <a:latin typeface="Microsoft YaHei"/>
+              <a:ea typeface="Microsoft YaHei"/>
+            </a:endParaRPr>
+          </a:p>
+          <a:p>
+            <a:pPr marL="742950" lvl="1" indent="-285750" latinLnBrk="1">
+              <a:lnSpc>
+                <a:spcPct val="116199"/>
+              </a:lnSpc>
+              <a:buFont typeface="Wingdings" panose="05000000000000000000" pitchFamily="2" charset="2"/>
+              <a:buChar char="Ø"/>
+            </a:pPr>
+            <a:r>
+              <a:rPr lang="zh-CN" altLang="en-US" sz="1266" dirty="0">
+                <a:solidFill>
+                  <a:srgbClr val="757575"/>
+                </a:solidFill>
+                <a:latin typeface="Microsoft YaHei"/>
+                <a:ea typeface="Microsoft YaHei"/>
+              </a:rPr>
+              <a:t>游戏界面：可选择“重开”、“返回”、“悔棋”、“认输”</a:t>
+            </a:r>
+            <a:endParaRPr lang="en-US" altLang="zh-CN" sz="1266" dirty="0">
+              <a:solidFill>
+                <a:srgbClr val="757575"/>
+              </a:solidFill>
+              <a:latin typeface="Microsoft YaHei"/>
+              <a:ea typeface="Microsoft YaHei"/>
+            </a:endParaRPr>
+          </a:p>
+          <a:p>
+            <a:pPr marL="189846" indent="-189846" latinLnBrk="1">
+              <a:lnSpc>
+                <a:spcPct val="116199"/>
+              </a:lnSpc>
+              <a:buFont typeface="Arial"/>
+              <a:buChar char="•"/>
+            </a:pPr>
+            <a:r>
+              <a:rPr lang="zh-CN" altLang="en-US" sz="1266" dirty="0">
+                <a:solidFill>
+                  <a:srgbClr val="757575"/>
+                </a:solidFill>
+                <a:latin typeface="Microsoft YaHei"/>
+                <a:ea typeface="Microsoft YaHei"/>
+              </a:rPr>
+              <a:t>人机对战（枚举法、</a:t>
+            </a:r>
+            <a:r>
+              <a:rPr lang="en-US" altLang="zh-CN" sz="1266" dirty="0" err="1">
+                <a:solidFill>
+                  <a:srgbClr val="757575"/>
+                </a:solidFill>
+                <a:latin typeface="Microsoft YaHei"/>
+                <a:ea typeface="Microsoft YaHei"/>
+              </a:rPr>
+              <a:t>alpa</a:t>
+            </a:r>
+            <a:r>
+              <a:rPr lang="en-US" altLang="zh-CN" sz="1266" dirty="0">
+                <a:solidFill>
+                  <a:srgbClr val="757575"/>
+                </a:solidFill>
+                <a:latin typeface="Microsoft YaHei"/>
+                <a:ea typeface="Microsoft YaHei"/>
+              </a:rPr>
+              <a:t>-beta</a:t>
+            </a:r>
+            <a:r>
+              <a:rPr lang="zh-CN" altLang="en-US" sz="1266" dirty="0">
+                <a:solidFill>
+                  <a:srgbClr val="757575"/>
+                </a:solidFill>
+                <a:latin typeface="Microsoft YaHei"/>
+                <a:ea typeface="Microsoft YaHei"/>
+              </a:rPr>
+              <a:t>剪枝算法）</a:t>
+            </a:r>
+            <a:endParaRPr lang="en-US" altLang="zh-CN" sz="1266" dirty="0">
+              <a:solidFill>
+                <a:srgbClr val="757575"/>
+              </a:solidFill>
+              <a:latin typeface="Microsoft YaHei"/>
+              <a:ea typeface="Microsoft YaHei"/>
+            </a:endParaRPr>
+          </a:p>
+          <a:p>
+            <a:pPr marL="189846" indent="-189846" latinLnBrk="1">
+              <a:lnSpc>
+                <a:spcPct val="116199"/>
+              </a:lnSpc>
+              <a:buFont typeface="Arial"/>
+              <a:buChar char="•"/>
+            </a:pPr>
+            <a:r>
+              <a:rPr lang="zh-CN" altLang="en-US" sz="1266" dirty="0">
+                <a:solidFill>
+                  <a:srgbClr val="757575"/>
+                </a:solidFill>
+                <a:latin typeface="Microsoft YaHei"/>
+                <a:ea typeface="Microsoft YaHei"/>
+              </a:rPr>
+              <a:t>双人对战：（网络通信）</a:t>
+            </a:r>
+            <a:endParaRPr lang="en-US" altLang="zh-CN" sz="1266" dirty="0">
+              <a:solidFill>
+                <a:srgbClr val="757575"/>
+              </a:solidFill>
+              <a:latin typeface="Microsoft YaHei"/>
+              <a:ea typeface="Microsoft YaHei"/>
+            </a:endParaRPr>
+          </a:p>
+          <a:p>
             <a:pPr algn="l" latinLnBrk="1">
               <a:lnSpc>
                 <a:spcPct val="116199"/>
@@ -27231,6 +21720,35 @@
           </a:p>
         </p:txBody>
       </p:sp>
+      <p:pic>
+        <p:nvPicPr>
+          <p:cNvPr id="2" name="图片 1">
+            <a:extLst>
+              <a:ext uri="{FF2B5EF4-FFF2-40B4-BE49-F238E27FC236}">
+                <a16:creationId xmlns:a16="http://schemas.microsoft.com/office/drawing/2014/main" id="{9441502E-F8A3-474C-8E7E-BAC309937721}"/>
+              </a:ext>
+            </a:extLst>
+          </p:cNvPr>
+          <p:cNvPicPr>
+            <a:picLocks noChangeAspect="1"/>
+          </p:cNvPicPr>
+          <p:nvPr/>
+        </p:nvPicPr>
+        <p:blipFill rotWithShape="1">
+          <a:blip r:embed="rId3"/>
+          <a:srcRect l="9131" t="4573" r="32036" b="1766"/>
+          <a:stretch/>
+        </p:blipFill>
+        <p:spPr>
+          <a:xfrm>
+            <a:off x="6254206" y="1396463"/>
+            <a:ext cx="4662033" cy="4174777"/>
+          </a:xfrm>
+          <a:prstGeom prst="rect">
+            <a:avLst/>
+          </a:prstGeom>
+        </p:spPr>
+      </p:pic>
     </p:spTree>
     <p:extLst>
       <p:ext uri="{BB962C8B-B14F-4D97-AF65-F5344CB8AC3E}">
@@ -27491,7 +22009,7 @@
                                           </p:stCondLst>
                                         </p:cTn>
                                         <p:tgtEl>
-                                          <p:spTgt spid="46"/>
+                                          <p:spTgt spid="48"/>
                                         </p:tgtEl>
                                         <p:attrNameLst>
                                           <p:attrName>style.visibility</p:attrName>
@@ -27504,76 +22022,6 @@
                                     <p:animEffect transition="in" filter="fade">
                                       <p:cBhvr>
                                         <p:cTn id="25" dur="1000"/>
-                                        <p:tgtEl>
-                                          <p:spTgt spid="46"/>
-                                        </p:tgtEl>
-                                      </p:cBhvr>
-                                    </p:animEffect>
-                                  </p:childTnLst>
-                                </p:cTn>
-                              </p:par>
-                              <p:par>
-                                <p:cTn id="26" presetID="10" presetClass="entr" presetSubtype="0" fill="hold" grpId="0" nodeType="withEffect">
-                                  <p:stCondLst>
-                                    <p:cond delay="0"/>
-                                  </p:stCondLst>
-                                  <p:childTnLst>
-                                    <p:set>
-                                      <p:cBhvr>
-                                        <p:cTn id="27" dur="1" fill="hold">
-                                          <p:stCondLst>
-                                            <p:cond delay="0"/>
-                                          </p:stCondLst>
-                                        </p:cTn>
-                                        <p:tgtEl>
-                                          <p:spTgt spid="47"/>
-                                        </p:tgtEl>
-                                        <p:attrNameLst>
-                                          <p:attrName>style.visibility</p:attrName>
-                                        </p:attrNameLst>
-                                      </p:cBhvr>
-                                      <p:to>
-                                        <p:strVal val="visible"/>
-                                      </p:to>
-                                    </p:set>
-                                    <p:animEffect transition="in" filter="fade">
-                                      <p:cBhvr>
-                                        <p:cTn id="28" dur="1000"/>
-                                        <p:tgtEl>
-                                          <p:spTgt spid="47"/>
-                                        </p:tgtEl>
-                                      </p:cBhvr>
-                                    </p:animEffect>
-                                  </p:childTnLst>
-                                </p:cTn>
-                              </p:par>
-                              <p:par>
-                                <p:cTn id="29" presetID="10" presetClass="entr" presetSubtype="0" fill="hold" grpId="0" nodeType="withEffect">
-                                  <p:stCondLst>
-                                    <p:cond delay="0"/>
-                                  </p:stCondLst>
-                                  <p:childTnLst>
-                                    <p:set>
-                                      <p:cBhvr>
-                                        <p:cTn id="30" dur="1" fill="hold">
-                                          <p:stCondLst>
-                                            <p:cond delay="0"/>
-                                          </p:stCondLst>
-                                        </p:cTn>
-                                        <p:tgtEl>
-                                          <p:spTgt spid="48"/>
-                                        </p:tgtEl>
-                                        <p:attrNameLst>
-                                          <p:attrName>style.visibility</p:attrName>
-                                        </p:attrNameLst>
-                                      </p:cBhvr>
-                                      <p:to>
-                                        <p:strVal val="visible"/>
-                                      </p:to>
-                                    </p:set>
-                                    <p:animEffect transition="in" filter="fade">
-                                      <p:cBhvr>
-                                        <p:cTn id="31" dur="1000"/>
                                         <p:tgtEl>
                                           <p:spTgt spid="48"/>
                                         </p:tgtEl>
@@ -27616,15 +22064,13 @@
       <p:bldP spid="40" grpId="0" animBg="1"/>
       <p:bldP spid="41" grpId="0" animBg="1"/>
       <p:bldP spid="42" grpId="0" animBg="1"/>
-      <p:bldP spid="46" grpId="0" animBg="1"/>
-      <p:bldP spid="47" grpId="0" animBg="1"/>
       <p:bldP spid="48" grpId="0" animBg="1"/>
     </p:bldLst>
   </p:timing>
 </p:sld>
 </file>
 
-<file path=ppt/slides/slide6.xml><?xml version="1.0" encoding="utf-8"?>
+<file path=ppt/slides/slide5.xml><?xml version="1.0" encoding="utf-8"?>
 <p:sld xmlns:a="http://schemas.openxmlformats.org/drawingml/2006/main" xmlns:r="http://schemas.openxmlformats.org/officeDocument/2006/relationships" xmlns:p="http://schemas.openxmlformats.org/presentationml/2006/main">
   <p:cSld>
     <p:spTree>
@@ -28358,6 +22804,2311 @@
       <p:bldP spid="91" grpId="0" animBg="1"/>
       <p:bldP spid="94" grpId="0" animBg="1"/>
       <p:bldP spid="95" grpId="0" animBg="1"/>
+    </p:bldLst>
+  </p:timing>
+</p:sld>
+</file>
+
+<file path=ppt/slides/slide6.xml><?xml version="1.0" encoding="utf-8"?>
+<p:sld xmlns:a="http://schemas.openxmlformats.org/drawingml/2006/main" xmlns:r="http://schemas.openxmlformats.org/officeDocument/2006/relationships" xmlns:p="http://schemas.openxmlformats.org/presentationml/2006/main">
+  <p:cSld>
+    <p:spTree>
+      <p:nvGrpSpPr>
+        <p:cNvPr id="1" name=""/>
+        <p:cNvGrpSpPr/>
+        <p:nvPr/>
+      </p:nvGrpSpPr>
+      <p:grpSpPr>
+        <a:xfrm>
+          <a:off x="0" y="0"/>
+          <a:ext cx="0" cy="0"/>
+          <a:chOff x="0" y="0"/>
+          <a:chExt cx="0" cy="0"/>
+        </a:xfrm>
+      </p:grpSpPr>
+      <p:graphicFrame>
+        <p:nvGraphicFramePr>
+          <p:cNvPr id="83" name="Table 1"/>
+          <p:cNvGraphicFramePr>
+            <a:graphicFrameLocks noGrp="1"/>
+          </p:cNvGraphicFramePr>
+          <p:nvPr/>
+        </p:nvGraphicFramePr>
+        <p:xfrm>
+          <a:off x="2559844" y="1165324"/>
+          <a:ext cx="7072314" cy="4641836"/>
+        </p:xfrm>
+        <a:graphic>
+          <a:graphicData uri="http://schemas.openxmlformats.org/drawingml/2006/table">
+            <a:tbl>
+              <a:tblPr/>
+              <a:tblGrid>
+                <a:gridCol w="2357438">
+                  <a:extLst>
+                    <a:ext uri="{9D8B030D-6E8A-4147-A177-3AD203B41FA5}">
+                      <a16:colId xmlns:a16="http://schemas.microsoft.com/office/drawing/2014/main" val="20000"/>
+                    </a:ext>
+                  </a:extLst>
+                </a:gridCol>
+                <a:gridCol w="2357438">
+                  <a:extLst>
+                    <a:ext uri="{9D8B030D-6E8A-4147-A177-3AD203B41FA5}">
+                      <a16:colId xmlns:a16="http://schemas.microsoft.com/office/drawing/2014/main" val="20001"/>
+                    </a:ext>
+                  </a:extLst>
+                </a:gridCol>
+                <a:gridCol w="2357438">
+                  <a:extLst>
+                    <a:ext uri="{9D8B030D-6E8A-4147-A177-3AD203B41FA5}">
+                      <a16:colId xmlns:a16="http://schemas.microsoft.com/office/drawing/2014/main" val="20002"/>
+                    </a:ext>
+                  </a:extLst>
+                </a:gridCol>
+              </a:tblGrid>
+              <a:tr h="435322">
+                <a:tc>
+                  <a:txBody>
+                    <a:bodyPr/>
+                    <a:lstStyle/>
+                    <a:p>
+                      <a:pPr algn="ctr" latinLnBrk="1">
+                        <a:lnSpc>
+                          <a:spcPct val="116199"/>
+                        </a:lnSpc>
+                      </a:pPr>
+                      <a:r>
+                        <a:rPr lang="en-US" sz="1900">
+                          <a:solidFill>
+                            <a:srgbClr val="A3ADD2"/>
+                          </a:solidFill>
+                          <a:latin typeface="Microsoft YaHei"/>
+                          <a:ea typeface="Microsoft YaHei"/>
+                        </a:rPr>
+                        <a:t>课程</a:t>
+                      </a:r>
+                      <a:endParaRPr lang="en-US" sz="1200"/>
+                    </a:p>
+                  </a:txBody>
+                  <a:tcPr marL="66973" marR="66973" marT="48220" marB="48220" anchor="ctr">
+                    <a:lnL cap="flat" cmpd="sng" algn="ctr">
+                      <a:solidFill>
+                        <a:srgbClr val="FFFFFF"/>
+                      </a:solidFill>
+                      <a:prstDash val="dash"/>
+                      <a:round/>
+                      <a:headEnd type="none" w="med" len="med"/>
+                      <a:tailEnd type="none" w="med" len="med"/>
+                    </a:lnL>
+                    <a:lnR cap="flat" cmpd="sng" algn="ctr">
+                      <a:solidFill>
+                        <a:srgbClr val="FFFFFF"/>
+                      </a:solidFill>
+                      <a:prstDash val="dash"/>
+                      <a:round/>
+                      <a:headEnd type="none" w="med" len="med"/>
+                      <a:tailEnd type="none" w="med" len="med"/>
+                    </a:lnR>
+                    <a:lnT cap="flat" cmpd="sng" algn="ctr">
+                      <a:solidFill>
+                        <a:srgbClr val="FFFFFF"/>
+                      </a:solidFill>
+                      <a:prstDash val="dash"/>
+                      <a:round/>
+                      <a:headEnd type="none" w="med" len="med"/>
+                      <a:tailEnd type="none" w="med" len="med"/>
+                    </a:lnT>
+                    <a:lnB cap="flat" cmpd="sng" algn="ctr">
+                      <a:solidFill>
+                        <a:srgbClr val="FFFFFF"/>
+                      </a:solidFill>
+                      <a:prstDash val="dash"/>
+                      <a:round/>
+                      <a:headEnd type="none" w="med" len="med"/>
+                      <a:tailEnd type="none" w="med" len="med"/>
+                    </a:lnB>
+                    <a:solidFill>
+                      <a:srgbClr val="EDD1D6"/>
+                    </a:solidFill>
+                  </a:tcPr>
+                </a:tc>
+                <a:tc>
+                  <a:txBody>
+                    <a:bodyPr/>
+                    <a:lstStyle/>
+                    <a:p>
+                      <a:pPr algn="ctr" latinLnBrk="1">
+                        <a:lnSpc>
+                          <a:spcPct val="116199"/>
+                        </a:lnSpc>
+                      </a:pPr>
+                      <a:r>
+                        <a:rPr lang="en-US" sz="1900">
+                          <a:solidFill>
+                            <a:srgbClr val="A3ADD2"/>
+                          </a:solidFill>
+                          <a:latin typeface="Microsoft YaHei"/>
+                          <a:ea typeface="Microsoft YaHei"/>
+                        </a:rPr>
+                        <a:t>师资</a:t>
+                      </a:r>
+                      <a:endParaRPr lang="en-US" sz="1200"/>
+                    </a:p>
+                  </a:txBody>
+                  <a:tcPr marL="66973" marR="66973" marT="48220" marB="48220" anchor="ctr">
+                    <a:lnL cap="flat" cmpd="sng" algn="ctr">
+                      <a:solidFill>
+                        <a:srgbClr val="FFFFFF"/>
+                      </a:solidFill>
+                      <a:prstDash val="dash"/>
+                      <a:round/>
+                      <a:headEnd type="none" w="med" len="med"/>
+                      <a:tailEnd type="none" w="med" len="med"/>
+                    </a:lnL>
+                    <a:lnR cap="flat" cmpd="sng" algn="ctr">
+                      <a:solidFill>
+                        <a:srgbClr val="FFFFFF"/>
+                      </a:solidFill>
+                      <a:prstDash val="dash"/>
+                      <a:round/>
+                      <a:headEnd type="none" w="med" len="med"/>
+                      <a:tailEnd type="none" w="med" len="med"/>
+                    </a:lnR>
+                    <a:lnT cap="flat" cmpd="sng" algn="ctr">
+                      <a:solidFill>
+                        <a:srgbClr val="FFFFFF"/>
+                      </a:solidFill>
+                      <a:prstDash val="dash"/>
+                      <a:round/>
+                      <a:headEnd type="none" w="med" len="med"/>
+                      <a:tailEnd type="none" w="med" len="med"/>
+                    </a:lnT>
+                    <a:lnB cap="flat" cmpd="sng" algn="ctr">
+                      <a:solidFill>
+                        <a:srgbClr val="FFFFFF"/>
+                      </a:solidFill>
+                      <a:prstDash val="dash"/>
+                      <a:round/>
+                      <a:headEnd type="none" w="med" len="med"/>
+                      <a:tailEnd type="none" w="med" len="med"/>
+                    </a:lnB>
+                    <a:solidFill>
+                      <a:srgbClr val="EDD1D6"/>
+                    </a:solidFill>
+                  </a:tcPr>
+                </a:tc>
+                <a:tc>
+                  <a:txBody>
+                    <a:bodyPr/>
+                    <a:lstStyle/>
+                    <a:p>
+                      <a:pPr algn="ctr" latinLnBrk="1">
+                        <a:lnSpc>
+                          <a:spcPct val="116199"/>
+                        </a:lnSpc>
+                      </a:pPr>
+                      <a:r>
+                        <a:rPr lang="en-US" sz="1900">
+                          <a:solidFill>
+                            <a:srgbClr val="A3ADD2"/>
+                          </a:solidFill>
+                          <a:latin typeface="Microsoft YaHei"/>
+                          <a:ea typeface="Microsoft YaHei"/>
+                        </a:rPr>
+                        <a:t>来源</a:t>
+                      </a:r>
+                      <a:endParaRPr lang="en-US" sz="1200"/>
+                    </a:p>
+                  </a:txBody>
+                  <a:tcPr marL="66973" marR="66973" marT="48220" marB="48220" anchor="ctr">
+                    <a:lnL cap="flat" cmpd="sng" algn="ctr">
+                      <a:solidFill>
+                        <a:srgbClr val="FFFFFF"/>
+                      </a:solidFill>
+                      <a:prstDash val="dash"/>
+                      <a:round/>
+                      <a:headEnd type="none" w="med" len="med"/>
+                      <a:tailEnd type="none" w="med" len="med"/>
+                    </a:lnL>
+                    <a:lnR cap="flat" cmpd="sng" algn="ctr">
+                      <a:solidFill>
+                        <a:srgbClr val="FFFFFF"/>
+                      </a:solidFill>
+                      <a:prstDash val="dash"/>
+                      <a:round/>
+                      <a:headEnd type="none" w="med" len="med"/>
+                      <a:tailEnd type="none" w="med" len="med"/>
+                    </a:lnR>
+                    <a:lnT cap="flat" cmpd="sng" algn="ctr">
+                      <a:solidFill>
+                        <a:srgbClr val="FFFFFF"/>
+                      </a:solidFill>
+                      <a:prstDash val="dash"/>
+                      <a:round/>
+                      <a:headEnd type="none" w="med" len="med"/>
+                      <a:tailEnd type="none" w="med" len="med"/>
+                    </a:lnT>
+                    <a:lnB cap="flat" cmpd="sng" algn="ctr">
+                      <a:solidFill>
+                        <a:srgbClr val="FFFFFF"/>
+                      </a:solidFill>
+                      <a:prstDash val="dash"/>
+                      <a:round/>
+                      <a:headEnd type="none" w="med" len="med"/>
+                      <a:tailEnd type="none" w="med" len="med"/>
+                    </a:lnB>
+                    <a:solidFill>
+                      <a:srgbClr val="EDD1D6"/>
+                    </a:solidFill>
+                  </a:tcPr>
+                </a:tc>
+                <a:extLst>
+                  <a:ext uri="{0D108BD9-81ED-4DB2-BD59-A6C34878D82A}">
+                    <a16:rowId xmlns:a16="http://schemas.microsoft.com/office/drawing/2014/main" val="10000"/>
+                  </a:ext>
+                </a:extLst>
+              </a:tr>
+              <a:tr h="435322">
+                <a:tc>
+                  <a:txBody>
+                    <a:bodyPr/>
+                    <a:lstStyle/>
+                    <a:p>
+                      <a:pPr algn="ctr" latinLnBrk="1">
+                        <a:lnSpc>
+                          <a:spcPct val="116199"/>
+                        </a:lnSpc>
+                      </a:pPr>
+                      <a:r>
+                        <a:rPr lang="en-US" sz="1200">
+                          <a:solidFill>
+                            <a:srgbClr val="42464B"/>
+                          </a:solidFill>
+                          <a:latin typeface="Microsoft YaHei"/>
+                          <a:ea typeface="Microsoft YaHei"/>
+                        </a:rPr>
+                        <a:t>创业板上市的投行券商业务</a:t>
+                      </a:r>
+                      <a:endParaRPr lang="en-US" sz="1200"/>
+                    </a:p>
+                  </a:txBody>
+                  <a:tcPr marL="66973" marR="66973" marT="48220" marB="48220" anchor="ctr">
+                    <a:lnL cap="flat" cmpd="sng" algn="ctr">
+                      <a:solidFill>
+                        <a:srgbClr val="FFFFFF"/>
+                      </a:solidFill>
+                      <a:prstDash val="dash"/>
+                      <a:round/>
+                      <a:headEnd type="none" w="med" len="med"/>
+                      <a:tailEnd type="none" w="med" len="med"/>
+                    </a:lnL>
+                    <a:lnR cap="flat" cmpd="sng" algn="ctr">
+                      <a:solidFill>
+                        <a:srgbClr val="FFFFFF"/>
+                      </a:solidFill>
+                      <a:prstDash val="dash"/>
+                      <a:round/>
+                      <a:headEnd type="none" w="med" len="med"/>
+                      <a:tailEnd type="none" w="med" len="med"/>
+                    </a:lnR>
+                    <a:lnT cap="flat" cmpd="sng" algn="ctr">
+                      <a:solidFill>
+                        <a:srgbClr val="FFFFFF"/>
+                      </a:solidFill>
+                      <a:prstDash val="dash"/>
+                      <a:round/>
+                      <a:headEnd type="none" w="med" len="med"/>
+                      <a:tailEnd type="none" w="med" len="med"/>
+                    </a:lnT>
+                    <a:lnB cap="flat" cmpd="sng" algn="ctr">
+                      <a:solidFill>
+                        <a:srgbClr val="FFFFFF"/>
+                      </a:solidFill>
+                      <a:prstDash val="dash"/>
+                      <a:round/>
+                      <a:headEnd type="none" w="med" len="med"/>
+                      <a:tailEnd type="none" w="med" len="med"/>
+                    </a:lnB>
+                    <a:solidFill>
+                      <a:srgbClr val="EEEEEE"/>
+                    </a:solidFill>
+                  </a:tcPr>
+                </a:tc>
+                <a:tc>
+                  <a:txBody>
+                    <a:bodyPr/>
+                    <a:lstStyle/>
+                    <a:p>
+                      <a:pPr algn="ctr" latinLnBrk="1">
+                        <a:lnSpc>
+                          <a:spcPct val="116199"/>
+                        </a:lnSpc>
+                      </a:pPr>
+                      <a:r>
+                        <a:rPr lang="en-US" sz="1200">
+                          <a:solidFill>
+                            <a:srgbClr val="42464B"/>
+                          </a:solidFill>
+                          <a:latin typeface="Microsoft YaHei"/>
+                          <a:ea typeface="Microsoft YaHei"/>
+                        </a:rPr>
+                        <a:t>梁化军</a:t>
+                      </a:r>
+                      <a:endParaRPr lang="en-US" sz="1200"/>
+                    </a:p>
+                  </a:txBody>
+                  <a:tcPr marL="66973" marR="66973" marT="48220" marB="48220" anchor="ctr">
+                    <a:lnL cap="flat" cmpd="sng" algn="ctr">
+                      <a:solidFill>
+                        <a:srgbClr val="FFFFFF"/>
+                      </a:solidFill>
+                      <a:prstDash val="dash"/>
+                      <a:round/>
+                      <a:headEnd type="none" w="med" len="med"/>
+                      <a:tailEnd type="none" w="med" len="med"/>
+                    </a:lnL>
+                    <a:lnR cap="flat" cmpd="sng" algn="ctr">
+                      <a:solidFill>
+                        <a:srgbClr val="FFFFFF"/>
+                      </a:solidFill>
+                      <a:prstDash val="dash"/>
+                      <a:round/>
+                      <a:headEnd type="none" w="med" len="med"/>
+                      <a:tailEnd type="none" w="med" len="med"/>
+                    </a:lnR>
+                    <a:lnT cap="flat" cmpd="sng" algn="ctr">
+                      <a:solidFill>
+                        <a:srgbClr val="FFFFFF"/>
+                      </a:solidFill>
+                      <a:prstDash val="dash"/>
+                      <a:round/>
+                      <a:headEnd type="none" w="med" len="med"/>
+                      <a:tailEnd type="none" w="med" len="med"/>
+                    </a:lnT>
+                    <a:lnB cap="flat" cmpd="sng" algn="ctr">
+                      <a:solidFill>
+                        <a:srgbClr val="FFFFFF"/>
+                      </a:solidFill>
+                      <a:prstDash val="dash"/>
+                      <a:round/>
+                      <a:headEnd type="none" w="med" len="med"/>
+                      <a:tailEnd type="none" w="med" len="med"/>
+                    </a:lnB>
+                    <a:solidFill>
+                      <a:srgbClr val="EEEEEE"/>
+                    </a:solidFill>
+                  </a:tcPr>
+                </a:tc>
+                <a:tc>
+                  <a:txBody>
+                    <a:bodyPr/>
+                    <a:lstStyle/>
+                    <a:p>
+                      <a:pPr algn="ctr" latinLnBrk="1">
+                        <a:lnSpc>
+                          <a:spcPct val="116199"/>
+                        </a:lnSpc>
+                      </a:pPr>
+                      <a:r>
+                        <a:rPr lang="en-US" sz="1200">
+                          <a:solidFill>
+                            <a:srgbClr val="42464B"/>
+                          </a:solidFill>
+                          <a:latin typeface="Microsoft YaHei"/>
+                          <a:ea typeface="Microsoft YaHei"/>
+                        </a:rPr>
+                        <a:t>东北证券投行部总经理</a:t>
+                      </a:r>
+                      <a:endParaRPr lang="en-US" sz="1200"/>
+                    </a:p>
+                  </a:txBody>
+                  <a:tcPr marL="66973" marR="66973" marT="48220" marB="48220" anchor="ctr">
+                    <a:lnL cap="flat" cmpd="sng" algn="ctr">
+                      <a:solidFill>
+                        <a:srgbClr val="FFFFFF"/>
+                      </a:solidFill>
+                      <a:prstDash val="dash"/>
+                      <a:round/>
+                      <a:headEnd type="none" w="med" len="med"/>
+                      <a:tailEnd type="none" w="med" len="med"/>
+                    </a:lnL>
+                    <a:lnR cap="flat" cmpd="sng" algn="ctr">
+                      <a:solidFill>
+                        <a:srgbClr val="FFFFFF"/>
+                      </a:solidFill>
+                      <a:prstDash val="dash"/>
+                      <a:round/>
+                      <a:headEnd type="none" w="med" len="med"/>
+                      <a:tailEnd type="none" w="med" len="med"/>
+                    </a:lnR>
+                    <a:lnT cap="flat" cmpd="sng" algn="ctr">
+                      <a:solidFill>
+                        <a:srgbClr val="FFFFFF"/>
+                      </a:solidFill>
+                      <a:prstDash val="dash"/>
+                      <a:round/>
+                      <a:headEnd type="none" w="med" len="med"/>
+                      <a:tailEnd type="none" w="med" len="med"/>
+                    </a:lnT>
+                    <a:lnB cap="flat" cmpd="sng" algn="ctr">
+                      <a:solidFill>
+                        <a:srgbClr val="FFFFFF"/>
+                      </a:solidFill>
+                      <a:prstDash val="dash"/>
+                      <a:round/>
+                      <a:headEnd type="none" w="med" len="med"/>
+                      <a:tailEnd type="none" w="med" len="med"/>
+                    </a:lnB>
+                    <a:solidFill>
+                      <a:srgbClr val="EEEEEE"/>
+                    </a:solidFill>
+                  </a:tcPr>
+                </a:tc>
+                <a:extLst>
+                  <a:ext uri="{0D108BD9-81ED-4DB2-BD59-A6C34878D82A}">
+                    <a16:rowId xmlns:a16="http://schemas.microsoft.com/office/drawing/2014/main" val="10001"/>
+                  </a:ext>
+                </a:extLst>
+              </a:tr>
+              <a:tr h="435322">
+                <a:tc>
+                  <a:txBody>
+                    <a:bodyPr/>
+                    <a:lstStyle/>
+                    <a:p>
+                      <a:pPr algn="ctr" latinLnBrk="1">
+                        <a:lnSpc>
+                          <a:spcPct val="116199"/>
+                        </a:lnSpc>
+                      </a:pPr>
+                      <a:r>
+                        <a:rPr lang="en-US" sz="1200">
+                          <a:solidFill>
+                            <a:srgbClr val="42464B"/>
+                          </a:solidFill>
+                          <a:latin typeface="Microsoft YaHei"/>
+                          <a:ea typeface="Microsoft YaHei"/>
+                        </a:rPr>
+                        <a:t>中小企业的公司治理与反收购设置</a:t>
+                      </a:r>
+                      <a:endParaRPr lang="en-US" sz="1200"/>
+                    </a:p>
+                  </a:txBody>
+                  <a:tcPr marL="66973" marR="66973" marT="48220" marB="48220" anchor="ctr">
+                    <a:lnL cap="flat" cmpd="sng" algn="ctr">
+                      <a:solidFill>
+                        <a:srgbClr val="FFFFFF"/>
+                      </a:solidFill>
+                      <a:prstDash val="dash"/>
+                      <a:round/>
+                      <a:headEnd type="none" w="med" len="med"/>
+                      <a:tailEnd type="none" w="med" len="med"/>
+                    </a:lnL>
+                    <a:lnR cap="flat" cmpd="sng" algn="ctr">
+                      <a:solidFill>
+                        <a:srgbClr val="FFFFFF"/>
+                      </a:solidFill>
+                      <a:prstDash val="dash"/>
+                      <a:round/>
+                      <a:headEnd type="none" w="med" len="med"/>
+                      <a:tailEnd type="none" w="med" len="med"/>
+                    </a:lnR>
+                    <a:lnT cap="flat" cmpd="sng" algn="ctr">
+                      <a:solidFill>
+                        <a:srgbClr val="FFFFFF"/>
+                      </a:solidFill>
+                      <a:prstDash val="dash"/>
+                      <a:round/>
+                      <a:headEnd type="none" w="med" len="med"/>
+                      <a:tailEnd type="none" w="med" len="med"/>
+                    </a:lnT>
+                    <a:lnB cap="flat" cmpd="sng" algn="ctr">
+                      <a:solidFill>
+                        <a:srgbClr val="FFFFFF"/>
+                      </a:solidFill>
+                      <a:prstDash val="dash"/>
+                      <a:round/>
+                      <a:headEnd type="none" w="med" len="med"/>
+                      <a:tailEnd type="none" w="med" len="med"/>
+                    </a:lnB>
+                    <a:solidFill>
+                      <a:srgbClr val="EEEEEE"/>
+                    </a:solidFill>
+                  </a:tcPr>
+                </a:tc>
+                <a:tc>
+                  <a:txBody>
+                    <a:bodyPr/>
+                    <a:lstStyle/>
+                    <a:p>
+                      <a:pPr algn="ctr" latinLnBrk="1">
+                        <a:lnSpc>
+                          <a:spcPct val="116199"/>
+                        </a:lnSpc>
+                      </a:pPr>
+                      <a:r>
+                        <a:rPr lang="en-US" sz="1200">
+                          <a:solidFill>
+                            <a:srgbClr val="42464B"/>
+                          </a:solidFill>
+                          <a:latin typeface="Microsoft YaHei"/>
+                          <a:ea typeface="Microsoft YaHei"/>
+                        </a:rPr>
+                        <a:t>卢力平</a:t>
+                      </a:r>
+                      <a:endParaRPr lang="en-US" sz="1200"/>
+                    </a:p>
+                  </a:txBody>
+                  <a:tcPr marL="66973" marR="66973" marT="48220" marB="48220" anchor="ctr">
+                    <a:lnL cap="flat" cmpd="sng" algn="ctr">
+                      <a:solidFill>
+                        <a:srgbClr val="FFFFFF"/>
+                      </a:solidFill>
+                      <a:prstDash val="dash"/>
+                      <a:round/>
+                      <a:headEnd type="none" w="med" len="med"/>
+                      <a:tailEnd type="none" w="med" len="med"/>
+                    </a:lnL>
+                    <a:lnR cap="flat" cmpd="sng" algn="ctr">
+                      <a:solidFill>
+                        <a:srgbClr val="FFFFFF"/>
+                      </a:solidFill>
+                      <a:prstDash val="dash"/>
+                      <a:round/>
+                      <a:headEnd type="none" w="med" len="med"/>
+                      <a:tailEnd type="none" w="med" len="med"/>
+                    </a:lnR>
+                    <a:lnT cap="flat" cmpd="sng" algn="ctr">
+                      <a:solidFill>
+                        <a:srgbClr val="FFFFFF"/>
+                      </a:solidFill>
+                      <a:prstDash val="dash"/>
+                      <a:round/>
+                      <a:headEnd type="none" w="med" len="med"/>
+                      <a:tailEnd type="none" w="med" len="med"/>
+                    </a:lnT>
+                    <a:lnB cap="flat" cmpd="sng" algn="ctr">
+                      <a:solidFill>
+                        <a:srgbClr val="FFFFFF"/>
+                      </a:solidFill>
+                      <a:prstDash val="dash"/>
+                      <a:round/>
+                      <a:headEnd type="none" w="med" len="med"/>
+                      <a:tailEnd type="none" w="med" len="med"/>
+                    </a:lnB>
+                    <a:solidFill>
+                      <a:srgbClr val="EEEEEE"/>
+                    </a:solidFill>
+                  </a:tcPr>
+                </a:tc>
+                <a:tc>
+                  <a:txBody>
+                    <a:bodyPr/>
+                    <a:lstStyle/>
+                    <a:p>
+                      <a:pPr algn="ctr" latinLnBrk="1">
+                        <a:lnSpc>
+                          <a:spcPct val="116199"/>
+                        </a:lnSpc>
+                      </a:pPr>
+                      <a:r>
+                        <a:rPr lang="en-US" sz="1200">
+                          <a:solidFill>
+                            <a:srgbClr val="42464B"/>
+                          </a:solidFill>
+                          <a:latin typeface="Microsoft YaHei"/>
+                          <a:ea typeface="Microsoft YaHei"/>
+                        </a:rPr>
+                        <a:t>国家会计学院博士后、教授</a:t>
+                      </a:r>
+                      <a:endParaRPr lang="en-US" sz="1200"/>
+                    </a:p>
+                  </a:txBody>
+                  <a:tcPr marL="66973" marR="66973" marT="48220" marB="48220" anchor="ctr">
+                    <a:lnL cap="flat" cmpd="sng" algn="ctr">
+                      <a:solidFill>
+                        <a:srgbClr val="FFFFFF"/>
+                      </a:solidFill>
+                      <a:prstDash val="dash"/>
+                      <a:round/>
+                      <a:headEnd type="none" w="med" len="med"/>
+                      <a:tailEnd type="none" w="med" len="med"/>
+                    </a:lnL>
+                    <a:lnR cap="flat" cmpd="sng" algn="ctr">
+                      <a:solidFill>
+                        <a:srgbClr val="FFFFFF"/>
+                      </a:solidFill>
+                      <a:prstDash val="dash"/>
+                      <a:round/>
+                      <a:headEnd type="none" w="med" len="med"/>
+                      <a:tailEnd type="none" w="med" len="med"/>
+                    </a:lnR>
+                    <a:lnT cap="flat" cmpd="sng" algn="ctr">
+                      <a:solidFill>
+                        <a:srgbClr val="FFFFFF"/>
+                      </a:solidFill>
+                      <a:prstDash val="dash"/>
+                      <a:round/>
+                      <a:headEnd type="none" w="med" len="med"/>
+                      <a:tailEnd type="none" w="med" len="med"/>
+                    </a:lnT>
+                    <a:lnB cap="flat" cmpd="sng" algn="ctr">
+                      <a:solidFill>
+                        <a:srgbClr val="FFFFFF"/>
+                      </a:solidFill>
+                      <a:prstDash val="dash"/>
+                      <a:round/>
+                      <a:headEnd type="none" w="med" len="med"/>
+                      <a:tailEnd type="none" w="med" len="med"/>
+                    </a:lnB>
+                    <a:solidFill>
+                      <a:srgbClr val="EEEEEE"/>
+                    </a:solidFill>
+                  </a:tcPr>
+                </a:tc>
+                <a:extLst>
+                  <a:ext uri="{0D108BD9-81ED-4DB2-BD59-A6C34878D82A}">
+                    <a16:rowId xmlns:a16="http://schemas.microsoft.com/office/drawing/2014/main" val="10002"/>
+                  </a:ext>
+                </a:extLst>
+              </a:tr>
+              <a:tr h="435322">
+                <a:tc>
+                  <a:txBody>
+                    <a:bodyPr/>
+                    <a:lstStyle/>
+                    <a:p>
+                      <a:pPr algn="ctr" latinLnBrk="1">
+                        <a:lnSpc>
+                          <a:spcPct val="116199"/>
+                        </a:lnSpc>
+                      </a:pPr>
+                      <a:r>
+                        <a:rPr lang="en-US" sz="1200">
+                          <a:solidFill>
+                            <a:srgbClr val="42464B"/>
+                          </a:solidFill>
+                          <a:latin typeface="Microsoft YaHei"/>
+                          <a:ea typeface="Microsoft YaHei"/>
+                        </a:rPr>
+                        <a:t>上市前财务会计问题</a:t>
+                      </a:r>
+                      <a:endParaRPr lang="en-US" sz="1200"/>
+                    </a:p>
+                  </a:txBody>
+                  <a:tcPr marL="66973" marR="66973" marT="48220" marB="48220" anchor="ctr">
+                    <a:lnL cap="flat" cmpd="sng" algn="ctr">
+                      <a:solidFill>
+                        <a:srgbClr val="FFFFFF"/>
+                      </a:solidFill>
+                      <a:prstDash val="dash"/>
+                      <a:round/>
+                      <a:headEnd type="none" w="med" len="med"/>
+                      <a:tailEnd type="none" w="med" len="med"/>
+                    </a:lnL>
+                    <a:lnR cap="flat" cmpd="sng" algn="ctr">
+                      <a:solidFill>
+                        <a:srgbClr val="FFFFFF"/>
+                      </a:solidFill>
+                      <a:prstDash val="dash"/>
+                      <a:round/>
+                      <a:headEnd type="none" w="med" len="med"/>
+                      <a:tailEnd type="none" w="med" len="med"/>
+                    </a:lnR>
+                    <a:lnT cap="flat" cmpd="sng" algn="ctr">
+                      <a:solidFill>
+                        <a:srgbClr val="FFFFFF"/>
+                      </a:solidFill>
+                      <a:prstDash val="dash"/>
+                      <a:round/>
+                      <a:headEnd type="none" w="med" len="med"/>
+                      <a:tailEnd type="none" w="med" len="med"/>
+                    </a:lnT>
+                    <a:lnB cap="flat" cmpd="sng" algn="ctr">
+                      <a:solidFill>
+                        <a:srgbClr val="FFFFFF"/>
+                      </a:solidFill>
+                      <a:prstDash val="dash"/>
+                      <a:round/>
+                      <a:headEnd type="none" w="med" len="med"/>
+                      <a:tailEnd type="none" w="med" len="med"/>
+                    </a:lnB>
+                    <a:solidFill>
+                      <a:srgbClr val="EEEEEE"/>
+                    </a:solidFill>
+                  </a:tcPr>
+                </a:tc>
+                <a:tc rowSpan="2">
+                  <a:txBody>
+                    <a:bodyPr/>
+                    <a:lstStyle/>
+                    <a:p>
+                      <a:pPr algn="ctr" latinLnBrk="1">
+                        <a:lnSpc>
+                          <a:spcPct val="116199"/>
+                        </a:lnSpc>
+                      </a:pPr>
+                      <a:r>
+                        <a:rPr lang="en-US" sz="1200">
+                          <a:solidFill>
+                            <a:srgbClr val="42464B"/>
+                          </a:solidFill>
+                          <a:latin typeface="Microsoft YaHei"/>
+                          <a:ea typeface="Microsoft YaHei"/>
+                        </a:rPr>
+                        <a:t>苏洋与徐继凯互为替补</a:t>
+                      </a:r>
+                      <a:endParaRPr lang="en-US" sz="1200"/>
+                    </a:p>
+                  </a:txBody>
+                  <a:tcPr marL="66973" marR="66973" marT="48220" marB="48220" anchor="ctr">
+                    <a:lnL cap="flat" cmpd="sng" algn="ctr">
+                      <a:solidFill>
+                        <a:srgbClr val="FFFFFF"/>
+                      </a:solidFill>
+                      <a:prstDash val="dash"/>
+                      <a:round/>
+                      <a:headEnd type="none" w="med" len="med"/>
+                      <a:tailEnd type="none" w="med" len="med"/>
+                    </a:lnL>
+                    <a:lnR cap="flat" cmpd="sng" algn="ctr">
+                      <a:solidFill>
+                        <a:srgbClr val="FFFFFF"/>
+                      </a:solidFill>
+                      <a:prstDash val="dash"/>
+                      <a:round/>
+                      <a:headEnd type="none" w="med" len="med"/>
+                      <a:tailEnd type="none" w="med" len="med"/>
+                    </a:lnR>
+                    <a:lnT cap="flat" cmpd="sng" algn="ctr">
+                      <a:solidFill>
+                        <a:srgbClr val="FFFFFF"/>
+                      </a:solidFill>
+                      <a:prstDash val="dash"/>
+                      <a:round/>
+                      <a:headEnd type="none" w="med" len="med"/>
+                      <a:tailEnd type="none" w="med" len="med"/>
+                    </a:lnT>
+                    <a:lnB cap="flat" cmpd="sng" algn="ctr">
+                      <a:solidFill>
+                        <a:srgbClr val="FFFFFF"/>
+                      </a:solidFill>
+                      <a:prstDash val="dash"/>
+                      <a:round/>
+                      <a:headEnd type="none" w="med" len="med"/>
+                      <a:tailEnd type="none" w="med" len="med"/>
+                    </a:lnB>
+                    <a:solidFill>
+                      <a:srgbClr val="EEEEEE"/>
+                    </a:solidFill>
+                  </a:tcPr>
+                </a:tc>
+                <a:tc rowSpan="2">
+                  <a:txBody>
+                    <a:bodyPr/>
+                    <a:lstStyle/>
+                    <a:p>
+                      <a:pPr algn="ctr" latinLnBrk="1">
+                        <a:lnSpc>
+                          <a:spcPct val="116199"/>
+                        </a:lnSpc>
+                      </a:pPr>
+                      <a:r>
+                        <a:rPr lang="en-US" sz="1200">
+                          <a:solidFill>
+                            <a:srgbClr val="42464B"/>
+                          </a:solidFill>
+                          <a:latin typeface="Microsoft YaHei"/>
+                          <a:ea typeface="Microsoft YaHei"/>
+                        </a:rPr>
+                        <a:t>五洲会计师事务所首席合伙人</a:t>
+                      </a:r>
+                      <a:endParaRPr lang="en-US" sz="1200"/>
+                    </a:p>
+                  </a:txBody>
+                  <a:tcPr marL="66973" marR="66973" marT="48220" marB="48220" anchor="ctr">
+                    <a:lnL cap="flat" cmpd="sng" algn="ctr">
+                      <a:solidFill>
+                        <a:srgbClr val="FFFFFF"/>
+                      </a:solidFill>
+                      <a:prstDash val="dash"/>
+                      <a:round/>
+                      <a:headEnd type="none" w="med" len="med"/>
+                      <a:tailEnd type="none" w="med" len="med"/>
+                    </a:lnL>
+                    <a:lnR cap="flat" cmpd="sng" algn="ctr">
+                      <a:solidFill>
+                        <a:srgbClr val="FFFFFF"/>
+                      </a:solidFill>
+                      <a:prstDash val="dash"/>
+                      <a:round/>
+                      <a:headEnd type="none" w="med" len="med"/>
+                      <a:tailEnd type="none" w="med" len="med"/>
+                    </a:lnR>
+                    <a:lnT cap="flat" cmpd="sng" algn="ctr">
+                      <a:solidFill>
+                        <a:srgbClr val="FFFFFF"/>
+                      </a:solidFill>
+                      <a:prstDash val="dash"/>
+                      <a:round/>
+                      <a:headEnd type="none" w="med" len="med"/>
+                      <a:tailEnd type="none" w="med" len="med"/>
+                    </a:lnT>
+                    <a:lnB cap="flat" cmpd="sng" algn="ctr">
+                      <a:solidFill>
+                        <a:srgbClr val="FFFFFF"/>
+                      </a:solidFill>
+                      <a:prstDash val="dash"/>
+                      <a:round/>
+                      <a:headEnd type="none" w="med" len="med"/>
+                      <a:tailEnd type="none" w="med" len="med"/>
+                    </a:lnB>
+                    <a:solidFill>
+                      <a:srgbClr val="EEEEEE"/>
+                    </a:solidFill>
+                  </a:tcPr>
+                </a:tc>
+                <a:extLst>
+                  <a:ext uri="{0D108BD9-81ED-4DB2-BD59-A6C34878D82A}">
+                    <a16:rowId xmlns:a16="http://schemas.microsoft.com/office/drawing/2014/main" val="10003"/>
+                  </a:ext>
+                </a:extLst>
+              </a:tr>
+              <a:tr h="435322">
+                <a:tc>
+                  <a:txBody>
+                    <a:bodyPr/>
+                    <a:lstStyle/>
+                    <a:p>
+                      <a:pPr algn="ctr" latinLnBrk="1">
+                        <a:lnSpc>
+                          <a:spcPct val="116199"/>
+                        </a:lnSpc>
+                      </a:pPr>
+                      <a:r>
+                        <a:rPr lang="en-US" sz="1200">
+                          <a:solidFill>
+                            <a:srgbClr val="42464B"/>
+                          </a:solidFill>
+                          <a:latin typeface="Microsoft YaHei"/>
+                          <a:ea typeface="Microsoft YaHei"/>
+                        </a:rPr>
+                        <a:t>上市前审计税务问题</a:t>
+                      </a:r>
+                      <a:endParaRPr lang="en-US" sz="1200"/>
+                    </a:p>
+                  </a:txBody>
+                  <a:tcPr marL="66973" marR="66973" marT="48220" marB="48220" anchor="ctr">
+                    <a:lnL cap="flat" cmpd="sng" algn="ctr">
+                      <a:solidFill>
+                        <a:srgbClr val="FFFFFF"/>
+                      </a:solidFill>
+                      <a:prstDash val="dash"/>
+                      <a:round/>
+                      <a:headEnd type="none" w="med" len="med"/>
+                      <a:tailEnd type="none" w="med" len="med"/>
+                    </a:lnL>
+                    <a:lnR cap="flat" cmpd="sng" algn="ctr">
+                      <a:solidFill>
+                        <a:srgbClr val="FFFFFF"/>
+                      </a:solidFill>
+                      <a:prstDash val="dash"/>
+                      <a:round/>
+                      <a:headEnd type="none" w="med" len="med"/>
+                      <a:tailEnd type="none" w="med" len="med"/>
+                    </a:lnR>
+                    <a:lnT cap="flat" cmpd="sng" algn="ctr">
+                      <a:solidFill>
+                        <a:srgbClr val="FFFFFF"/>
+                      </a:solidFill>
+                      <a:prstDash val="dash"/>
+                      <a:round/>
+                      <a:headEnd type="none" w="med" len="med"/>
+                      <a:tailEnd type="none" w="med" len="med"/>
+                    </a:lnT>
+                    <a:lnB cap="flat" cmpd="sng" algn="ctr">
+                      <a:solidFill>
+                        <a:srgbClr val="FFFFFF"/>
+                      </a:solidFill>
+                      <a:prstDash val="dash"/>
+                      <a:round/>
+                      <a:headEnd type="none" w="med" len="med"/>
+                      <a:tailEnd type="none" w="med" len="med"/>
+                    </a:lnB>
+                    <a:solidFill>
+                      <a:srgbClr val="EEEEEE"/>
+                    </a:solidFill>
+                  </a:tcPr>
+                </a:tc>
+                <a:tc vMerge="1">
+                  <a:txBody>
+                    <a:bodyPr/>
+                    <a:lstStyle/>
+                    <a:p>
+                      <a:pPr algn="ctr" latinLnBrk="1">
+                        <a:lnSpc>
+                          <a:spcPct val="116199"/>
+                        </a:lnSpc>
+                      </a:pPr>
+                      <a:endParaRPr lang="en-US" sz="1100"/>
+                    </a:p>
+                  </a:txBody>
+                  <a:tcPr marL="63500" marR="63500" anchor="ctr">
+                    <a:lnL cap="flat" cmpd="sng" algn="ctr">
+                      <a:solidFill>
+                        <a:srgbClr val="FFFFFF"/>
+                      </a:solidFill>
+                      <a:prstDash val="dash"/>
+                      <a:round/>
+                      <a:headEnd type="none" w="med" len="med"/>
+                      <a:tailEnd type="none" w="med" len="med"/>
+                    </a:lnL>
+                    <a:lnR cap="flat" cmpd="sng" algn="ctr">
+                      <a:solidFill>
+                        <a:srgbClr val="FFFFFF"/>
+                      </a:solidFill>
+                      <a:prstDash val="dash"/>
+                      <a:round/>
+                      <a:headEnd type="none" w="med" len="med"/>
+                      <a:tailEnd type="none" w="med" len="med"/>
+                    </a:lnR>
+                    <a:lnT cap="flat" cmpd="sng" algn="ctr">
+                      <a:solidFill>
+                        <a:srgbClr val="FFFFFF"/>
+                      </a:solidFill>
+                      <a:prstDash val="dash"/>
+                      <a:round/>
+                      <a:headEnd type="none" w="med" len="med"/>
+                      <a:tailEnd type="none" w="med" len="med"/>
+                    </a:lnT>
+                    <a:lnB cap="flat" cmpd="sng" algn="ctr">
+                      <a:solidFill>
+                        <a:srgbClr val="FFFFFF"/>
+                      </a:solidFill>
+                      <a:prstDash val="dash"/>
+                      <a:round/>
+                      <a:headEnd type="none" w="med" len="med"/>
+                      <a:tailEnd type="none" w="med" len="med"/>
+                    </a:lnB>
+                    <a:solidFill>
+                      <a:srgbClr val="EEEEEE"/>
+                    </a:solidFill>
+                  </a:tcPr>
+                </a:tc>
+                <a:tc vMerge="1">
+                  <a:txBody>
+                    <a:bodyPr/>
+                    <a:lstStyle/>
+                    <a:p>
+                      <a:pPr algn="ctr" latinLnBrk="1">
+                        <a:lnSpc>
+                          <a:spcPct val="116199"/>
+                        </a:lnSpc>
+                      </a:pPr>
+                      <a:endParaRPr lang="en-US" sz="1100"/>
+                    </a:p>
+                  </a:txBody>
+                  <a:tcPr marL="63500" marR="63500" anchor="ctr">
+                    <a:lnL cap="flat" cmpd="sng" algn="ctr">
+                      <a:solidFill>
+                        <a:srgbClr val="FFFFFF"/>
+                      </a:solidFill>
+                      <a:prstDash val="dash"/>
+                      <a:round/>
+                      <a:headEnd type="none" w="med" len="med"/>
+                      <a:tailEnd type="none" w="med" len="med"/>
+                    </a:lnL>
+                    <a:lnR cap="flat" cmpd="sng" algn="ctr">
+                      <a:solidFill>
+                        <a:srgbClr val="FFFFFF"/>
+                      </a:solidFill>
+                      <a:prstDash val="dash"/>
+                      <a:round/>
+                      <a:headEnd type="none" w="med" len="med"/>
+                      <a:tailEnd type="none" w="med" len="med"/>
+                    </a:lnR>
+                    <a:lnT cap="flat" cmpd="sng" algn="ctr">
+                      <a:solidFill>
+                        <a:srgbClr val="FFFFFF"/>
+                      </a:solidFill>
+                      <a:prstDash val="dash"/>
+                      <a:round/>
+                      <a:headEnd type="none" w="med" len="med"/>
+                      <a:tailEnd type="none" w="med" len="med"/>
+                    </a:lnT>
+                    <a:lnB cap="flat" cmpd="sng" algn="ctr">
+                      <a:solidFill>
+                        <a:srgbClr val="FFFFFF"/>
+                      </a:solidFill>
+                      <a:prstDash val="dash"/>
+                      <a:round/>
+                      <a:headEnd type="none" w="med" len="med"/>
+                      <a:tailEnd type="none" w="med" len="med"/>
+                    </a:lnB>
+                    <a:solidFill>
+                      <a:srgbClr val="EEEEEE"/>
+                    </a:solidFill>
+                  </a:tcPr>
+                </a:tc>
+                <a:extLst>
+                  <a:ext uri="{0D108BD9-81ED-4DB2-BD59-A6C34878D82A}">
+                    <a16:rowId xmlns:a16="http://schemas.microsoft.com/office/drawing/2014/main" val="10004"/>
+                  </a:ext>
+                </a:extLst>
+              </a:tr>
+              <a:tr h="493722">
+                <a:tc>
+                  <a:txBody>
+                    <a:bodyPr/>
+                    <a:lstStyle/>
+                    <a:p>
+                      <a:pPr algn="ctr" latinLnBrk="1">
+                        <a:lnSpc>
+                          <a:spcPct val="116199"/>
+                        </a:lnSpc>
+                      </a:pPr>
+                      <a:r>
+                        <a:rPr lang="en-US" sz="1200">
+                          <a:solidFill>
+                            <a:srgbClr val="42464B"/>
+                          </a:solidFill>
+                          <a:latin typeface="Microsoft YaHei"/>
+                          <a:ea typeface="Microsoft YaHei"/>
+                        </a:rPr>
+                        <a:t>创业板融资与中小企业发展实务（研讨会）</a:t>
+                      </a:r>
+                      <a:endParaRPr lang="en-US" sz="1200"/>
+                    </a:p>
+                  </a:txBody>
+                  <a:tcPr marL="66973" marR="66973" marT="48220" marB="48220" anchor="ctr">
+                    <a:lnL cap="flat" cmpd="sng" algn="ctr">
+                      <a:solidFill>
+                        <a:srgbClr val="FFFFFF"/>
+                      </a:solidFill>
+                      <a:prstDash val="dash"/>
+                      <a:round/>
+                      <a:headEnd type="none" w="med" len="med"/>
+                      <a:tailEnd type="none" w="med" len="med"/>
+                    </a:lnL>
+                    <a:lnR cap="flat" cmpd="sng" algn="ctr">
+                      <a:solidFill>
+                        <a:srgbClr val="FFFFFF"/>
+                      </a:solidFill>
+                      <a:prstDash val="dash"/>
+                      <a:round/>
+                      <a:headEnd type="none" w="med" len="med"/>
+                      <a:tailEnd type="none" w="med" len="med"/>
+                    </a:lnR>
+                    <a:lnT cap="flat" cmpd="sng" algn="ctr">
+                      <a:solidFill>
+                        <a:srgbClr val="FFFFFF"/>
+                      </a:solidFill>
+                      <a:prstDash val="dash"/>
+                      <a:round/>
+                      <a:headEnd type="none" w="med" len="med"/>
+                      <a:tailEnd type="none" w="med" len="med"/>
+                    </a:lnT>
+                    <a:lnB cap="flat" cmpd="sng" algn="ctr">
+                      <a:solidFill>
+                        <a:srgbClr val="FFFFFF"/>
+                      </a:solidFill>
+                      <a:prstDash val="dash"/>
+                      <a:round/>
+                      <a:headEnd type="none" w="med" len="med"/>
+                      <a:tailEnd type="none" w="med" len="med"/>
+                    </a:lnB>
+                    <a:solidFill>
+                      <a:srgbClr val="EEEEEE"/>
+                    </a:solidFill>
+                  </a:tcPr>
+                </a:tc>
+                <a:tc>
+                  <a:txBody>
+                    <a:bodyPr/>
+                    <a:lstStyle/>
+                    <a:p>
+                      <a:pPr algn="ctr" latinLnBrk="1">
+                        <a:lnSpc>
+                          <a:spcPct val="116199"/>
+                        </a:lnSpc>
+                      </a:pPr>
+                      <a:r>
+                        <a:rPr lang="en-US" sz="1200">
+                          <a:solidFill>
+                            <a:srgbClr val="42464B"/>
+                          </a:solidFill>
+                          <a:latin typeface="Microsoft YaHei"/>
+                          <a:ea typeface="Microsoft YaHei"/>
+                        </a:rPr>
+                        <a:t>苏洋、何君光 （日信证券投行部总经理）、卢力平、姜军</a:t>
+                      </a:r>
+                      <a:endParaRPr lang="en-US" sz="1200"/>
+                    </a:p>
+                  </a:txBody>
+                  <a:tcPr marL="66973" marR="66973" marT="48220" marB="48220" anchor="ctr">
+                    <a:lnL cap="flat" cmpd="sng" algn="ctr">
+                      <a:solidFill>
+                        <a:srgbClr val="FFFFFF"/>
+                      </a:solidFill>
+                      <a:prstDash val="dash"/>
+                      <a:round/>
+                      <a:headEnd type="none" w="med" len="med"/>
+                      <a:tailEnd type="none" w="med" len="med"/>
+                    </a:lnL>
+                    <a:lnR cap="flat" cmpd="sng" algn="ctr">
+                      <a:solidFill>
+                        <a:srgbClr val="FFFFFF"/>
+                      </a:solidFill>
+                      <a:prstDash val="dash"/>
+                      <a:round/>
+                      <a:headEnd type="none" w="med" len="med"/>
+                      <a:tailEnd type="none" w="med" len="med"/>
+                    </a:lnR>
+                    <a:lnT cap="flat" cmpd="sng" algn="ctr">
+                      <a:solidFill>
+                        <a:srgbClr val="FFFFFF"/>
+                      </a:solidFill>
+                      <a:prstDash val="dash"/>
+                      <a:round/>
+                      <a:headEnd type="none" w="med" len="med"/>
+                      <a:tailEnd type="none" w="med" len="med"/>
+                    </a:lnT>
+                    <a:lnB cap="flat" cmpd="sng" algn="ctr">
+                      <a:solidFill>
+                        <a:srgbClr val="FFFFFF"/>
+                      </a:solidFill>
+                      <a:prstDash val="dash"/>
+                      <a:round/>
+                      <a:headEnd type="none" w="med" len="med"/>
+                      <a:tailEnd type="none" w="med" len="med"/>
+                    </a:lnB>
+                    <a:solidFill>
+                      <a:srgbClr val="EEEEEE"/>
+                    </a:solidFill>
+                  </a:tcPr>
+                </a:tc>
+                <a:tc>
+                  <a:txBody>
+                    <a:bodyPr/>
+                    <a:lstStyle/>
+                    <a:p>
+                      <a:pPr algn="ctr" latinLnBrk="1">
+                        <a:lnSpc>
+                          <a:spcPct val="116199"/>
+                        </a:lnSpc>
+                      </a:pPr>
+                      <a:r>
+                        <a:rPr lang="en-US" sz="1200">
+                          <a:solidFill>
+                            <a:srgbClr val="42464B"/>
+                          </a:solidFill>
+                          <a:latin typeface="Microsoft YaHei"/>
+                          <a:ea typeface="Microsoft YaHei"/>
+                        </a:rPr>
+                        <a:t>由师资+学员组成</a:t>
+                      </a:r>
+                      <a:endParaRPr lang="en-US" sz="1200"/>
+                    </a:p>
+                  </a:txBody>
+                  <a:tcPr marL="66973" marR="66973" marT="48220" marB="48220" anchor="ctr">
+                    <a:lnL cap="flat" cmpd="sng" algn="ctr">
+                      <a:solidFill>
+                        <a:srgbClr val="FFFFFF"/>
+                      </a:solidFill>
+                      <a:prstDash val="dash"/>
+                      <a:round/>
+                      <a:headEnd type="none" w="med" len="med"/>
+                      <a:tailEnd type="none" w="med" len="med"/>
+                    </a:lnL>
+                    <a:lnR cap="flat" cmpd="sng" algn="ctr">
+                      <a:solidFill>
+                        <a:srgbClr val="FFFFFF"/>
+                      </a:solidFill>
+                      <a:prstDash val="dash"/>
+                      <a:round/>
+                      <a:headEnd type="none" w="med" len="med"/>
+                      <a:tailEnd type="none" w="med" len="med"/>
+                    </a:lnR>
+                    <a:lnT cap="flat" cmpd="sng" algn="ctr">
+                      <a:solidFill>
+                        <a:srgbClr val="FFFFFF"/>
+                      </a:solidFill>
+                      <a:prstDash val="dash"/>
+                      <a:round/>
+                      <a:headEnd type="none" w="med" len="med"/>
+                      <a:tailEnd type="none" w="med" len="med"/>
+                    </a:lnT>
+                    <a:lnB cap="flat" cmpd="sng" algn="ctr">
+                      <a:solidFill>
+                        <a:srgbClr val="FFFFFF"/>
+                      </a:solidFill>
+                      <a:prstDash val="dash"/>
+                      <a:round/>
+                      <a:headEnd type="none" w="med" len="med"/>
+                      <a:tailEnd type="none" w="med" len="med"/>
+                    </a:lnB>
+                    <a:solidFill>
+                      <a:srgbClr val="EEEEEE"/>
+                    </a:solidFill>
+                  </a:tcPr>
+                </a:tc>
+                <a:extLst>
+                  <a:ext uri="{0D108BD9-81ED-4DB2-BD59-A6C34878D82A}">
+                    <a16:rowId xmlns:a16="http://schemas.microsoft.com/office/drawing/2014/main" val="10005"/>
+                  </a:ext>
+                </a:extLst>
+              </a:tr>
+              <a:tr h="435322">
+                <a:tc>
+                  <a:txBody>
+                    <a:bodyPr/>
+                    <a:lstStyle/>
+                    <a:p>
+                      <a:pPr algn="ctr" latinLnBrk="1">
+                        <a:lnSpc>
+                          <a:spcPct val="116199"/>
+                        </a:lnSpc>
+                      </a:pPr>
+                      <a:r>
+                        <a:rPr lang="en-US" sz="1200">
+                          <a:solidFill>
+                            <a:srgbClr val="42464B"/>
+                          </a:solidFill>
+                          <a:latin typeface="Microsoft YaHei"/>
+                          <a:ea typeface="Microsoft YaHei"/>
+                        </a:rPr>
+                        <a:t>资本运营与企业融资案例</a:t>
+                      </a:r>
+                      <a:endParaRPr lang="en-US" sz="1200"/>
+                    </a:p>
+                  </a:txBody>
+                  <a:tcPr marL="66973" marR="66973" marT="48220" marB="48220" anchor="ctr">
+                    <a:lnL cap="flat" cmpd="sng" algn="ctr">
+                      <a:solidFill>
+                        <a:srgbClr val="FFFFFF"/>
+                      </a:solidFill>
+                      <a:prstDash val="dash"/>
+                      <a:round/>
+                      <a:headEnd type="none" w="med" len="med"/>
+                      <a:tailEnd type="none" w="med" len="med"/>
+                    </a:lnL>
+                    <a:lnR cap="flat" cmpd="sng" algn="ctr">
+                      <a:solidFill>
+                        <a:srgbClr val="FFFFFF"/>
+                      </a:solidFill>
+                      <a:prstDash val="dash"/>
+                      <a:round/>
+                      <a:headEnd type="none" w="med" len="med"/>
+                      <a:tailEnd type="none" w="med" len="med"/>
+                    </a:lnR>
+                    <a:lnT cap="flat" cmpd="sng" algn="ctr">
+                      <a:solidFill>
+                        <a:srgbClr val="FFFFFF"/>
+                      </a:solidFill>
+                      <a:prstDash val="dash"/>
+                      <a:round/>
+                      <a:headEnd type="none" w="med" len="med"/>
+                      <a:tailEnd type="none" w="med" len="med"/>
+                    </a:lnT>
+                    <a:lnB cap="flat" cmpd="sng" algn="ctr">
+                      <a:solidFill>
+                        <a:srgbClr val="FFFFFF"/>
+                      </a:solidFill>
+                      <a:prstDash val="dash"/>
+                      <a:round/>
+                      <a:headEnd type="none" w="med" len="med"/>
+                      <a:tailEnd type="none" w="med" len="med"/>
+                    </a:lnB>
+                    <a:solidFill>
+                      <a:srgbClr val="EEEEEE"/>
+                    </a:solidFill>
+                  </a:tcPr>
+                </a:tc>
+                <a:tc rowSpan="2">
+                  <a:txBody>
+                    <a:bodyPr/>
+                    <a:lstStyle/>
+                    <a:p>
+                      <a:pPr algn="ctr" latinLnBrk="1">
+                        <a:lnSpc>
+                          <a:spcPct val="116199"/>
+                        </a:lnSpc>
+                      </a:pPr>
+                      <a:r>
+                        <a:rPr lang="en-US" sz="1200">
+                          <a:solidFill>
+                            <a:srgbClr val="42464B"/>
+                          </a:solidFill>
+                          <a:latin typeface="Microsoft YaHei"/>
+                          <a:ea typeface="Microsoft YaHei"/>
+                        </a:rPr>
+                        <a:t>姜军</a:t>
+                      </a:r>
+                      <a:endParaRPr lang="en-US" sz="1200"/>
+                    </a:p>
+                  </a:txBody>
+                  <a:tcPr marL="66973" marR="66973" marT="48220" marB="48220" anchor="ctr">
+                    <a:lnL cap="flat" cmpd="sng" algn="ctr">
+                      <a:solidFill>
+                        <a:srgbClr val="FFFFFF"/>
+                      </a:solidFill>
+                      <a:prstDash val="dash"/>
+                      <a:round/>
+                      <a:headEnd type="none" w="med" len="med"/>
+                      <a:tailEnd type="none" w="med" len="med"/>
+                    </a:lnL>
+                    <a:lnR cap="flat" cmpd="sng" algn="ctr">
+                      <a:solidFill>
+                        <a:srgbClr val="FFFFFF"/>
+                      </a:solidFill>
+                      <a:prstDash val="dash"/>
+                      <a:round/>
+                      <a:headEnd type="none" w="med" len="med"/>
+                      <a:tailEnd type="none" w="med" len="med"/>
+                    </a:lnR>
+                    <a:lnT cap="flat" cmpd="sng" algn="ctr">
+                      <a:solidFill>
+                        <a:srgbClr val="FFFFFF"/>
+                      </a:solidFill>
+                      <a:prstDash val="dash"/>
+                      <a:round/>
+                      <a:headEnd type="none" w="med" len="med"/>
+                      <a:tailEnd type="none" w="med" len="med"/>
+                    </a:lnT>
+                    <a:lnB cap="flat" cmpd="sng" algn="ctr">
+                      <a:solidFill>
+                        <a:srgbClr val="FFFFFF"/>
+                      </a:solidFill>
+                      <a:prstDash val="dash"/>
+                      <a:round/>
+                      <a:headEnd type="none" w="med" len="med"/>
+                      <a:tailEnd type="none" w="med" len="med"/>
+                    </a:lnB>
+                    <a:solidFill>
+                      <a:srgbClr val="EEEEEE"/>
+                    </a:solidFill>
+                  </a:tcPr>
+                </a:tc>
+                <a:tc rowSpan="2">
+                  <a:txBody>
+                    <a:bodyPr/>
+                    <a:lstStyle/>
+                    <a:p>
+                      <a:pPr algn="ctr" latinLnBrk="1">
+                        <a:lnSpc>
+                          <a:spcPct val="116199"/>
+                        </a:lnSpc>
+                      </a:pPr>
+                      <a:r>
+                        <a:rPr lang="en-US" sz="1200">
+                          <a:solidFill>
+                            <a:srgbClr val="42464B"/>
+                          </a:solidFill>
+                          <a:latin typeface="Microsoft YaHei"/>
+                          <a:ea typeface="Microsoft YaHei"/>
+                        </a:rPr>
+                        <a:t>北京国家会计学院博士</a:t>
+                      </a:r>
+                      <a:endParaRPr lang="en-US" sz="1200"/>
+                    </a:p>
+                  </a:txBody>
+                  <a:tcPr marL="66973" marR="66973" marT="48220" marB="48220" anchor="ctr">
+                    <a:lnL cap="flat" cmpd="sng" algn="ctr">
+                      <a:solidFill>
+                        <a:srgbClr val="FFFFFF"/>
+                      </a:solidFill>
+                      <a:prstDash val="dash"/>
+                      <a:round/>
+                      <a:headEnd type="none" w="med" len="med"/>
+                      <a:tailEnd type="none" w="med" len="med"/>
+                    </a:lnL>
+                    <a:lnR cap="flat" cmpd="sng" algn="ctr">
+                      <a:solidFill>
+                        <a:srgbClr val="FFFFFF"/>
+                      </a:solidFill>
+                      <a:prstDash val="dash"/>
+                      <a:round/>
+                      <a:headEnd type="none" w="med" len="med"/>
+                      <a:tailEnd type="none" w="med" len="med"/>
+                    </a:lnR>
+                    <a:lnT cap="flat" cmpd="sng" algn="ctr">
+                      <a:solidFill>
+                        <a:srgbClr val="FFFFFF"/>
+                      </a:solidFill>
+                      <a:prstDash val="dash"/>
+                      <a:round/>
+                      <a:headEnd type="none" w="med" len="med"/>
+                      <a:tailEnd type="none" w="med" len="med"/>
+                    </a:lnT>
+                    <a:lnB cap="flat" cmpd="sng" algn="ctr">
+                      <a:solidFill>
+                        <a:srgbClr val="FFFFFF"/>
+                      </a:solidFill>
+                      <a:prstDash val="dash"/>
+                      <a:round/>
+                      <a:headEnd type="none" w="med" len="med"/>
+                      <a:tailEnd type="none" w="med" len="med"/>
+                    </a:lnB>
+                    <a:solidFill>
+                      <a:srgbClr val="EEEEEE"/>
+                    </a:solidFill>
+                  </a:tcPr>
+                </a:tc>
+                <a:extLst>
+                  <a:ext uri="{0D108BD9-81ED-4DB2-BD59-A6C34878D82A}">
+                    <a16:rowId xmlns:a16="http://schemas.microsoft.com/office/drawing/2014/main" val="10006"/>
+                  </a:ext>
+                </a:extLst>
+              </a:tr>
+              <a:tr h="435322">
+                <a:tc>
+                  <a:txBody>
+                    <a:bodyPr/>
+                    <a:lstStyle/>
+                    <a:p>
+                      <a:pPr algn="ctr" latinLnBrk="1">
+                        <a:lnSpc>
+                          <a:spcPct val="116199"/>
+                        </a:lnSpc>
+                      </a:pPr>
+                      <a:r>
+                        <a:rPr lang="en-US" sz="1200">
+                          <a:solidFill>
+                            <a:srgbClr val="42464B"/>
+                          </a:solidFill>
+                          <a:latin typeface="Microsoft YaHei"/>
+                          <a:ea typeface="Microsoft YaHei"/>
+                        </a:rPr>
+                        <a:t>股权私募融资业务与私募条款解读</a:t>
+                      </a:r>
+                      <a:endParaRPr lang="en-US" sz="1200"/>
+                    </a:p>
+                  </a:txBody>
+                  <a:tcPr marL="66973" marR="66973" marT="48220" marB="48220" anchor="ctr">
+                    <a:lnL cap="flat" cmpd="sng" algn="ctr">
+                      <a:solidFill>
+                        <a:srgbClr val="FFFFFF"/>
+                      </a:solidFill>
+                      <a:prstDash val="dash"/>
+                      <a:round/>
+                      <a:headEnd type="none" w="med" len="med"/>
+                      <a:tailEnd type="none" w="med" len="med"/>
+                    </a:lnL>
+                    <a:lnR cap="flat" cmpd="sng" algn="ctr">
+                      <a:solidFill>
+                        <a:srgbClr val="FFFFFF"/>
+                      </a:solidFill>
+                      <a:prstDash val="dash"/>
+                      <a:round/>
+                      <a:headEnd type="none" w="med" len="med"/>
+                      <a:tailEnd type="none" w="med" len="med"/>
+                    </a:lnR>
+                    <a:lnT cap="flat" cmpd="sng" algn="ctr">
+                      <a:solidFill>
+                        <a:srgbClr val="FFFFFF"/>
+                      </a:solidFill>
+                      <a:prstDash val="dash"/>
+                      <a:round/>
+                      <a:headEnd type="none" w="med" len="med"/>
+                      <a:tailEnd type="none" w="med" len="med"/>
+                    </a:lnT>
+                    <a:lnB cap="flat" cmpd="sng" algn="ctr">
+                      <a:solidFill>
+                        <a:srgbClr val="FFFFFF"/>
+                      </a:solidFill>
+                      <a:prstDash val="dash"/>
+                      <a:round/>
+                      <a:headEnd type="none" w="med" len="med"/>
+                      <a:tailEnd type="none" w="med" len="med"/>
+                    </a:lnB>
+                    <a:solidFill>
+                      <a:srgbClr val="EEEEEE"/>
+                    </a:solidFill>
+                  </a:tcPr>
+                </a:tc>
+                <a:tc vMerge="1">
+                  <a:txBody>
+                    <a:bodyPr/>
+                    <a:lstStyle/>
+                    <a:p>
+                      <a:pPr algn="ctr" latinLnBrk="1">
+                        <a:lnSpc>
+                          <a:spcPct val="116199"/>
+                        </a:lnSpc>
+                      </a:pPr>
+                      <a:endParaRPr lang="en-US" sz="1100"/>
+                    </a:p>
+                  </a:txBody>
+                  <a:tcPr marL="63500" marR="63500" anchor="ctr">
+                    <a:lnL cap="flat" cmpd="sng" algn="ctr">
+                      <a:solidFill>
+                        <a:srgbClr val="FFFFFF"/>
+                      </a:solidFill>
+                      <a:prstDash val="dash"/>
+                      <a:round/>
+                      <a:headEnd type="none" w="med" len="med"/>
+                      <a:tailEnd type="none" w="med" len="med"/>
+                    </a:lnL>
+                    <a:lnR cap="flat" cmpd="sng" algn="ctr">
+                      <a:solidFill>
+                        <a:srgbClr val="FFFFFF"/>
+                      </a:solidFill>
+                      <a:prstDash val="dash"/>
+                      <a:round/>
+                      <a:headEnd type="none" w="med" len="med"/>
+                      <a:tailEnd type="none" w="med" len="med"/>
+                    </a:lnR>
+                    <a:lnT cap="flat" cmpd="sng" algn="ctr">
+                      <a:solidFill>
+                        <a:srgbClr val="FFFFFF"/>
+                      </a:solidFill>
+                      <a:prstDash val="dash"/>
+                      <a:round/>
+                      <a:headEnd type="none" w="med" len="med"/>
+                      <a:tailEnd type="none" w="med" len="med"/>
+                    </a:lnT>
+                    <a:lnB cap="flat" cmpd="sng" algn="ctr">
+                      <a:solidFill>
+                        <a:srgbClr val="FFFFFF"/>
+                      </a:solidFill>
+                      <a:prstDash val="dash"/>
+                      <a:round/>
+                      <a:headEnd type="none" w="med" len="med"/>
+                      <a:tailEnd type="none" w="med" len="med"/>
+                    </a:lnB>
+                    <a:solidFill>
+                      <a:srgbClr val="EEEEEE"/>
+                    </a:solidFill>
+                  </a:tcPr>
+                </a:tc>
+                <a:tc vMerge="1">
+                  <a:txBody>
+                    <a:bodyPr/>
+                    <a:lstStyle/>
+                    <a:p>
+                      <a:pPr algn="ctr" latinLnBrk="1">
+                        <a:lnSpc>
+                          <a:spcPct val="116199"/>
+                        </a:lnSpc>
+                      </a:pPr>
+                      <a:endParaRPr lang="en-US" sz="1100"/>
+                    </a:p>
+                  </a:txBody>
+                  <a:tcPr marL="63500" marR="63500" anchor="ctr">
+                    <a:lnL cap="flat" cmpd="sng" algn="ctr">
+                      <a:solidFill>
+                        <a:srgbClr val="FFFFFF"/>
+                      </a:solidFill>
+                      <a:prstDash val="dash"/>
+                      <a:round/>
+                      <a:headEnd type="none" w="med" len="med"/>
+                      <a:tailEnd type="none" w="med" len="med"/>
+                    </a:lnL>
+                    <a:lnR cap="flat" cmpd="sng" algn="ctr">
+                      <a:solidFill>
+                        <a:srgbClr val="FFFFFF"/>
+                      </a:solidFill>
+                      <a:prstDash val="dash"/>
+                      <a:round/>
+                      <a:headEnd type="none" w="med" len="med"/>
+                      <a:tailEnd type="none" w="med" len="med"/>
+                    </a:lnR>
+                    <a:lnT cap="flat" cmpd="sng" algn="ctr">
+                      <a:solidFill>
+                        <a:srgbClr val="FFFFFF"/>
+                      </a:solidFill>
+                      <a:prstDash val="dash"/>
+                      <a:round/>
+                      <a:headEnd type="none" w="med" len="med"/>
+                      <a:tailEnd type="none" w="med" len="med"/>
+                    </a:lnT>
+                    <a:lnB cap="flat" cmpd="sng" algn="ctr">
+                      <a:solidFill>
+                        <a:srgbClr val="FFFFFF"/>
+                      </a:solidFill>
+                      <a:prstDash val="dash"/>
+                      <a:round/>
+                      <a:headEnd type="none" w="med" len="med"/>
+                      <a:tailEnd type="none" w="med" len="med"/>
+                    </a:lnB>
+                    <a:solidFill>
+                      <a:srgbClr val="EEEEEE"/>
+                    </a:solidFill>
+                  </a:tcPr>
+                </a:tc>
+                <a:extLst>
+                  <a:ext uri="{0D108BD9-81ED-4DB2-BD59-A6C34878D82A}">
+                    <a16:rowId xmlns:a16="http://schemas.microsoft.com/office/drawing/2014/main" val="10007"/>
+                  </a:ext>
+                </a:extLst>
+              </a:tr>
+              <a:tr h="493722">
+                <a:tc>
+                  <a:txBody>
+                    <a:bodyPr/>
+                    <a:lstStyle/>
+                    <a:p>
+                      <a:pPr algn="ctr" latinLnBrk="1">
+                        <a:lnSpc>
+                          <a:spcPct val="116199"/>
+                        </a:lnSpc>
+                      </a:pPr>
+                      <a:r>
+                        <a:rPr lang="en-US" sz="1200">
+                          <a:solidFill>
+                            <a:srgbClr val="42464B"/>
+                          </a:solidFill>
+                          <a:latin typeface="Microsoft YaHei"/>
+                          <a:ea typeface="Microsoft YaHei"/>
+                        </a:rPr>
+                        <a:t>创业板发行规则和被合决情况、信息披露与资本市场处罚</a:t>
+                      </a:r>
+                      <a:endParaRPr lang="en-US" sz="1200"/>
+                    </a:p>
+                  </a:txBody>
+                  <a:tcPr marL="66973" marR="66973" marT="48220" marB="48220" anchor="ctr">
+                    <a:lnL cap="flat" cmpd="sng" algn="ctr">
+                      <a:solidFill>
+                        <a:srgbClr val="FFFFFF"/>
+                      </a:solidFill>
+                      <a:prstDash val="dash"/>
+                      <a:round/>
+                      <a:headEnd type="none" w="med" len="med"/>
+                      <a:tailEnd type="none" w="med" len="med"/>
+                    </a:lnL>
+                    <a:lnR cap="flat" cmpd="sng" algn="ctr">
+                      <a:solidFill>
+                        <a:srgbClr val="FFFFFF"/>
+                      </a:solidFill>
+                      <a:prstDash val="dash"/>
+                      <a:round/>
+                      <a:headEnd type="none" w="med" len="med"/>
+                      <a:tailEnd type="none" w="med" len="med"/>
+                    </a:lnR>
+                    <a:lnT cap="flat" cmpd="sng" algn="ctr">
+                      <a:solidFill>
+                        <a:srgbClr val="FFFFFF"/>
+                      </a:solidFill>
+                      <a:prstDash val="dash"/>
+                      <a:round/>
+                      <a:headEnd type="none" w="med" len="med"/>
+                      <a:tailEnd type="none" w="med" len="med"/>
+                    </a:lnT>
+                    <a:lnB cap="flat" cmpd="sng" algn="ctr">
+                      <a:solidFill>
+                        <a:srgbClr val="FFFFFF"/>
+                      </a:solidFill>
+                      <a:prstDash val="dash"/>
+                      <a:round/>
+                      <a:headEnd type="none" w="med" len="med"/>
+                      <a:tailEnd type="none" w="med" len="med"/>
+                    </a:lnB>
+                    <a:solidFill>
+                      <a:srgbClr val="EEEEEE"/>
+                    </a:solidFill>
+                  </a:tcPr>
+                </a:tc>
+                <a:tc>
+                  <a:txBody>
+                    <a:bodyPr/>
+                    <a:lstStyle/>
+                    <a:p>
+                      <a:pPr algn="ctr" latinLnBrk="1">
+                        <a:lnSpc>
+                          <a:spcPct val="116199"/>
+                        </a:lnSpc>
+                      </a:pPr>
+                      <a:r>
+                        <a:rPr lang="en-US" sz="1200">
+                          <a:solidFill>
+                            <a:srgbClr val="42464B"/>
+                          </a:solidFill>
+                          <a:latin typeface="Microsoft YaHei"/>
+                          <a:ea typeface="Microsoft YaHei"/>
+                        </a:rPr>
+                        <a:t>袁怀中</a:t>
+                      </a:r>
+                      <a:endParaRPr lang="en-US" sz="1200"/>
+                    </a:p>
+                  </a:txBody>
+                  <a:tcPr marL="66973" marR="66973" marT="48220" marB="48220" anchor="ctr">
+                    <a:lnL cap="flat" cmpd="sng" algn="ctr">
+                      <a:solidFill>
+                        <a:srgbClr val="FFFFFF"/>
+                      </a:solidFill>
+                      <a:prstDash val="dash"/>
+                      <a:round/>
+                      <a:headEnd type="none" w="med" len="med"/>
+                      <a:tailEnd type="none" w="med" len="med"/>
+                    </a:lnL>
+                    <a:lnR cap="flat" cmpd="sng" algn="ctr">
+                      <a:solidFill>
+                        <a:srgbClr val="FFFFFF"/>
+                      </a:solidFill>
+                      <a:prstDash val="dash"/>
+                      <a:round/>
+                      <a:headEnd type="none" w="med" len="med"/>
+                      <a:tailEnd type="none" w="med" len="med"/>
+                    </a:lnR>
+                    <a:lnT cap="flat" cmpd="sng" algn="ctr">
+                      <a:solidFill>
+                        <a:srgbClr val="FFFFFF"/>
+                      </a:solidFill>
+                      <a:prstDash val="dash"/>
+                      <a:round/>
+                      <a:headEnd type="none" w="med" len="med"/>
+                      <a:tailEnd type="none" w="med" len="med"/>
+                    </a:lnT>
+                    <a:lnB cap="flat" cmpd="sng" algn="ctr">
+                      <a:solidFill>
+                        <a:srgbClr val="FFFFFF"/>
+                      </a:solidFill>
+                      <a:prstDash val="dash"/>
+                      <a:round/>
+                      <a:headEnd type="none" w="med" len="med"/>
+                      <a:tailEnd type="none" w="med" len="med"/>
+                    </a:lnB>
+                    <a:solidFill>
+                      <a:srgbClr val="EEEEEE"/>
+                    </a:solidFill>
+                  </a:tcPr>
+                </a:tc>
+                <a:tc>
+                  <a:txBody>
+                    <a:bodyPr/>
+                    <a:lstStyle/>
+                    <a:p>
+                      <a:pPr algn="ctr" latinLnBrk="1">
+                        <a:lnSpc>
+                          <a:spcPct val="116199"/>
+                        </a:lnSpc>
+                      </a:pPr>
+                      <a:r>
+                        <a:rPr lang="en-US" sz="1200">
+                          <a:solidFill>
+                            <a:srgbClr val="42464B"/>
+                          </a:solidFill>
+                          <a:latin typeface="Microsoft YaHei"/>
+                          <a:ea typeface="Microsoft YaHei"/>
+                        </a:rPr>
+                        <a:t>博士、融德资产管理有限公司总经理助理</a:t>
+                      </a:r>
+                      <a:endParaRPr lang="en-US" sz="1200"/>
+                    </a:p>
+                  </a:txBody>
+                  <a:tcPr marL="66973" marR="66973" marT="48220" marB="48220" anchor="ctr">
+                    <a:lnL cap="flat" cmpd="sng" algn="ctr">
+                      <a:solidFill>
+                        <a:srgbClr val="FFFFFF"/>
+                      </a:solidFill>
+                      <a:prstDash val="dash"/>
+                      <a:round/>
+                      <a:headEnd type="none" w="med" len="med"/>
+                      <a:tailEnd type="none" w="med" len="med"/>
+                    </a:lnL>
+                    <a:lnR cap="flat" cmpd="sng" algn="ctr">
+                      <a:solidFill>
+                        <a:srgbClr val="FFFFFF"/>
+                      </a:solidFill>
+                      <a:prstDash val="dash"/>
+                      <a:round/>
+                      <a:headEnd type="none" w="med" len="med"/>
+                      <a:tailEnd type="none" w="med" len="med"/>
+                    </a:lnR>
+                    <a:lnT cap="flat" cmpd="sng" algn="ctr">
+                      <a:solidFill>
+                        <a:srgbClr val="FFFFFF"/>
+                      </a:solidFill>
+                      <a:prstDash val="dash"/>
+                      <a:round/>
+                      <a:headEnd type="none" w="med" len="med"/>
+                      <a:tailEnd type="none" w="med" len="med"/>
+                    </a:lnT>
+                    <a:lnB cap="flat" cmpd="sng" algn="ctr">
+                      <a:solidFill>
+                        <a:srgbClr val="FFFFFF"/>
+                      </a:solidFill>
+                      <a:prstDash val="dash"/>
+                      <a:round/>
+                      <a:headEnd type="none" w="med" len="med"/>
+                      <a:tailEnd type="none" w="med" len="med"/>
+                    </a:lnB>
+                    <a:solidFill>
+                      <a:srgbClr val="EEEEEE"/>
+                    </a:solidFill>
+                  </a:tcPr>
+                </a:tc>
+                <a:extLst>
+                  <a:ext uri="{0D108BD9-81ED-4DB2-BD59-A6C34878D82A}">
+                    <a16:rowId xmlns:a16="http://schemas.microsoft.com/office/drawing/2014/main" val="10008"/>
+                  </a:ext>
+                </a:extLst>
+              </a:tr>
+              <a:tr h="435322">
+                <a:tc>
+                  <a:txBody>
+                    <a:bodyPr/>
+                    <a:lstStyle/>
+                    <a:p>
+                      <a:pPr algn="ctr" latinLnBrk="1">
+                        <a:lnSpc>
+                          <a:spcPct val="116199"/>
+                        </a:lnSpc>
+                      </a:pPr>
+                      <a:r>
+                        <a:rPr lang="en-US" sz="1200">
+                          <a:solidFill>
+                            <a:srgbClr val="42464B"/>
+                          </a:solidFill>
+                          <a:latin typeface="Microsoft YaHei"/>
+                          <a:ea typeface="Microsoft YaHei"/>
+                        </a:rPr>
+                        <a:t>上市前的法律业务处理</a:t>
+                      </a:r>
+                      <a:endParaRPr lang="en-US" sz="1200"/>
+                    </a:p>
+                  </a:txBody>
+                  <a:tcPr marL="66973" marR="66973" marT="48220" marB="48220" anchor="ctr">
+                    <a:lnL cap="flat" cmpd="sng" algn="ctr">
+                      <a:solidFill>
+                        <a:srgbClr val="FFFFFF"/>
+                      </a:solidFill>
+                      <a:prstDash val="dash"/>
+                      <a:round/>
+                      <a:headEnd type="none" w="med" len="med"/>
+                      <a:tailEnd type="none" w="med" len="med"/>
+                    </a:lnL>
+                    <a:lnR cap="flat" cmpd="sng" algn="ctr">
+                      <a:solidFill>
+                        <a:srgbClr val="FFFFFF"/>
+                      </a:solidFill>
+                      <a:prstDash val="dash"/>
+                      <a:round/>
+                      <a:headEnd type="none" w="med" len="med"/>
+                      <a:tailEnd type="none" w="med" len="med"/>
+                    </a:lnR>
+                    <a:lnT cap="flat" cmpd="sng" algn="ctr">
+                      <a:solidFill>
+                        <a:srgbClr val="FFFFFF"/>
+                      </a:solidFill>
+                      <a:prstDash val="dash"/>
+                      <a:round/>
+                      <a:headEnd type="none" w="med" len="med"/>
+                      <a:tailEnd type="none" w="med" len="med"/>
+                    </a:lnT>
+                    <a:lnB cap="flat" cmpd="sng" algn="ctr">
+                      <a:solidFill>
+                        <a:srgbClr val="FFFFFF"/>
+                      </a:solidFill>
+                      <a:prstDash val="dash"/>
+                      <a:round/>
+                      <a:headEnd type="none" w="med" len="med"/>
+                      <a:tailEnd type="none" w="med" len="med"/>
+                    </a:lnB>
+                    <a:solidFill>
+                      <a:srgbClr val="EEEEEE"/>
+                    </a:solidFill>
+                  </a:tcPr>
+                </a:tc>
+                <a:tc>
+                  <a:txBody>
+                    <a:bodyPr/>
+                    <a:lstStyle/>
+                    <a:p>
+                      <a:pPr algn="ctr" latinLnBrk="1">
+                        <a:lnSpc>
+                          <a:spcPct val="116199"/>
+                        </a:lnSpc>
+                      </a:pPr>
+                      <a:r>
+                        <a:rPr lang="en-US" sz="1200">
+                          <a:solidFill>
+                            <a:srgbClr val="42464B"/>
+                          </a:solidFill>
+                          <a:latin typeface="Microsoft YaHei"/>
+                          <a:ea typeface="Microsoft YaHei"/>
+                        </a:rPr>
+                        <a:t>陈志武</a:t>
+                      </a:r>
+                      <a:endParaRPr lang="en-US" sz="1200"/>
+                    </a:p>
+                  </a:txBody>
+                  <a:tcPr marL="66973" marR="66973" marT="48220" marB="48220" anchor="ctr">
+                    <a:lnL cap="flat" cmpd="sng" algn="ctr">
+                      <a:solidFill>
+                        <a:srgbClr val="FFFFFF"/>
+                      </a:solidFill>
+                      <a:prstDash val="dash"/>
+                      <a:round/>
+                      <a:headEnd type="none" w="med" len="med"/>
+                      <a:tailEnd type="none" w="med" len="med"/>
+                    </a:lnL>
+                    <a:lnR cap="flat" cmpd="sng" algn="ctr">
+                      <a:solidFill>
+                        <a:srgbClr val="FFFFFF"/>
+                      </a:solidFill>
+                      <a:prstDash val="dash"/>
+                      <a:round/>
+                      <a:headEnd type="none" w="med" len="med"/>
+                      <a:tailEnd type="none" w="med" len="med"/>
+                    </a:lnR>
+                    <a:lnT cap="flat" cmpd="sng" algn="ctr">
+                      <a:solidFill>
+                        <a:srgbClr val="FFFFFF"/>
+                      </a:solidFill>
+                      <a:prstDash val="dash"/>
+                      <a:round/>
+                      <a:headEnd type="none" w="med" len="med"/>
+                      <a:tailEnd type="none" w="med" len="med"/>
+                    </a:lnT>
+                    <a:lnB cap="flat" cmpd="sng" algn="ctr">
+                      <a:solidFill>
+                        <a:srgbClr val="FFFFFF"/>
+                      </a:solidFill>
+                      <a:prstDash val="dash"/>
+                      <a:round/>
+                      <a:headEnd type="none" w="med" len="med"/>
+                      <a:tailEnd type="none" w="med" len="med"/>
+                    </a:lnB>
+                    <a:solidFill>
+                      <a:srgbClr val="EEEEEE"/>
+                    </a:solidFill>
+                  </a:tcPr>
+                </a:tc>
+                <a:tc>
+                  <a:txBody>
+                    <a:bodyPr/>
+                    <a:lstStyle/>
+                    <a:p>
+                      <a:pPr algn="ctr" latinLnBrk="1">
+                        <a:lnSpc>
+                          <a:spcPct val="116199"/>
+                        </a:lnSpc>
+                      </a:pPr>
+                      <a:r>
+                        <a:rPr lang="en-US" sz="1200">
+                          <a:solidFill>
+                            <a:srgbClr val="42464B"/>
+                          </a:solidFill>
+                          <a:latin typeface="Microsoft YaHei"/>
+                          <a:ea typeface="Microsoft YaHei"/>
+                        </a:rPr>
+                        <a:t>北京国家会计学院博士、副教授</a:t>
+                      </a:r>
+                      <a:endParaRPr lang="en-US" sz="1200"/>
+                    </a:p>
+                  </a:txBody>
+                  <a:tcPr marL="66973" marR="66973" marT="48220" marB="48220" anchor="ctr">
+                    <a:lnL cap="flat" cmpd="sng" algn="ctr">
+                      <a:solidFill>
+                        <a:srgbClr val="FFFFFF"/>
+                      </a:solidFill>
+                      <a:prstDash val="dash"/>
+                      <a:round/>
+                      <a:headEnd type="none" w="med" len="med"/>
+                      <a:tailEnd type="none" w="med" len="med"/>
+                    </a:lnL>
+                    <a:lnR cap="flat" cmpd="sng" algn="ctr">
+                      <a:solidFill>
+                        <a:srgbClr val="FFFFFF"/>
+                      </a:solidFill>
+                      <a:prstDash val="dash"/>
+                      <a:round/>
+                      <a:headEnd type="none" w="med" len="med"/>
+                      <a:tailEnd type="none" w="med" len="med"/>
+                    </a:lnR>
+                    <a:lnT cap="flat" cmpd="sng" algn="ctr">
+                      <a:solidFill>
+                        <a:srgbClr val="FFFFFF"/>
+                      </a:solidFill>
+                      <a:prstDash val="dash"/>
+                      <a:round/>
+                      <a:headEnd type="none" w="med" len="med"/>
+                      <a:tailEnd type="none" w="med" len="med"/>
+                    </a:lnT>
+                    <a:lnB cap="flat" cmpd="sng" algn="ctr">
+                      <a:solidFill>
+                        <a:srgbClr val="FFFFFF"/>
+                      </a:solidFill>
+                      <a:prstDash val="dash"/>
+                      <a:round/>
+                      <a:headEnd type="none" w="med" len="med"/>
+                      <a:tailEnd type="none" w="med" len="med"/>
+                    </a:lnB>
+                    <a:solidFill>
+                      <a:srgbClr val="EEEEEE"/>
+                    </a:solidFill>
+                  </a:tcPr>
+                </a:tc>
+                <a:extLst>
+                  <a:ext uri="{0D108BD9-81ED-4DB2-BD59-A6C34878D82A}">
+                    <a16:rowId xmlns:a16="http://schemas.microsoft.com/office/drawing/2014/main" val="10009"/>
+                  </a:ext>
+                </a:extLst>
+              </a:tr>
+            </a:tbl>
+          </a:graphicData>
+        </a:graphic>
+      </p:graphicFrame>
+      <p:pic>
+        <p:nvPicPr>
+          <p:cNvPr id="84" name="Picture 2"/>
+          <p:cNvPicPr>
+            <a:picLocks noChangeAspect="1"/>
+          </p:cNvPicPr>
+          <p:nvPr/>
+        </p:nvPicPr>
+        <p:blipFill>
+          <a:blip r:embed="rId2"/>
+          <a:stretch>
+            <a:fillRect/>
+          </a:stretch>
+        </p:blipFill>
+        <p:spPr>
+          <a:xfrm>
+            <a:off x="8962430" y="562570"/>
+            <a:ext cx="994898" cy="1037416"/>
+          </a:xfrm>
+          <a:prstGeom prst="rect">
+            <a:avLst/>
+          </a:prstGeom>
+        </p:spPr>
+      </p:pic>
+      <p:pic>
+        <p:nvPicPr>
+          <p:cNvPr id="85" name="Picture 3"/>
+          <p:cNvPicPr>
+            <a:picLocks noChangeAspect="1"/>
+          </p:cNvPicPr>
+          <p:nvPr/>
+        </p:nvPicPr>
+        <p:blipFill>
+          <a:blip r:embed="rId3"/>
+          <a:stretch>
+            <a:fillRect/>
+          </a:stretch>
+        </p:blipFill>
+        <p:spPr>
+          <a:xfrm rot="5400000">
+            <a:off x="-317034" y="281018"/>
+            <a:ext cx="1254114" cy="617698"/>
+          </a:xfrm>
+          <a:prstGeom prst="rect">
+            <a:avLst/>
+          </a:prstGeom>
+        </p:spPr>
+      </p:pic>
+      <p:sp>
+        <p:nvSpPr>
+          <p:cNvPr id="86" name="TextBox 4"/>
+          <p:cNvSpPr txBox="1"/>
+          <p:nvPr/>
+        </p:nvSpPr>
+        <p:spPr>
+          <a:xfrm>
+            <a:off x="602903" y="594325"/>
+            <a:ext cx="4882106" cy="423514"/>
+          </a:xfrm>
+          <a:prstGeom prst="rect">
+            <a:avLst/>
+          </a:prstGeom>
+        </p:spPr>
+        <p:txBody>
+          <a:bodyPr lIns="0" tIns="0" rIns="0" bIns="0" rtlCol="0" anchor="ctr">
+            <a:spAutoFit/>
+          </a:bodyPr>
+          <a:lstStyle/>
+          <a:p>
+            <a:pPr algn="l" latinLnBrk="1">
+              <a:lnSpc>
+                <a:spcPct val="116199"/>
+              </a:lnSpc>
+            </a:pPr>
+            <a:r>
+              <a:rPr lang="en-US" sz="2531" b="1">
+                <a:solidFill>
+                  <a:srgbClr val="EDD1D6"/>
+                </a:solidFill>
+                <a:latin typeface="Microsoft YaHei"/>
+                <a:ea typeface="Microsoft YaHei"/>
+              </a:rPr>
+              <a:t>课程内容</a:t>
+            </a:r>
+            <a:endParaRPr lang="en-US" sz="1160"/>
+          </a:p>
+        </p:txBody>
+      </p:sp>
+    </p:spTree>
+    <p:extLst>
+      <p:ext uri="{BB962C8B-B14F-4D97-AF65-F5344CB8AC3E}">
+        <p14:creationId xmlns:p14="http://schemas.microsoft.com/office/powerpoint/2010/main" val="1423730517"/>
+      </p:ext>
+    </p:extLst>
+  </p:cSld>
+  <p:clrMapOvr>
+    <a:masterClrMapping/>
+  </p:clrMapOvr>
+  <p:transition spd="med">
+    <p:fade/>
+  </p:transition>
+  <p:timing>
+    <p:tnLst>
+      <p:par>
+        <p:cTn id="1" dur="indefinite" restart="never" nodeType="tmRoot">
+          <p:childTnLst>
+            <p:seq concurrent="1" nextAc="seek">
+              <p:cTn id="2" dur="indefinite" nodeType="mainSeq">
+                <p:childTnLst>
+                  <p:par>
+                    <p:cTn id="3" fill="hold">
+                      <p:stCondLst>
+                        <p:cond delay="indefinite"/>
+                        <p:cond evt="onBegin" delay="0">
+                          <p:tn val="2"/>
+                        </p:cond>
+                      </p:stCondLst>
+                      <p:childTnLst>
+                        <p:par>
+                          <p:cTn id="4" fill="hold">
+                            <p:stCondLst>
+                              <p:cond delay="0"/>
+                            </p:stCondLst>
+                            <p:childTnLst>
+                              <p:par>
+                                <p:cTn id="5" presetID="10" presetClass="entr" presetSubtype="0" fill="hold" grpId="0" nodeType="withEffect">
+                                  <p:stCondLst>
+                                    <p:cond delay="0"/>
+                                  </p:stCondLst>
+                                  <p:childTnLst>
+                                    <p:set>
+                                      <p:cBhvr>
+                                        <p:cTn id="6" dur="1" fill="hold">
+                                          <p:stCondLst>
+                                            <p:cond delay="0"/>
+                                          </p:stCondLst>
+                                        </p:cTn>
+                                        <p:tgtEl>
+                                          <p:spTgt spid="83"/>
+                                        </p:tgtEl>
+                                        <p:attrNameLst>
+                                          <p:attrName>style.visibility</p:attrName>
+                                        </p:attrNameLst>
+                                      </p:cBhvr>
+                                      <p:to>
+                                        <p:strVal val="visible"/>
+                                      </p:to>
+                                    </p:set>
+                                    <p:animEffect transition="in" filter="fade">
+                                      <p:cBhvr>
+                                        <p:cTn id="7" dur="1000"/>
+                                        <p:tgtEl>
+                                          <p:spTgt spid="83"/>
+                                        </p:tgtEl>
+                                      </p:cBhvr>
+                                    </p:animEffect>
+                                  </p:childTnLst>
+                                </p:cTn>
+                              </p:par>
+                              <p:par>
+                                <p:cTn id="8" presetID="10" presetClass="entr" presetSubtype="0" fill="hold" grpId="0" nodeType="withEffect">
+                                  <p:stCondLst>
+                                    <p:cond delay="0"/>
+                                  </p:stCondLst>
+                                  <p:childTnLst>
+                                    <p:set>
+                                      <p:cBhvr>
+                                        <p:cTn id="9" dur="1" fill="hold">
+                                          <p:stCondLst>
+                                            <p:cond delay="0"/>
+                                          </p:stCondLst>
+                                        </p:cTn>
+                                        <p:tgtEl>
+                                          <p:spTgt spid="84"/>
+                                        </p:tgtEl>
+                                        <p:attrNameLst>
+                                          <p:attrName>style.visibility</p:attrName>
+                                        </p:attrNameLst>
+                                      </p:cBhvr>
+                                      <p:to>
+                                        <p:strVal val="visible"/>
+                                      </p:to>
+                                    </p:set>
+                                    <p:animEffect transition="in" filter="fade">
+                                      <p:cBhvr>
+                                        <p:cTn id="10" dur="1000"/>
+                                        <p:tgtEl>
+                                          <p:spTgt spid="84"/>
+                                        </p:tgtEl>
+                                      </p:cBhvr>
+                                    </p:animEffect>
+                                  </p:childTnLst>
+                                </p:cTn>
+                              </p:par>
+                              <p:par>
+                                <p:cTn id="11" presetID="10" presetClass="entr" presetSubtype="0" fill="hold" grpId="0" nodeType="withEffect">
+                                  <p:stCondLst>
+                                    <p:cond delay="0"/>
+                                  </p:stCondLst>
+                                  <p:childTnLst>
+                                    <p:set>
+                                      <p:cBhvr>
+                                        <p:cTn id="12" dur="1" fill="hold">
+                                          <p:stCondLst>
+                                            <p:cond delay="0"/>
+                                          </p:stCondLst>
+                                        </p:cTn>
+                                        <p:tgtEl>
+                                          <p:spTgt spid="85"/>
+                                        </p:tgtEl>
+                                        <p:attrNameLst>
+                                          <p:attrName>style.visibility</p:attrName>
+                                        </p:attrNameLst>
+                                      </p:cBhvr>
+                                      <p:to>
+                                        <p:strVal val="visible"/>
+                                      </p:to>
+                                    </p:set>
+                                    <p:animEffect transition="in" filter="fade">
+                                      <p:cBhvr>
+                                        <p:cTn id="13" dur="1000"/>
+                                        <p:tgtEl>
+                                          <p:spTgt spid="85"/>
+                                        </p:tgtEl>
+                                      </p:cBhvr>
+                                    </p:animEffect>
+                                  </p:childTnLst>
+                                </p:cTn>
+                              </p:par>
+                            </p:childTnLst>
+                          </p:cTn>
+                        </p:par>
+                      </p:childTnLst>
+                    </p:cTn>
+                  </p:par>
+                </p:childTnLst>
+              </p:cTn>
+              <p:prevCondLst>
+                <p:cond evt="onPrev" delay="0">
+                  <p:tgtEl>
+                    <p:sldTgt/>
+                  </p:tgtEl>
+                </p:cond>
+              </p:prevCondLst>
+              <p:nextCondLst>
+                <p:cond evt="onNext" delay="0">
+                  <p:tgtEl>
+                    <p:sldTgt/>
+                  </p:tgtEl>
+                </p:cond>
+              </p:nextCondLst>
+            </p:seq>
+          </p:childTnLst>
+        </p:cTn>
+      </p:par>
+    </p:tnLst>
+    <p:bldLst>
+      <p:bldP spid="83" grpId="0" animBg="1"/>
+      <p:bldP spid="84" grpId="0" animBg="1"/>
+      <p:bldP spid="85" grpId="0" animBg="1"/>
     </p:bldLst>
   </p:timing>
 </p:sld>
